--- a/WEB - технологии.pptx
+++ b/WEB - технологии.pptx
@@ -17,11 +17,6 @@
     <p:sldId id="264" r:id="rId12"/>
     <p:sldId id="265" r:id="rId13"/>
     <p:sldId id="266" r:id="rId14"/>
-    <p:sldId id="267" r:id="rId15"/>
-    <p:sldId id="268" r:id="rId16"/>
-    <p:sldId id="269" r:id="rId17"/>
-    <p:sldId id="270" r:id="rId18"/>
-    <p:sldId id="271" r:id="rId19"/>
   </p:sldIdLst>
   <p:sldSz cx="9144000" cy="5143500"/>
   <p:notesSz cx="6858000" cy="9144000"/>
@@ -95,7 +90,7 @@
             <a:noAutofit/>
           </a:bodyPr>
           <a:p>
-            <a:endParaRPr b="0" lang="ru-RU" sz="1400" spc="-1" strike="noStrike">
+            <a:endParaRPr b="0" lang="en-US" sz="1400" spc="-1" strike="noStrike">
               <a:solidFill>
                 <a:srgbClr val="000000"/>
               </a:solidFill>
@@ -132,7 +127,7 @@
             <a:normAutofit/>
           </a:bodyPr>
           <a:p>
-            <a:endParaRPr b="0" lang="ru-RU" sz="1400" spc="-1" strike="noStrike">
+            <a:endParaRPr b="0" lang="en-US" sz="1400" spc="-1" strike="noStrike">
               <a:solidFill>
                 <a:srgbClr val="000000"/>
               </a:solidFill>
@@ -169,7 +164,7 @@
             <a:normAutofit/>
           </a:bodyPr>
           <a:p>
-            <a:endParaRPr b="0" lang="ru-RU" sz="1400" spc="-1" strike="noStrike">
+            <a:endParaRPr b="0" lang="en-US" sz="1400" spc="-1" strike="noStrike">
               <a:solidFill>
                 <a:srgbClr val="000000"/>
               </a:solidFill>
@@ -228,7 +223,7 @@
             <a:noAutofit/>
           </a:bodyPr>
           <a:p>
-            <a:endParaRPr b="0" lang="ru-RU" sz="1400" spc="-1" strike="noStrike">
+            <a:endParaRPr b="0" lang="en-US" sz="1400" spc="-1" strike="noStrike">
               <a:solidFill>
                 <a:srgbClr val="000000"/>
               </a:solidFill>
@@ -265,7 +260,7 @@
             <a:normAutofit/>
           </a:bodyPr>
           <a:p>
-            <a:endParaRPr b="0" lang="ru-RU" sz="1400" spc="-1" strike="noStrike">
+            <a:endParaRPr b="0" lang="en-US" sz="1400" spc="-1" strike="noStrike">
               <a:solidFill>
                 <a:srgbClr val="000000"/>
               </a:solidFill>
@@ -302,7 +297,7 @@
             <a:normAutofit/>
           </a:bodyPr>
           <a:p>
-            <a:endParaRPr b="0" lang="ru-RU" sz="1400" spc="-1" strike="noStrike">
+            <a:endParaRPr b="0" lang="en-US" sz="1400" spc="-1" strike="noStrike">
               <a:solidFill>
                 <a:srgbClr val="000000"/>
               </a:solidFill>
@@ -339,7 +334,7 @@
             <a:normAutofit/>
           </a:bodyPr>
           <a:p>
-            <a:endParaRPr b="0" lang="ru-RU" sz="1400" spc="-1" strike="noStrike">
+            <a:endParaRPr b="0" lang="en-US" sz="1400" spc="-1" strike="noStrike">
               <a:solidFill>
                 <a:srgbClr val="000000"/>
               </a:solidFill>
@@ -376,7 +371,7 @@
             <a:normAutofit/>
           </a:bodyPr>
           <a:p>
-            <a:endParaRPr b="0" lang="ru-RU" sz="1400" spc="-1" strike="noStrike">
+            <a:endParaRPr b="0" lang="en-US" sz="1400" spc="-1" strike="noStrike">
               <a:solidFill>
                 <a:srgbClr val="000000"/>
               </a:solidFill>
@@ -435,7 +430,7 @@
             <a:noAutofit/>
           </a:bodyPr>
           <a:p>
-            <a:endParaRPr b="0" lang="ru-RU" sz="1400" spc="-1" strike="noStrike">
+            <a:endParaRPr b="0" lang="en-US" sz="1400" spc="-1" strike="noStrike">
               <a:solidFill>
                 <a:srgbClr val="000000"/>
               </a:solidFill>
@@ -472,7 +467,7 @@
             <a:normAutofit/>
           </a:bodyPr>
           <a:p>
-            <a:endParaRPr b="0" lang="ru-RU" sz="1400" spc="-1" strike="noStrike">
+            <a:endParaRPr b="0" lang="en-US" sz="1400" spc="-1" strike="noStrike">
               <a:solidFill>
                 <a:srgbClr val="000000"/>
               </a:solidFill>
@@ -509,7 +504,7 @@
             <a:normAutofit/>
           </a:bodyPr>
           <a:p>
-            <a:endParaRPr b="0" lang="ru-RU" sz="1400" spc="-1" strike="noStrike">
+            <a:endParaRPr b="0" lang="en-US" sz="1400" spc="-1" strike="noStrike">
               <a:solidFill>
                 <a:srgbClr val="000000"/>
               </a:solidFill>
@@ -546,7 +541,7 @@
             <a:normAutofit/>
           </a:bodyPr>
           <a:p>
-            <a:endParaRPr b="0" lang="ru-RU" sz="1400" spc="-1" strike="noStrike">
+            <a:endParaRPr b="0" lang="en-US" sz="1400" spc="-1" strike="noStrike">
               <a:solidFill>
                 <a:srgbClr val="000000"/>
               </a:solidFill>
@@ -583,7 +578,7 @@
             <a:normAutofit/>
           </a:bodyPr>
           <a:p>
-            <a:endParaRPr b="0" lang="ru-RU" sz="1400" spc="-1" strike="noStrike">
+            <a:endParaRPr b="0" lang="en-US" sz="1400" spc="-1" strike="noStrike">
               <a:solidFill>
                 <a:srgbClr val="000000"/>
               </a:solidFill>
@@ -620,7 +615,7 @@
             <a:normAutofit/>
           </a:bodyPr>
           <a:p>
-            <a:endParaRPr b="0" lang="ru-RU" sz="1400" spc="-1" strike="noStrike">
+            <a:endParaRPr b="0" lang="en-US" sz="1400" spc="-1" strike="noStrike">
               <a:solidFill>
                 <a:srgbClr val="000000"/>
               </a:solidFill>
@@ -657,7 +652,7 @@
             <a:normAutofit/>
           </a:bodyPr>
           <a:p>
-            <a:endParaRPr b="0" lang="ru-RU" sz="1400" spc="-1" strike="noStrike">
+            <a:endParaRPr b="0" lang="en-US" sz="1400" spc="-1" strike="noStrike">
               <a:solidFill>
                 <a:srgbClr val="000000"/>
               </a:solidFill>
@@ -738,7 +733,7 @@
             <a:noAutofit/>
           </a:bodyPr>
           <a:p>
-            <a:endParaRPr b="0" lang="ru-RU" sz="1400" spc="-1" strike="noStrike">
+            <a:endParaRPr b="0" lang="en-US" sz="1400" spc="-1" strike="noStrike">
               <a:solidFill>
                 <a:srgbClr val="000000"/>
               </a:solidFill>
@@ -778,7 +773,7 @@
             <a:pPr algn="ctr">
               <a:buNone/>
             </a:pPr>
-            <a:endParaRPr b="0" lang="ru-RU" sz="3200" spc="-1" strike="noStrike">
+            <a:endParaRPr b="0" lang="en-US" sz="3200" spc="-1" strike="noStrike">
               <a:latin typeface="Arial"/>
             </a:endParaRPr>
           </a:p>
@@ -834,7 +829,7 @@
             <a:noAutofit/>
           </a:bodyPr>
           <a:p>
-            <a:endParaRPr b="0" lang="ru-RU" sz="1400" spc="-1" strike="noStrike">
+            <a:endParaRPr b="0" lang="en-US" sz="1400" spc="-1" strike="noStrike">
               <a:solidFill>
                 <a:srgbClr val="000000"/>
               </a:solidFill>
@@ -871,7 +866,7 @@
             <a:normAutofit/>
           </a:bodyPr>
           <a:p>
-            <a:endParaRPr b="0" lang="ru-RU" sz="1400" spc="-1" strike="noStrike">
+            <a:endParaRPr b="0" lang="en-US" sz="1400" spc="-1" strike="noStrike">
               <a:solidFill>
                 <a:srgbClr val="000000"/>
               </a:solidFill>
@@ -930,7 +925,7 @@
             <a:noAutofit/>
           </a:bodyPr>
           <a:p>
-            <a:endParaRPr b="0" lang="ru-RU" sz="1400" spc="-1" strike="noStrike">
+            <a:endParaRPr b="0" lang="en-US" sz="1400" spc="-1" strike="noStrike">
               <a:solidFill>
                 <a:srgbClr val="000000"/>
               </a:solidFill>
@@ -967,7 +962,7 @@
             <a:normAutofit/>
           </a:bodyPr>
           <a:p>
-            <a:endParaRPr b="0" lang="ru-RU" sz="1400" spc="-1" strike="noStrike">
+            <a:endParaRPr b="0" lang="en-US" sz="1400" spc="-1" strike="noStrike">
               <a:solidFill>
                 <a:srgbClr val="000000"/>
               </a:solidFill>
@@ -1004,7 +999,7 @@
             <a:normAutofit/>
           </a:bodyPr>
           <a:p>
-            <a:endParaRPr b="0" lang="ru-RU" sz="1400" spc="-1" strike="noStrike">
+            <a:endParaRPr b="0" lang="en-US" sz="1400" spc="-1" strike="noStrike">
               <a:solidFill>
                 <a:srgbClr val="000000"/>
               </a:solidFill>
@@ -1063,7 +1058,7 @@
             <a:noAutofit/>
           </a:bodyPr>
           <a:p>
-            <a:endParaRPr b="0" lang="ru-RU" sz="1400" spc="-1" strike="noStrike">
+            <a:endParaRPr b="0" lang="en-US" sz="1400" spc="-1" strike="noStrike">
               <a:solidFill>
                 <a:srgbClr val="000000"/>
               </a:solidFill>
@@ -1125,7 +1120,7 @@
             <a:pPr algn="ctr">
               <a:buNone/>
             </a:pPr>
-            <a:endParaRPr b="0" lang="ru-RU" sz="3200" spc="-1" strike="noStrike">
+            <a:endParaRPr b="0" lang="en-US" sz="3200" spc="-1" strike="noStrike">
               <a:latin typeface="Arial"/>
             </a:endParaRPr>
           </a:p>
@@ -1181,7 +1176,7 @@
             <a:noAutofit/>
           </a:bodyPr>
           <a:p>
-            <a:endParaRPr b="0" lang="ru-RU" sz="1400" spc="-1" strike="noStrike">
+            <a:endParaRPr b="0" lang="en-US" sz="1400" spc="-1" strike="noStrike">
               <a:solidFill>
                 <a:srgbClr val="000000"/>
               </a:solidFill>
@@ -1218,7 +1213,7 @@
             <a:normAutofit/>
           </a:bodyPr>
           <a:p>
-            <a:endParaRPr b="0" lang="ru-RU" sz="1400" spc="-1" strike="noStrike">
+            <a:endParaRPr b="0" lang="en-US" sz="1400" spc="-1" strike="noStrike">
               <a:solidFill>
                 <a:srgbClr val="000000"/>
               </a:solidFill>
@@ -1255,7 +1250,7 @@
             <a:normAutofit/>
           </a:bodyPr>
           <a:p>
-            <a:endParaRPr b="0" lang="ru-RU" sz="1400" spc="-1" strike="noStrike">
+            <a:endParaRPr b="0" lang="en-US" sz="1400" spc="-1" strike="noStrike">
               <a:solidFill>
                 <a:srgbClr val="000000"/>
               </a:solidFill>
@@ -1292,7 +1287,7 @@
             <a:normAutofit/>
           </a:bodyPr>
           <a:p>
-            <a:endParaRPr b="0" lang="ru-RU" sz="1400" spc="-1" strike="noStrike">
+            <a:endParaRPr b="0" lang="en-US" sz="1400" spc="-1" strike="noStrike">
               <a:solidFill>
                 <a:srgbClr val="000000"/>
               </a:solidFill>
@@ -1351,7 +1346,7 @@
             <a:noAutofit/>
           </a:bodyPr>
           <a:p>
-            <a:endParaRPr b="0" lang="ru-RU" sz="1400" spc="-1" strike="noStrike">
+            <a:endParaRPr b="0" lang="en-US" sz="1400" spc="-1" strike="noStrike">
               <a:solidFill>
                 <a:srgbClr val="000000"/>
               </a:solidFill>
@@ -1391,7 +1386,7 @@
             <a:pPr algn="ctr">
               <a:buNone/>
             </a:pPr>
-            <a:endParaRPr b="0" lang="ru-RU" sz="3200" spc="-1" strike="noStrike">
+            <a:endParaRPr b="0" lang="en-US" sz="3200" spc="-1" strike="noStrike">
               <a:latin typeface="Arial"/>
             </a:endParaRPr>
           </a:p>
@@ -1447,7 +1442,7 @@
             <a:noAutofit/>
           </a:bodyPr>
           <a:p>
-            <a:endParaRPr b="0" lang="ru-RU" sz="1400" spc="-1" strike="noStrike">
+            <a:endParaRPr b="0" lang="en-US" sz="1400" spc="-1" strike="noStrike">
               <a:solidFill>
                 <a:srgbClr val="000000"/>
               </a:solidFill>
@@ -1484,7 +1479,7 @@
             <a:normAutofit/>
           </a:bodyPr>
           <a:p>
-            <a:endParaRPr b="0" lang="ru-RU" sz="1400" spc="-1" strike="noStrike">
+            <a:endParaRPr b="0" lang="en-US" sz="1400" spc="-1" strike="noStrike">
               <a:solidFill>
                 <a:srgbClr val="000000"/>
               </a:solidFill>
@@ -1521,7 +1516,7 @@
             <a:normAutofit/>
           </a:bodyPr>
           <a:p>
-            <a:endParaRPr b="0" lang="ru-RU" sz="1400" spc="-1" strike="noStrike">
+            <a:endParaRPr b="0" lang="en-US" sz="1400" spc="-1" strike="noStrike">
               <a:solidFill>
                 <a:srgbClr val="000000"/>
               </a:solidFill>
@@ -1558,7 +1553,7 @@
             <a:normAutofit/>
           </a:bodyPr>
           <a:p>
-            <a:endParaRPr b="0" lang="ru-RU" sz="1400" spc="-1" strike="noStrike">
+            <a:endParaRPr b="0" lang="en-US" sz="1400" spc="-1" strike="noStrike">
               <a:solidFill>
                 <a:srgbClr val="000000"/>
               </a:solidFill>
@@ -1617,7 +1612,7 @@
             <a:noAutofit/>
           </a:bodyPr>
           <a:p>
-            <a:endParaRPr b="0" lang="ru-RU" sz="1400" spc="-1" strike="noStrike">
+            <a:endParaRPr b="0" lang="en-US" sz="1400" spc="-1" strike="noStrike">
               <a:solidFill>
                 <a:srgbClr val="000000"/>
               </a:solidFill>
@@ -1654,7 +1649,7 @@
             <a:normAutofit/>
           </a:bodyPr>
           <a:p>
-            <a:endParaRPr b="0" lang="ru-RU" sz="1400" spc="-1" strike="noStrike">
+            <a:endParaRPr b="0" lang="en-US" sz="1400" spc="-1" strike="noStrike">
               <a:solidFill>
                 <a:srgbClr val="000000"/>
               </a:solidFill>
@@ -1691,7 +1686,7 @@
             <a:normAutofit/>
           </a:bodyPr>
           <a:p>
-            <a:endParaRPr b="0" lang="ru-RU" sz="1400" spc="-1" strike="noStrike">
+            <a:endParaRPr b="0" lang="en-US" sz="1400" spc="-1" strike="noStrike">
               <a:solidFill>
                 <a:srgbClr val="000000"/>
               </a:solidFill>
@@ -1728,7 +1723,7 @@
             <a:normAutofit/>
           </a:bodyPr>
           <a:p>
-            <a:endParaRPr b="0" lang="ru-RU" sz="1400" spc="-1" strike="noStrike">
+            <a:endParaRPr b="0" lang="en-US" sz="1400" spc="-1" strike="noStrike">
               <a:solidFill>
                 <a:srgbClr val="000000"/>
               </a:solidFill>
@@ -1787,7 +1782,7 @@
             <a:noAutofit/>
           </a:bodyPr>
           <a:p>
-            <a:endParaRPr b="0" lang="ru-RU" sz="1400" spc="-1" strike="noStrike">
+            <a:endParaRPr b="0" lang="en-US" sz="1400" spc="-1" strike="noStrike">
               <a:solidFill>
                 <a:srgbClr val="000000"/>
               </a:solidFill>
@@ -1824,7 +1819,7 @@
             <a:normAutofit/>
           </a:bodyPr>
           <a:p>
-            <a:endParaRPr b="0" lang="ru-RU" sz="1400" spc="-1" strike="noStrike">
+            <a:endParaRPr b="0" lang="en-US" sz="1400" spc="-1" strike="noStrike">
               <a:solidFill>
                 <a:srgbClr val="000000"/>
               </a:solidFill>
@@ -1861,7 +1856,7 @@
             <a:normAutofit/>
           </a:bodyPr>
           <a:p>
-            <a:endParaRPr b="0" lang="ru-RU" sz="1400" spc="-1" strike="noStrike">
+            <a:endParaRPr b="0" lang="en-US" sz="1400" spc="-1" strike="noStrike">
               <a:solidFill>
                 <a:srgbClr val="000000"/>
               </a:solidFill>
@@ -1920,7 +1915,7 @@
             <a:noAutofit/>
           </a:bodyPr>
           <a:p>
-            <a:endParaRPr b="0" lang="ru-RU" sz="1400" spc="-1" strike="noStrike">
+            <a:endParaRPr b="0" lang="en-US" sz="1400" spc="-1" strike="noStrike">
               <a:solidFill>
                 <a:srgbClr val="000000"/>
               </a:solidFill>
@@ -1957,7 +1952,7 @@
             <a:normAutofit/>
           </a:bodyPr>
           <a:p>
-            <a:endParaRPr b="0" lang="ru-RU" sz="1400" spc="-1" strike="noStrike">
+            <a:endParaRPr b="0" lang="en-US" sz="1400" spc="-1" strike="noStrike">
               <a:solidFill>
                 <a:srgbClr val="000000"/>
               </a:solidFill>
@@ -1994,7 +1989,7 @@
             <a:normAutofit/>
           </a:bodyPr>
           <a:p>
-            <a:endParaRPr b="0" lang="ru-RU" sz="1400" spc="-1" strike="noStrike">
+            <a:endParaRPr b="0" lang="en-US" sz="1400" spc="-1" strike="noStrike">
               <a:solidFill>
                 <a:srgbClr val="000000"/>
               </a:solidFill>
@@ -2031,7 +2026,7 @@
             <a:normAutofit/>
           </a:bodyPr>
           <a:p>
-            <a:endParaRPr b="0" lang="ru-RU" sz="1400" spc="-1" strike="noStrike">
+            <a:endParaRPr b="0" lang="en-US" sz="1400" spc="-1" strike="noStrike">
               <a:solidFill>
                 <a:srgbClr val="000000"/>
               </a:solidFill>
@@ -2068,7 +2063,7 @@
             <a:normAutofit/>
           </a:bodyPr>
           <a:p>
-            <a:endParaRPr b="0" lang="ru-RU" sz="1400" spc="-1" strike="noStrike">
+            <a:endParaRPr b="0" lang="en-US" sz="1400" spc="-1" strike="noStrike">
               <a:solidFill>
                 <a:srgbClr val="000000"/>
               </a:solidFill>
@@ -2127,7 +2122,7 @@
             <a:noAutofit/>
           </a:bodyPr>
           <a:p>
-            <a:endParaRPr b="0" lang="ru-RU" sz="1400" spc="-1" strike="noStrike">
+            <a:endParaRPr b="0" lang="en-US" sz="1400" spc="-1" strike="noStrike">
               <a:solidFill>
                 <a:srgbClr val="000000"/>
               </a:solidFill>
@@ -2164,7 +2159,7 @@
             <a:normAutofit/>
           </a:bodyPr>
           <a:p>
-            <a:endParaRPr b="0" lang="ru-RU" sz="1400" spc="-1" strike="noStrike">
+            <a:endParaRPr b="0" lang="en-US" sz="1400" spc="-1" strike="noStrike">
               <a:solidFill>
                 <a:srgbClr val="000000"/>
               </a:solidFill>
@@ -2201,7 +2196,7 @@
             <a:normAutofit/>
           </a:bodyPr>
           <a:p>
-            <a:endParaRPr b="0" lang="ru-RU" sz="1400" spc="-1" strike="noStrike">
+            <a:endParaRPr b="0" lang="en-US" sz="1400" spc="-1" strike="noStrike">
               <a:solidFill>
                 <a:srgbClr val="000000"/>
               </a:solidFill>
@@ -2238,7 +2233,7 @@
             <a:normAutofit/>
           </a:bodyPr>
           <a:p>
-            <a:endParaRPr b="0" lang="ru-RU" sz="1400" spc="-1" strike="noStrike">
+            <a:endParaRPr b="0" lang="en-US" sz="1400" spc="-1" strike="noStrike">
               <a:solidFill>
                 <a:srgbClr val="000000"/>
               </a:solidFill>
@@ -2275,7 +2270,7 @@
             <a:normAutofit/>
           </a:bodyPr>
           <a:p>
-            <a:endParaRPr b="0" lang="ru-RU" sz="1400" spc="-1" strike="noStrike">
+            <a:endParaRPr b="0" lang="en-US" sz="1400" spc="-1" strike="noStrike">
               <a:solidFill>
                 <a:srgbClr val="000000"/>
               </a:solidFill>
@@ -2312,7 +2307,7 @@
             <a:normAutofit/>
           </a:bodyPr>
           <a:p>
-            <a:endParaRPr b="0" lang="ru-RU" sz="1400" spc="-1" strike="noStrike">
+            <a:endParaRPr b="0" lang="en-US" sz="1400" spc="-1" strike="noStrike">
               <a:solidFill>
                 <a:srgbClr val="000000"/>
               </a:solidFill>
@@ -2349,7 +2344,7 @@
             <a:normAutofit/>
           </a:bodyPr>
           <a:p>
-            <a:endParaRPr b="0" lang="ru-RU" sz="1400" spc="-1" strike="noStrike">
+            <a:endParaRPr b="0" lang="en-US" sz="1400" spc="-1" strike="noStrike">
               <a:solidFill>
                 <a:srgbClr val="000000"/>
               </a:solidFill>
@@ -2408,7 +2403,7 @@
             <a:noAutofit/>
           </a:bodyPr>
           <a:p>
-            <a:endParaRPr b="0" lang="ru-RU" sz="1400" spc="-1" strike="noStrike">
+            <a:endParaRPr b="0" lang="en-US" sz="1400" spc="-1" strike="noStrike">
               <a:solidFill>
                 <a:srgbClr val="000000"/>
               </a:solidFill>
@@ -2445,7 +2440,7 @@
             <a:normAutofit/>
           </a:bodyPr>
           <a:p>
-            <a:endParaRPr b="0" lang="ru-RU" sz="1400" spc="-1" strike="noStrike">
+            <a:endParaRPr b="0" lang="en-US" sz="1400" spc="-1" strike="noStrike">
               <a:solidFill>
                 <a:srgbClr val="000000"/>
               </a:solidFill>
@@ -2504,7 +2499,7 @@
             <a:noAutofit/>
           </a:bodyPr>
           <a:p>
-            <a:endParaRPr b="0" lang="ru-RU" sz="1400" spc="-1" strike="noStrike">
+            <a:endParaRPr b="0" lang="en-US" sz="1400" spc="-1" strike="noStrike">
               <a:solidFill>
                 <a:srgbClr val="000000"/>
               </a:solidFill>
@@ -2541,7 +2536,7 @@
             <a:normAutofit/>
           </a:bodyPr>
           <a:p>
-            <a:endParaRPr b="0" lang="ru-RU" sz="1400" spc="-1" strike="noStrike">
+            <a:endParaRPr b="0" lang="en-US" sz="1400" spc="-1" strike="noStrike">
               <a:solidFill>
                 <a:srgbClr val="000000"/>
               </a:solidFill>
@@ -2578,7 +2573,7 @@
             <a:normAutofit/>
           </a:bodyPr>
           <a:p>
-            <a:endParaRPr b="0" lang="ru-RU" sz="1400" spc="-1" strike="noStrike">
+            <a:endParaRPr b="0" lang="en-US" sz="1400" spc="-1" strike="noStrike">
               <a:solidFill>
                 <a:srgbClr val="000000"/>
               </a:solidFill>
@@ -2637,7 +2632,7 @@
             <a:noAutofit/>
           </a:bodyPr>
           <a:p>
-            <a:endParaRPr b="0" lang="ru-RU" sz="1400" spc="-1" strike="noStrike">
+            <a:endParaRPr b="0" lang="en-US" sz="1400" spc="-1" strike="noStrike">
               <a:solidFill>
                 <a:srgbClr val="000000"/>
               </a:solidFill>
@@ -2699,7 +2694,7 @@
             <a:pPr algn="ctr">
               <a:buNone/>
             </a:pPr>
-            <a:endParaRPr b="0" lang="ru-RU" sz="3200" spc="-1" strike="noStrike">
+            <a:endParaRPr b="0" lang="en-US" sz="3200" spc="-1" strike="noStrike">
               <a:latin typeface="Arial"/>
             </a:endParaRPr>
           </a:p>
@@ -2755,7 +2750,7 @@
             <a:noAutofit/>
           </a:bodyPr>
           <a:p>
-            <a:endParaRPr b="0" lang="ru-RU" sz="1400" spc="-1" strike="noStrike">
+            <a:endParaRPr b="0" lang="en-US" sz="1400" spc="-1" strike="noStrike">
               <a:solidFill>
                 <a:srgbClr val="000000"/>
               </a:solidFill>
@@ -2792,7 +2787,7 @@
             <a:normAutofit/>
           </a:bodyPr>
           <a:p>
-            <a:endParaRPr b="0" lang="ru-RU" sz="1400" spc="-1" strike="noStrike">
+            <a:endParaRPr b="0" lang="en-US" sz="1400" spc="-1" strike="noStrike">
               <a:solidFill>
                 <a:srgbClr val="000000"/>
               </a:solidFill>
@@ -2829,7 +2824,7 @@
             <a:normAutofit/>
           </a:bodyPr>
           <a:p>
-            <a:endParaRPr b="0" lang="ru-RU" sz="1400" spc="-1" strike="noStrike">
+            <a:endParaRPr b="0" lang="en-US" sz="1400" spc="-1" strike="noStrike">
               <a:solidFill>
                 <a:srgbClr val="000000"/>
               </a:solidFill>
@@ -2866,7 +2861,7 @@
             <a:normAutofit/>
           </a:bodyPr>
           <a:p>
-            <a:endParaRPr b="0" lang="ru-RU" sz="1400" spc="-1" strike="noStrike">
+            <a:endParaRPr b="0" lang="en-US" sz="1400" spc="-1" strike="noStrike">
               <a:solidFill>
                 <a:srgbClr val="000000"/>
               </a:solidFill>
@@ -2925,7 +2920,7 @@
             <a:noAutofit/>
           </a:bodyPr>
           <a:p>
-            <a:endParaRPr b="0" lang="ru-RU" sz="1400" spc="-1" strike="noStrike">
+            <a:endParaRPr b="0" lang="en-US" sz="1400" spc="-1" strike="noStrike">
               <a:solidFill>
                 <a:srgbClr val="000000"/>
               </a:solidFill>
@@ -2962,7 +2957,7 @@
             <a:normAutofit/>
           </a:bodyPr>
           <a:p>
-            <a:endParaRPr b="0" lang="ru-RU" sz="1400" spc="-1" strike="noStrike">
+            <a:endParaRPr b="0" lang="en-US" sz="1400" spc="-1" strike="noStrike">
               <a:solidFill>
                 <a:srgbClr val="000000"/>
               </a:solidFill>
@@ -2999,7 +2994,7 @@
             <a:normAutofit/>
           </a:bodyPr>
           <a:p>
-            <a:endParaRPr b="0" lang="ru-RU" sz="1400" spc="-1" strike="noStrike">
+            <a:endParaRPr b="0" lang="en-US" sz="1400" spc="-1" strike="noStrike">
               <a:solidFill>
                 <a:srgbClr val="000000"/>
               </a:solidFill>
@@ -3036,7 +3031,7 @@
             <a:normAutofit/>
           </a:bodyPr>
           <a:p>
-            <a:endParaRPr b="0" lang="ru-RU" sz="1400" spc="-1" strike="noStrike">
+            <a:endParaRPr b="0" lang="en-US" sz="1400" spc="-1" strike="noStrike">
               <a:solidFill>
                 <a:srgbClr val="000000"/>
               </a:solidFill>
@@ -3095,7 +3090,7 @@
             <a:noAutofit/>
           </a:bodyPr>
           <a:p>
-            <a:endParaRPr b="0" lang="ru-RU" sz="1400" spc="-1" strike="noStrike">
+            <a:endParaRPr b="0" lang="en-US" sz="1400" spc="-1" strike="noStrike">
               <a:solidFill>
                 <a:srgbClr val="000000"/>
               </a:solidFill>
@@ -3132,7 +3127,7 @@
             <a:normAutofit/>
           </a:bodyPr>
           <a:p>
-            <a:endParaRPr b="0" lang="ru-RU" sz="1400" spc="-1" strike="noStrike">
+            <a:endParaRPr b="0" lang="en-US" sz="1400" spc="-1" strike="noStrike">
               <a:solidFill>
                 <a:srgbClr val="000000"/>
               </a:solidFill>
@@ -3169,7 +3164,7 @@
             <a:normAutofit/>
           </a:bodyPr>
           <a:p>
-            <a:endParaRPr b="0" lang="ru-RU" sz="1400" spc="-1" strike="noStrike">
+            <a:endParaRPr b="0" lang="en-US" sz="1400" spc="-1" strike="noStrike">
               <a:solidFill>
                 <a:srgbClr val="000000"/>
               </a:solidFill>
@@ -3206,7 +3201,7 @@
             <a:normAutofit/>
           </a:bodyPr>
           <a:p>
-            <a:endParaRPr b="0" lang="ru-RU" sz="1400" spc="-1" strike="noStrike">
+            <a:endParaRPr b="0" lang="en-US" sz="1400" spc="-1" strike="noStrike">
               <a:solidFill>
                 <a:srgbClr val="000000"/>
               </a:solidFill>
@@ -3274,15 +3269,15 @@
           </a:bodyPr>
           <a:p>
             <a:r>
-              <a:rPr b="0" lang="ru-RU" sz="5800" spc="-1" strike="noStrike">
+              <a:rPr b="0" lang="en-US" sz="5800" spc="-1" strike="noStrike">
                 <a:solidFill>
                   <a:srgbClr val="000000"/>
                 </a:solidFill>
                 <a:latin typeface="Arial"/>
               </a:rPr>
-              <a:t>Для правки текста заглавия щёлкните мышью</a:t>
-            </a:r>
-            <a:endParaRPr b="0" lang="ru-RU" sz="5800" spc="-1" strike="noStrike">
+              <a:t>Click to edit the title text format</a:t>
+            </a:r>
+            <a:endParaRPr b="0" lang="en-US" sz="5800" spc="-1" strike="noStrike">
               <a:solidFill>
                 <a:srgbClr val="000000"/>
               </a:solidFill>
@@ -3786,15 +3781,15 @@
               <a:buChar char=""/>
             </a:pPr>
             <a:r>
-              <a:rPr b="0" lang="ru-RU" sz="1400" spc="-1" strike="noStrike">
+              <a:rPr b="0" lang="en-US" sz="1400" spc="-1" strike="noStrike">
                 <a:solidFill>
                   <a:srgbClr val="000000"/>
                 </a:solidFill>
                 <a:latin typeface="Arial"/>
               </a:rPr>
-              <a:t>Для правки структуры щёлкните мышью</a:t>
-            </a:r>
-            <a:endParaRPr b="0" lang="ru-RU" sz="1400" spc="-1" strike="noStrike">
+              <a:t>Click to edit the outline text format</a:t>
+            </a:r>
+            <a:endParaRPr b="0" lang="en-US" sz="1400" spc="-1" strike="noStrike">
               <a:solidFill>
                 <a:srgbClr val="000000"/>
               </a:solidFill>
@@ -3814,15 +3809,15 @@
               <a:buChar char=""/>
             </a:pPr>
             <a:r>
-              <a:rPr b="0" lang="ru-RU" sz="1400" spc="-1" strike="noStrike">
+              <a:rPr b="0" lang="en-US" sz="1400" spc="-1" strike="noStrike">
                 <a:solidFill>
                   <a:srgbClr val="000000"/>
                 </a:solidFill>
                 <a:latin typeface="Arial"/>
               </a:rPr>
-              <a:t>Второй уровень структуры</a:t>
-            </a:r>
-            <a:endParaRPr b="0" lang="ru-RU" sz="1400" spc="-1" strike="noStrike">
+              <a:t>Second Outline Level</a:t>
+            </a:r>
+            <a:endParaRPr b="0" lang="en-US" sz="1400" spc="-1" strike="noStrike">
               <a:solidFill>
                 <a:srgbClr val="000000"/>
               </a:solidFill>
@@ -3842,15 +3837,15 @@
               <a:buChar char=""/>
             </a:pPr>
             <a:r>
-              <a:rPr b="0" lang="ru-RU" sz="1400" spc="-1" strike="noStrike">
+              <a:rPr b="0" lang="en-US" sz="1400" spc="-1" strike="noStrike">
                 <a:solidFill>
                   <a:srgbClr val="000000"/>
                 </a:solidFill>
                 <a:latin typeface="Arial"/>
               </a:rPr>
-              <a:t>Третий уровень структуры</a:t>
-            </a:r>
-            <a:endParaRPr b="0" lang="ru-RU" sz="1400" spc="-1" strike="noStrike">
+              <a:t>Third Outline Level</a:t>
+            </a:r>
+            <a:endParaRPr b="0" lang="en-US" sz="1400" spc="-1" strike="noStrike">
               <a:solidFill>
                 <a:srgbClr val="000000"/>
               </a:solidFill>
@@ -3870,15 +3865,15 @@
               <a:buChar char=""/>
             </a:pPr>
             <a:r>
-              <a:rPr b="0" lang="ru-RU" sz="1400" spc="-1" strike="noStrike">
+              <a:rPr b="0" lang="en-US" sz="1400" spc="-1" strike="noStrike">
                 <a:solidFill>
                   <a:srgbClr val="000000"/>
                 </a:solidFill>
                 <a:latin typeface="Arial"/>
               </a:rPr>
-              <a:t>Четвёртый уровень структуры</a:t>
-            </a:r>
-            <a:endParaRPr b="0" lang="ru-RU" sz="1400" spc="-1" strike="noStrike">
+              <a:t>Fourth Outline Level</a:t>
+            </a:r>
+            <a:endParaRPr b="0" lang="en-US" sz="1400" spc="-1" strike="noStrike">
               <a:solidFill>
                 <a:srgbClr val="000000"/>
               </a:solidFill>
@@ -3898,15 +3893,15 @@
               <a:buChar char=""/>
             </a:pPr>
             <a:r>
-              <a:rPr b="0" lang="ru-RU" sz="2000" spc="-1" strike="noStrike">
+              <a:rPr b="0" lang="en-US" sz="2000" spc="-1" strike="noStrike">
                 <a:solidFill>
                   <a:srgbClr val="000000"/>
                 </a:solidFill>
                 <a:latin typeface="Arial"/>
               </a:rPr>
-              <a:t>Пятый уровень структуры</a:t>
-            </a:r>
-            <a:endParaRPr b="0" lang="ru-RU" sz="2000" spc="-1" strike="noStrike">
+              <a:t>Fifth Outline Level</a:t>
+            </a:r>
+            <a:endParaRPr b="0" lang="en-US" sz="2000" spc="-1" strike="noStrike">
               <a:solidFill>
                 <a:srgbClr val="000000"/>
               </a:solidFill>
@@ -3926,15 +3921,15 @@
               <a:buChar char=""/>
             </a:pPr>
             <a:r>
-              <a:rPr b="0" lang="ru-RU" sz="2000" spc="-1" strike="noStrike">
+              <a:rPr b="0" lang="en-US" sz="2000" spc="-1" strike="noStrike">
                 <a:solidFill>
                   <a:srgbClr val="000000"/>
                 </a:solidFill>
                 <a:latin typeface="Arial"/>
               </a:rPr>
-              <a:t>Шестой уровень структуры</a:t>
-            </a:r>
-            <a:endParaRPr b="0" lang="ru-RU" sz="2000" spc="-1" strike="noStrike">
+              <a:t>Sixth Outline Level</a:t>
+            </a:r>
+            <a:endParaRPr b="0" lang="en-US" sz="2000" spc="-1" strike="noStrike">
               <a:solidFill>
                 <a:srgbClr val="000000"/>
               </a:solidFill>
@@ -3954,15 +3949,15 @@
               <a:buChar char=""/>
             </a:pPr>
             <a:r>
-              <a:rPr b="0" lang="ru-RU" sz="2000" spc="-1" strike="noStrike">
+              <a:rPr b="0" lang="en-US" sz="2000" spc="-1" strike="noStrike">
                 <a:solidFill>
                   <a:srgbClr val="000000"/>
                 </a:solidFill>
                 <a:latin typeface="Arial"/>
               </a:rPr>
-              <a:t>Седьмой уровень структуры</a:t>
-            </a:r>
-            <a:endParaRPr b="0" lang="ru-RU" sz="2000" spc="-1" strike="noStrike">
+              <a:t>Seventh Outline Level</a:t>
+            </a:r>
+            <a:endParaRPr b="0" lang="en-US" sz="2000" spc="-1" strike="noStrike">
               <a:solidFill>
                 <a:srgbClr val="000000"/>
               </a:solidFill>
@@ -4045,15 +4040,15 @@
           </a:bodyPr>
           <a:p>
             <a:r>
-              <a:rPr b="0" lang="ru-RU" sz="5800" spc="-1" strike="noStrike">
+              <a:rPr b="0" lang="en-US" sz="5800" spc="-1" strike="noStrike">
                 <a:solidFill>
                   <a:srgbClr val="000000"/>
                 </a:solidFill>
                 <a:latin typeface="Arial"/>
               </a:rPr>
-              <a:t>Для правки текста заглавия щёлкните мышью</a:t>
-            </a:r>
-            <a:endParaRPr b="0" lang="ru-RU" sz="5800" spc="-1" strike="noStrike">
+              <a:t>Click to edit the title text format</a:t>
+            </a:r>
+            <a:endParaRPr b="0" lang="en-US" sz="5800" spc="-1" strike="noStrike">
               <a:solidFill>
                 <a:srgbClr val="000000"/>
               </a:solidFill>
@@ -4557,15 +4552,15 @@
               <a:buChar char=""/>
             </a:pPr>
             <a:r>
-              <a:rPr b="0" lang="ru-RU" sz="1400" spc="-1" strike="noStrike">
+              <a:rPr b="0" lang="en-US" sz="1400" spc="-1" strike="noStrike">
                 <a:solidFill>
                   <a:srgbClr val="000000"/>
                 </a:solidFill>
                 <a:latin typeface="Arial"/>
               </a:rPr>
-              <a:t>Для правки структуры щёлкните мышью</a:t>
-            </a:r>
-            <a:endParaRPr b="0" lang="ru-RU" sz="1400" spc="-1" strike="noStrike">
+              <a:t>Click to edit the outline text format</a:t>
+            </a:r>
+            <a:endParaRPr b="0" lang="en-US" sz="1400" spc="-1" strike="noStrike">
               <a:solidFill>
                 <a:srgbClr val="000000"/>
               </a:solidFill>
@@ -4585,15 +4580,15 @@
               <a:buChar char=""/>
             </a:pPr>
             <a:r>
-              <a:rPr b="0" lang="ru-RU" sz="1400" spc="-1" strike="noStrike">
+              <a:rPr b="0" lang="en-US" sz="1400" spc="-1" strike="noStrike">
                 <a:solidFill>
                   <a:srgbClr val="000000"/>
                 </a:solidFill>
                 <a:latin typeface="Arial"/>
               </a:rPr>
-              <a:t>Второй уровень структуры</a:t>
-            </a:r>
-            <a:endParaRPr b="0" lang="ru-RU" sz="1400" spc="-1" strike="noStrike">
+              <a:t>Second Outline Level</a:t>
+            </a:r>
+            <a:endParaRPr b="0" lang="en-US" sz="1400" spc="-1" strike="noStrike">
               <a:solidFill>
                 <a:srgbClr val="000000"/>
               </a:solidFill>
@@ -4613,15 +4608,15 @@
               <a:buChar char=""/>
             </a:pPr>
             <a:r>
-              <a:rPr b="0" lang="ru-RU" sz="1400" spc="-1" strike="noStrike">
+              <a:rPr b="0" lang="en-US" sz="1400" spc="-1" strike="noStrike">
                 <a:solidFill>
                   <a:srgbClr val="000000"/>
                 </a:solidFill>
                 <a:latin typeface="Arial"/>
               </a:rPr>
-              <a:t>Третий уровень структуры</a:t>
-            </a:r>
-            <a:endParaRPr b="0" lang="ru-RU" sz="1400" spc="-1" strike="noStrike">
+              <a:t>Third Outline Level</a:t>
+            </a:r>
+            <a:endParaRPr b="0" lang="en-US" sz="1400" spc="-1" strike="noStrike">
               <a:solidFill>
                 <a:srgbClr val="000000"/>
               </a:solidFill>
@@ -4641,15 +4636,15 @@
               <a:buChar char=""/>
             </a:pPr>
             <a:r>
-              <a:rPr b="0" lang="ru-RU" sz="1400" spc="-1" strike="noStrike">
+              <a:rPr b="0" lang="en-US" sz="1400" spc="-1" strike="noStrike">
                 <a:solidFill>
                   <a:srgbClr val="000000"/>
                 </a:solidFill>
                 <a:latin typeface="Arial"/>
               </a:rPr>
-              <a:t>Четвёртый уровень структуры</a:t>
-            </a:r>
-            <a:endParaRPr b="0" lang="ru-RU" sz="1400" spc="-1" strike="noStrike">
+              <a:t>Fourth Outline Level</a:t>
+            </a:r>
+            <a:endParaRPr b="0" lang="en-US" sz="1400" spc="-1" strike="noStrike">
               <a:solidFill>
                 <a:srgbClr val="000000"/>
               </a:solidFill>
@@ -4669,15 +4664,15 @@
               <a:buChar char=""/>
             </a:pPr>
             <a:r>
-              <a:rPr b="0" lang="ru-RU" sz="2000" spc="-1" strike="noStrike">
+              <a:rPr b="0" lang="en-US" sz="2000" spc="-1" strike="noStrike">
                 <a:solidFill>
                   <a:srgbClr val="000000"/>
                 </a:solidFill>
                 <a:latin typeface="Arial"/>
               </a:rPr>
-              <a:t>Пятый уровень структуры</a:t>
-            </a:r>
-            <a:endParaRPr b="0" lang="ru-RU" sz="2000" spc="-1" strike="noStrike">
+              <a:t>Fifth Outline Level</a:t>
+            </a:r>
+            <a:endParaRPr b="0" lang="en-US" sz="2000" spc="-1" strike="noStrike">
               <a:solidFill>
                 <a:srgbClr val="000000"/>
               </a:solidFill>
@@ -4697,15 +4692,15 @@
               <a:buChar char=""/>
             </a:pPr>
             <a:r>
-              <a:rPr b="0" lang="ru-RU" sz="2000" spc="-1" strike="noStrike">
+              <a:rPr b="0" lang="en-US" sz="2000" spc="-1" strike="noStrike">
                 <a:solidFill>
                   <a:srgbClr val="000000"/>
                 </a:solidFill>
                 <a:latin typeface="Arial"/>
               </a:rPr>
-              <a:t>Шестой уровень структуры</a:t>
-            </a:r>
-            <a:endParaRPr b="0" lang="ru-RU" sz="2000" spc="-1" strike="noStrike">
+              <a:t>Sixth Outline Level</a:t>
+            </a:r>
+            <a:endParaRPr b="0" lang="en-US" sz="2000" spc="-1" strike="noStrike">
               <a:solidFill>
                 <a:srgbClr val="000000"/>
               </a:solidFill>
@@ -4725,15 +4720,15 @@
               <a:buChar char=""/>
             </a:pPr>
             <a:r>
-              <a:rPr b="0" lang="ru-RU" sz="2000" spc="-1" strike="noStrike">
+              <a:rPr b="0" lang="en-US" sz="2000" spc="-1" strike="noStrike">
                 <a:solidFill>
                   <a:srgbClr val="000000"/>
                 </a:solidFill>
                 <a:latin typeface="Arial"/>
               </a:rPr>
-              <a:t>Седьмой уровень структуры</a:t>
-            </a:r>
-            <a:endParaRPr b="0" lang="ru-RU" sz="2000" spc="-1" strike="noStrike">
+              <a:t>Seventh Outline Level</a:t>
+            </a:r>
+            <a:endParaRPr b="0" lang="en-US" sz="2000" spc="-1" strike="noStrike">
               <a:solidFill>
                 <a:srgbClr val="000000"/>
               </a:solidFill>
@@ -4826,7 +4821,7 @@
               </a:rPr>
               <a:t>WEB - технологии</a:t>
             </a:r>
-            <a:endParaRPr b="0" lang="ru-RU" sz="5000" spc="-1" strike="noStrike">
+            <a:endParaRPr b="0" lang="en-US" sz="5000" spc="-1" strike="noStrike">
               <a:solidFill>
                 <a:srgbClr val="000000"/>
               </a:solidFill>
@@ -4867,7 +4862,7 @@
         <p:spPr>
           <a:xfrm>
             <a:off x="7264080" y="152640"/>
-            <a:ext cx="1725120" cy="685440"/>
+            <a:ext cx="1725120" cy="1019520"/>
           </a:xfrm>
           <a:prstGeom prst="rect">
             <a:avLst/>
@@ -4907,7 +4902,7 @@
               </a:rPr>
               <a:t>Образовательный центр</a:t>
             </a:r>
-            <a:endParaRPr b="0" lang="ru-RU" sz="1100" spc="-1" strike="noStrike">
+            <a:endParaRPr b="0" lang="en-US" sz="1100" spc="-1" strike="noStrike">
               <a:latin typeface="Arial"/>
             </a:endParaRPr>
           </a:p>
@@ -4931,7 +4926,7 @@
               </a:rPr>
               <a:t>программирования</a:t>
             </a:r>
-            <a:endParaRPr b="0" lang="ru-RU" sz="1100" spc="-1" strike="noStrike">
+            <a:endParaRPr b="0" lang="en-US" sz="1100" spc="-1" strike="noStrike">
               <a:latin typeface="Arial"/>
             </a:endParaRPr>
           </a:p>
@@ -4955,7 +4950,7 @@
               </a:rPr>
               <a:t>и высоких технологий</a:t>
             </a:r>
-            <a:endParaRPr b="0" lang="ru-RU" sz="1100" spc="-1" strike="noStrike">
+            <a:endParaRPr b="0" lang="en-US" sz="1100" spc="-1" strike="noStrike">
               <a:latin typeface="Arial"/>
             </a:endParaRPr>
           </a:p>
@@ -5034,7 +5029,7 @@
       </p:grpSpPr>
       <p:pic>
         <p:nvPicPr>
-          <p:cNvPr id="164" name="Google Shape;225;p32" descr=""/>
+          <p:cNvPr id="169" name="Google Shape;220;p31" descr=""/>
           <p:cNvPicPr/>
           <p:nvPr/>
         </p:nvPicPr>
@@ -5057,7 +5052,7 @@
       </p:pic>
       <p:sp>
         <p:nvSpPr>
-          <p:cNvPr id="165" name="Google Shape;226;p32"/>
+          <p:cNvPr id="170" name="Google Shape;221;p31"/>
           <p:cNvSpPr/>
           <p:nvPr/>
         </p:nvSpPr>
@@ -5099,7 +5094,7 @@
       </p:sp>
       <p:sp>
         <p:nvSpPr>
-          <p:cNvPr id="166" name="Google Shape;227;p32"/>
+          <p:cNvPr id="171" name="Google Shape;222;p31"/>
           <p:cNvSpPr/>
           <p:nvPr/>
         </p:nvSpPr>
@@ -5141,7 +5136,7 @@
       </p:sp>
       <p:sp>
         <p:nvSpPr>
-          <p:cNvPr id="167" name="Google Shape;228;p32"/>
+          <p:cNvPr id="172" name="Google Shape;223;p31"/>
           <p:cNvSpPr/>
           <p:nvPr/>
         </p:nvSpPr>
@@ -5183,14 +5178,14 @@
       </p:sp>
       <p:sp>
         <p:nvSpPr>
-          <p:cNvPr id="168" name="Google Shape;229;p32"/>
+          <p:cNvPr id="173" name="Google Shape;224;p31"/>
           <p:cNvSpPr/>
           <p:nvPr/>
         </p:nvSpPr>
         <p:spPr>
           <a:xfrm>
             <a:off x="3638880" y="229680"/>
-            <a:ext cx="4268520" cy="609840"/>
+            <a:ext cx="4268520" cy="609120"/>
           </a:xfrm>
           <a:prstGeom prst="rect">
             <a:avLst/>
@@ -5228,9 +5223,9 @@
                 <a:latin typeface="Source Sans Pro"/>
                 <a:ea typeface="Source Sans Pro"/>
               </a:rPr>
-              <a:t>Таблицы</a:t>
-            </a:r>
-            <a:endParaRPr b="0" lang="ru-RU" sz="2800" spc="-1" strike="noStrike">
+              <a:t>Margin и padding</a:t>
+            </a:r>
+            <a:endParaRPr b="0" lang="en-US" sz="2800" spc="-1" strike="noStrike">
               <a:latin typeface="Arial"/>
             </a:endParaRPr>
           </a:p>
@@ -5238,14 +5233,14 @@
       </p:sp>
       <p:sp>
         <p:nvSpPr>
-          <p:cNvPr id="169" name="Google Shape;230;p32"/>
+          <p:cNvPr id="174" name="Google Shape;225;p31"/>
           <p:cNvSpPr/>
           <p:nvPr/>
         </p:nvSpPr>
         <p:spPr>
           <a:xfrm>
             <a:off x="1387440" y="1215000"/>
-            <a:ext cx="6795720" cy="951480"/>
+            <a:ext cx="6795720" cy="446040"/>
           </a:xfrm>
           <a:prstGeom prst="rect">
             <a:avLst/>
@@ -5261,710 +5256,6 @@
           <a:effectRef idx="0"/>
           <a:fontRef idx="minor"/>
         </p:style>
-        <p:txBody>
-          <a:bodyPr tIns="91440" bIns="91440" anchor="t">
-            <a:spAutoFit/>
-          </a:bodyPr>
-          <a:p>
-            <a:pPr>
-              <a:lnSpc>
-                <a:spcPct val="115000"/>
-              </a:lnSpc>
-              <a:spcBef>
-                <a:spcPts val="1100"/>
-              </a:spcBef>
-              <a:spcAft>
-                <a:spcPts val="1100"/>
-              </a:spcAft>
-              <a:buNone/>
-              <a:tabLst>
-                <a:tab algn="l" pos="0"/>
-              </a:tabLst>
-            </a:pPr>
-            <a:r>
-              <a:rPr b="0" lang="ru" sz="1100" spc="-1" strike="noStrike">
-                <a:solidFill>
-                  <a:srgbClr val="000000"/>
-                </a:solidFill>
-                <a:highlight>
-                  <a:srgbClr val="ffffff"/>
-                </a:highlight>
-                <a:latin typeface="Arial"/>
-                <a:ea typeface="Arial"/>
-              </a:rPr>
-              <a:t>Элемент </a:t>
-            </a:r>
-            <a:r>
-              <a:rPr b="1" lang="ru" sz="1100" spc="-1" strike="noStrike">
-                <a:solidFill>
-                  <a:srgbClr val="006699"/>
-                </a:solidFill>
-                <a:highlight>
-                  <a:srgbClr val="ffffff"/>
-                </a:highlight>
-                <a:latin typeface="Courier New"/>
-                <a:ea typeface="Courier New"/>
-              </a:rPr>
-              <a:t>&lt;table&gt;</a:t>
-            </a:r>
-            <a:r>
-              <a:rPr b="0" lang="ru" sz="1100" spc="-1" strike="noStrike">
-                <a:solidFill>
-                  <a:srgbClr val="000000"/>
-                </a:solidFill>
-                <a:highlight>
-                  <a:srgbClr val="ffffff"/>
-                </a:highlight>
-                <a:latin typeface="Arial"/>
-                <a:ea typeface="Arial"/>
-              </a:rPr>
-              <a:t> служит контейнером для элементов, определяющих содержимое таблицы. Любая таблица состоит из строк и ячеек, которые задаются с помощью тегов </a:t>
-            </a:r>
-            <a:r>
-              <a:rPr b="1" lang="ru" sz="1100" spc="-1" strike="noStrike">
-                <a:solidFill>
-                  <a:srgbClr val="006699"/>
-                </a:solidFill>
-                <a:highlight>
-                  <a:srgbClr val="ffffff"/>
-                </a:highlight>
-                <a:latin typeface="Courier New"/>
-                <a:ea typeface="Courier New"/>
-              </a:rPr>
-              <a:t>&lt;tr&gt;</a:t>
-            </a:r>
-            <a:r>
-              <a:rPr b="0" lang="ru" sz="1100" spc="-1" strike="noStrike">
-                <a:solidFill>
-                  <a:srgbClr val="000000"/>
-                </a:solidFill>
-                <a:highlight>
-                  <a:srgbClr val="ffffff"/>
-                </a:highlight>
-                <a:latin typeface="Arial"/>
-                <a:ea typeface="Arial"/>
-              </a:rPr>
-              <a:t> и </a:t>
-            </a:r>
-            <a:r>
-              <a:rPr b="1" lang="ru" sz="1100" spc="-1" strike="noStrike">
-                <a:solidFill>
-                  <a:srgbClr val="006699"/>
-                </a:solidFill>
-                <a:highlight>
-                  <a:srgbClr val="ffffff"/>
-                </a:highlight>
-                <a:latin typeface="Courier New"/>
-                <a:ea typeface="Courier New"/>
-              </a:rPr>
-              <a:t>&lt;td&gt;</a:t>
-            </a:r>
-            <a:r>
-              <a:rPr b="0" lang="ru" sz="1100" spc="-1" strike="noStrike">
-                <a:solidFill>
-                  <a:srgbClr val="000000"/>
-                </a:solidFill>
-                <a:highlight>
-                  <a:srgbClr val="ffffff"/>
-                </a:highlight>
-                <a:latin typeface="Arial"/>
-                <a:ea typeface="Arial"/>
-              </a:rPr>
-              <a:t>. Внутри </a:t>
-            </a:r>
-            <a:r>
-              <a:rPr b="1" lang="ru" sz="1100" spc="-1" strike="noStrike">
-                <a:solidFill>
-                  <a:srgbClr val="006699"/>
-                </a:solidFill>
-                <a:highlight>
-                  <a:srgbClr val="ffffff"/>
-                </a:highlight>
-                <a:latin typeface="Courier New"/>
-                <a:ea typeface="Courier New"/>
-              </a:rPr>
-              <a:t>&lt;table&gt;</a:t>
-            </a:r>
-            <a:r>
-              <a:rPr b="0" lang="ru" sz="1100" spc="-1" strike="noStrike">
-                <a:solidFill>
-                  <a:srgbClr val="000000"/>
-                </a:solidFill>
-                <a:highlight>
-                  <a:srgbClr val="ffffff"/>
-                </a:highlight>
-                <a:latin typeface="Arial"/>
-                <a:ea typeface="Arial"/>
-              </a:rPr>
-              <a:t> допустимо использовать следующие элементы: </a:t>
-            </a:r>
-            <a:r>
-              <a:rPr b="1" lang="ru" sz="1100" spc="-1" strike="noStrike">
-                <a:solidFill>
-                  <a:srgbClr val="006699"/>
-                </a:solidFill>
-                <a:highlight>
-                  <a:srgbClr val="ffffff"/>
-                </a:highlight>
-                <a:latin typeface="Courier New"/>
-                <a:ea typeface="Courier New"/>
-              </a:rPr>
-              <a:t>&lt;caption&gt;</a:t>
-            </a:r>
-            <a:r>
-              <a:rPr b="0" lang="ru" sz="1100" spc="-1" strike="noStrike">
-                <a:solidFill>
-                  <a:srgbClr val="000000"/>
-                </a:solidFill>
-                <a:highlight>
-                  <a:srgbClr val="ffffff"/>
-                </a:highlight>
-                <a:latin typeface="Arial"/>
-                <a:ea typeface="Arial"/>
-              </a:rPr>
-              <a:t>, </a:t>
-            </a:r>
-            <a:r>
-              <a:rPr b="1" lang="ru" sz="1100" spc="-1" strike="noStrike">
-                <a:solidFill>
-                  <a:srgbClr val="006699"/>
-                </a:solidFill>
-                <a:highlight>
-                  <a:srgbClr val="ffffff"/>
-                </a:highlight>
-                <a:latin typeface="Courier New"/>
-                <a:ea typeface="Courier New"/>
-              </a:rPr>
-              <a:t>&lt;col&gt;</a:t>
-            </a:r>
-            <a:r>
-              <a:rPr b="0" lang="ru" sz="1100" spc="-1" strike="noStrike">
-                <a:solidFill>
-                  <a:srgbClr val="000000"/>
-                </a:solidFill>
-                <a:highlight>
-                  <a:srgbClr val="ffffff"/>
-                </a:highlight>
-                <a:latin typeface="Arial"/>
-                <a:ea typeface="Arial"/>
-              </a:rPr>
-              <a:t>, </a:t>
-            </a:r>
-            <a:r>
-              <a:rPr b="1" lang="ru" sz="1100" spc="-1" strike="noStrike">
-                <a:solidFill>
-                  <a:srgbClr val="006699"/>
-                </a:solidFill>
-                <a:highlight>
-                  <a:srgbClr val="ffffff"/>
-                </a:highlight>
-                <a:latin typeface="Courier New"/>
-                <a:ea typeface="Courier New"/>
-              </a:rPr>
-              <a:t>&lt;colgroup&gt;</a:t>
-            </a:r>
-            <a:r>
-              <a:rPr b="0" lang="ru" sz="1100" spc="-1" strike="noStrike">
-                <a:solidFill>
-                  <a:srgbClr val="000000"/>
-                </a:solidFill>
-                <a:highlight>
-                  <a:srgbClr val="ffffff"/>
-                </a:highlight>
-                <a:latin typeface="Arial"/>
-                <a:ea typeface="Arial"/>
-              </a:rPr>
-              <a:t>, </a:t>
-            </a:r>
-            <a:r>
-              <a:rPr b="1" lang="ru" sz="1100" spc="-1" strike="noStrike">
-                <a:solidFill>
-                  <a:srgbClr val="006699"/>
-                </a:solidFill>
-                <a:highlight>
-                  <a:srgbClr val="ffffff"/>
-                </a:highlight>
-                <a:latin typeface="Courier New"/>
-                <a:ea typeface="Courier New"/>
-              </a:rPr>
-              <a:t>&lt;tbody&gt;</a:t>
-            </a:r>
-            <a:r>
-              <a:rPr b="0" lang="ru" sz="1100" spc="-1" strike="noStrike">
-                <a:solidFill>
-                  <a:srgbClr val="000000"/>
-                </a:solidFill>
-                <a:highlight>
-                  <a:srgbClr val="ffffff"/>
-                </a:highlight>
-                <a:latin typeface="Arial"/>
-                <a:ea typeface="Arial"/>
-              </a:rPr>
-              <a:t>, </a:t>
-            </a:r>
-            <a:r>
-              <a:rPr b="1" lang="ru" sz="1100" spc="-1" strike="noStrike">
-                <a:solidFill>
-                  <a:srgbClr val="006699"/>
-                </a:solidFill>
-                <a:highlight>
-                  <a:srgbClr val="ffffff"/>
-                </a:highlight>
-                <a:latin typeface="Courier New"/>
-                <a:ea typeface="Courier New"/>
-              </a:rPr>
-              <a:t>&lt;td&gt;</a:t>
-            </a:r>
-            <a:r>
-              <a:rPr b="0" lang="ru" sz="1100" spc="-1" strike="noStrike">
-                <a:solidFill>
-                  <a:srgbClr val="000000"/>
-                </a:solidFill>
-                <a:highlight>
-                  <a:srgbClr val="ffffff"/>
-                </a:highlight>
-                <a:latin typeface="Arial"/>
-                <a:ea typeface="Arial"/>
-              </a:rPr>
-              <a:t>, </a:t>
-            </a:r>
-            <a:r>
-              <a:rPr b="1" lang="ru" sz="1100" spc="-1" strike="noStrike">
-                <a:solidFill>
-                  <a:srgbClr val="006699"/>
-                </a:solidFill>
-                <a:highlight>
-                  <a:srgbClr val="ffffff"/>
-                </a:highlight>
-                <a:latin typeface="Courier New"/>
-                <a:ea typeface="Courier New"/>
-              </a:rPr>
-              <a:t>&lt;tfoot&gt;</a:t>
-            </a:r>
-            <a:r>
-              <a:rPr b="0" lang="ru" sz="1100" spc="-1" strike="noStrike">
-                <a:solidFill>
-                  <a:srgbClr val="000000"/>
-                </a:solidFill>
-                <a:highlight>
-                  <a:srgbClr val="ffffff"/>
-                </a:highlight>
-                <a:latin typeface="Arial"/>
-                <a:ea typeface="Arial"/>
-              </a:rPr>
-              <a:t>, </a:t>
-            </a:r>
-            <a:r>
-              <a:rPr b="1" lang="ru" sz="1100" spc="-1" strike="noStrike">
-                <a:solidFill>
-                  <a:srgbClr val="006699"/>
-                </a:solidFill>
-                <a:highlight>
-                  <a:srgbClr val="ffffff"/>
-                </a:highlight>
-                <a:latin typeface="Courier New"/>
-                <a:ea typeface="Courier New"/>
-              </a:rPr>
-              <a:t>&lt;th&gt;</a:t>
-            </a:r>
-            <a:r>
-              <a:rPr b="0" lang="ru" sz="1100" spc="-1" strike="noStrike">
-                <a:solidFill>
-                  <a:srgbClr val="000000"/>
-                </a:solidFill>
-                <a:highlight>
-                  <a:srgbClr val="ffffff"/>
-                </a:highlight>
-                <a:latin typeface="Arial"/>
-                <a:ea typeface="Arial"/>
-              </a:rPr>
-              <a:t>, </a:t>
-            </a:r>
-            <a:r>
-              <a:rPr b="1" lang="ru" sz="1100" spc="-1" strike="noStrike">
-                <a:solidFill>
-                  <a:srgbClr val="006699"/>
-                </a:solidFill>
-                <a:highlight>
-                  <a:srgbClr val="ffffff"/>
-                </a:highlight>
-                <a:latin typeface="Courier New"/>
-                <a:ea typeface="Courier New"/>
-              </a:rPr>
-              <a:t>&lt;thead&gt;</a:t>
-            </a:r>
-            <a:r>
-              <a:rPr b="0" lang="ru" sz="1100" spc="-1" strike="noStrike">
-                <a:solidFill>
-                  <a:srgbClr val="000000"/>
-                </a:solidFill>
-                <a:highlight>
-                  <a:srgbClr val="ffffff"/>
-                </a:highlight>
-                <a:latin typeface="Arial"/>
-                <a:ea typeface="Arial"/>
-              </a:rPr>
-              <a:t> и </a:t>
-            </a:r>
-            <a:r>
-              <a:rPr b="1" lang="ru" sz="1100" spc="-1" strike="noStrike">
-                <a:solidFill>
-                  <a:srgbClr val="006699"/>
-                </a:solidFill>
-                <a:highlight>
-                  <a:srgbClr val="ffffff"/>
-                </a:highlight>
-                <a:latin typeface="Courier New"/>
-                <a:ea typeface="Courier New"/>
-              </a:rPr>
-              <a:t>&lt;tr&gt;</a:t>
-            </a:r>
-            <a:r>
-              <a:rPr b="0" lang="ru" sz="1100" spc="-1" strike="noStrike">
-                <a:solidFill>
-                  <a:srgbClr val="000000"/>
-                </a:solidFill>
-                <a:highlight>
-                  <a:srgbClr val="ffffff"/>
-                </a:highlight>
-                <a:latin typeface="Arial"/>
-                <a:ea typeface="Arial"/>
-              </a:rPr>
-              <a:t>.</a:t>
-            </a:r>
-            <a:endParaRPr b="0" lang="ru-RU" sz="1100" spc="-1" strike="noStrike">
-              <a:latin typeface="Arial"/>
-            </a:endParaRPr>
-          </a:p>
-        </p:txBody>
-      </p:sp>
-      <p:sp>
-        <p:nvSpPr>
-          <p:cNvPr id="170" name="Google Shape;231;p32"/>
-          <p:cNvSpPr/>
-          <p:nvPr/>
-        </p:nvSpPr>
-        <p:spPr>
-          <a:xfrm>
-            <a:off x="2882880" y="2134440"/>
-            <a:ext cx="2999520" cy="2097000"/>
-          </a:xfrm>
-          <a:prstGeom prst="rect">
-            <a:avLst/>
-          </a:prstGeom>
-          <a:noFill/>
-          <a:ln w="0">
-            <a:noFill/>
-          </a:ln>
-        </p:spPr>
-        <p:style>
-          <a:lnRef idx="0"/>
-          <a:fillRef idx="0"/>
-          <a:effectRef idx="0"/>
-          <a:fontRef idx="minor"/>
-        </p:style>
-        <p:txBody>
-          <a:bodyPr tIns="91440" bIns="91440" anchor="t">
-            <a:spAutoFit/>
-          </a:bodyPr>
-          <a:p>
-            <a:pPr>
-              <a:lnSpc>
-                <a:spcPct val="115000"/>
-              </a:lnSpc>
-              <a:spcBef>
-                <a:spcPts val="1701"/>
-              </a:spcBef>
-              <a:buNone/>
-              <a:tabLst>
-                <a:tab algn="l" pos="0"/>
-              </a:tabLst>
-            </a:pPr>
-            <a:r>
-              <a:rPr b="1" lang="ru" sz="1450" spc="-1" strike="noStrike">
-                <a:solidFill>
-                  <a:srgbClr val="666666"/>
-                </a:solidFill>
-                <a:highlight>
-                  <a:srgbClr val="ffffff"/>
-                </a:highlight>
-                <a:latin typeface="Arial"/>
-                <a:ea typeface="Arial"/>
-              </a:rPr>
-              <a:t>Синтаксис</a:t>
-            </a:r>
-            <a:endParaRPr b="0" lang="ru-RU" sz="1450" spc="-1" strike="noStrike">
-              <a:latin typeface="Arial"/>
-            </a:endParaRPr>
-          </a:p>
-          <a:p>
-            <a:pPr marL="355680">
-              <a:lnSpc>
-                <a:spcPct val="115000"/>
-              </a:lnSpc>
-              <a:buNone/>
-              <a:tabLst>
-                <a:tab algn="l" pos="0"/>
-              </a:tabLst>
-            </a:pPr>
-            <a:r>
-              <a:rPr b="1" lang="ru" sz="1050" spc="-1" strike="noStrike">
-                <a:solidFill>
-                  <a:srgbClr val="006699"/>
-                </a:solidFill>
-                <a:highlight>
-                  <a:srgbClr val="f8f7f2"/>
-                </a:highlight>
-                <a:latin typeface="Courier New"/>
-                <a:ea typeface="Courier New"/>
-              </a:rPr>
-              <a:t>&lt;table&gt;</a:t>
-            </a:r>
-            <a:endParaRPr b="0" lang="ru-RU" sz="1050" spc="-1" strike="noStrike">
-              <a:latin typeface="Arial"/>
-            </a:endParaRPr>
-          </a:p>
-          <a:p>
-            <a:pPr marL="355680">
-              <a:lnSpc>
-                <a:spcPct val="115000"/>
-              </a:lnSpc>
-              <a:spcBef>
-                <a:spcPts val="1100"/>
-              </a:spcBef>
-              <a:buNone/>
-              <a:tabLst>
-                <a:tab algn="l" pos="0"/>
-              </a:tabLst>
-            </a:pPr>
-            <a:r>
-              <a:rPr b="0" lang="ru" sz="1050" spc="-1" strike="noStrike">
-                <a:solidFill>
-                  <a:srgbClr val="000000"/>
-                </a:solidFill>
-                <a:highlight>
-                  <a:srgbClr val="f8f7f2"/>
-                </a:highlight>
-                <a:latin typeface="Courier New"/>
-                <a:ea typeface="Courier New"/>
-              </a:rPr>
-              <a:t>  </a:t>
-            </a:r>
-            <a:r>
-              <a:rPr b="0" lang="ru" sz="1050" spc="-1" strike="noStrike">
-                <a:solidFill>
-                  <a:srgbClr val="000000"/>
-                </a:solidFill>
-                <a:highlight>
-                  <a:srgbClr val="f8f7f2"/>
-                </a:highlight>
-                <a:latin typeface="Courier New"/>
-                <a:ea typeface="Courier New"/>
-              </a:rPr>
-              <a:t>	</a:t>
-            </a:r>
-            <a:r>
-              <a:rPr b="1" lang="ru" sz="1050" spc="-1" strike="noStrike">
-                <a:solidFill>
-                  <a:srgbClr val="006699"/>
-                </a:solidFill>
-                <a:highlight>
-                  <a:srgbClr val="f8f7f2"/>
-                </a:highlight>
-                <a:latin typeface="Courier New"/>
-                <a:ea typeface="Courier New"/>
-              </a:rPr>
-              <a:t>&lt;tr&gt;</a:t>
-            </a:r>
-            <a:endParaRPr b="0" lang="ru-RU" sz="1050" spc="-1" strike="noStrike">
-              <a:latin typeface="Arial"/>
-            </a:endParaRPr>
-          </a:p>
-          <a:p>
-            <a:pPr marL="355680">
-              <a:lnSpc>
-                <a:spcPct val="115000"/>
-              </a:lnSpc>
-              <a:spcBef>
-                <a:spcPts val="1100"/>
-              </a:spcBef>
-              <a:buNone/>
-              <a:tabLst>
-                <a:tab algn="l" pos="0"/>
-              </a:tabLst>
-            </a:pPr>
-            <a:r>
-              <a:rPr b="0" lang="ru" sz="1050" spc="-1" strike="noStrike">
-                <a:solidFill>
-                  <a:srgbClr val="000000"/>
-                </a:solidFill>
-                <a:highlight>
-                  <a:srgbClr val="f8f7f2"/>
-                </a:highlight>
-                <a:latin typeface="Courier New"/>
-                <a:ea typeface="Courier New"/>
-              </a:rPr>
-              <a:t>    </a:t>
-            </a:r>
-            <a:r>
-              <a:rPr b="0" lang="ru" sz="1050" spc="-1" strike="noStrike">
-                <a:solidFill>
-                  <a:srgbClr val="000000"/>
-                </a:solidFill>
-                <a:highlight>
-                  <a:srgbClr val="f8f7f2"/>
-                </a:highlight>
-                <a:latin typeface="Courier New"/>
-                <a:ea typeface="Courier New"/>
-              </a:rPr>
-              <a:t>	</a:t>
-            </a:r>
-            <a:r>
-              <a:rPr b="0" lang="ru" sz="1050" spc="-1" strike="noStrike">
-                <a:solidFill>
-                  <a:srgbClr val="000000"/>
-                </a:solidFill>
-                <a:highlight>
-                  <a:srgbClr val="f8f7f2"/>
-                </a:highlight>
-                <a:latin typeface="Courier New"/>
-                <a:ea typeface="Courier New"/>
-              </a:rPr>
-              <a:t>	</a:t>
-            </a:r>
-            <a:r>
-              <a:rPr b="1" lang="ru" sz="1050" spc="-1" strike="noStrike">
-                <a:solidFill>
-                  <a:srgbClr val="006699"/>
-                </a:solidFill>
-                <a:highlight>
-                  <a:srgbClr val="f8f7f2"/>
-                </a:highlight>
-                <a:latin typeface="Courier New"/>
-                <a:ea typeface="Courier New"/>
-              </a:rPr>
-              <a:t>&lt;td&gt;</a:t>
-            </a:r>
-            <a:r>
-              <a:rPr b="0" lang="ru" sz="1050" spc="-1" strike="noStrike">
-                <a:solidFill>
-                  <a:srgbClr val="000000"/>
-                </a:solidFill>
-                <a:highlight>
-                  <a:srgbClr val="f8f7f2"/>
-                </a:highlight>
-                <a:latin typeface="Courier New"/>
-                <a:ea typeface="Courier New"/>
-              </a:rPr>
-              <a:t>...</a:t>
-            </a:r>
-            <a:r>
-              <a:rPr b="1" lang="ru" sz="1050" spc="-1" strike="noStrike">
-                <a:solidFill>
-                  <a:srgbClr val="006699"/>
-                </a:solidFill>
-                <a:highlight>
-                  <a:srgbClr val="f8f7f2"/>
-                </a:highlight>
-                <a:latin typeface="Courier New"/>
-                <a:ea typeface="Courier New"/>
-              </a:rPr>
-              <a:t>&lt;/td&gt;</a:t>
-            </a:r>
-            <a:endParaRPr b="0" lang="ru-RU" sz="1050" spc="-1" strike="noStrike">
-              <a:latin typeface="Arial"/>
-            </a:endParaRPr>
-          </a:p>
-          <a:p>
-            <a:pPr marL="355680">
-              <a:lnSpc>
-                <a:spcPct val="115000"/>
-              </a:lnSpc>
-              <a:spcBef>
-                <a:spcPts val="1100"/>
-              </a:spcBef>
-              <a:buNone/>
-              <a:tabLst>
-                <a:tab algn="l" pos="0"/>
-              </a:tabLst>
-            </a:pPr>
-            <a:r>
-              <a:rPr b="0" lang="ru" sz="1050" spc="-1" strike="noStrike">
-                <a:solidFill>
-                  <a:srgbClr val="000000"/>
-                </a:solidFill>
-                <a:highlight>
-                  <a:srgbClr val="f8f7f2"/>
-                </a:highlight>
-                <a:latin typeface="Courier New"/>
-                <a:ea typeface="Courier New"/>
-              </a:rPr>
-              <a:t>  </a:t>
-            </a:r>
-            <a:r>
-              <a:rPr b="0" lang="ru" sz="1050" spc="-1" strike="noStrike">
-                <a:solidFill>
-                  <a:srgbClr val="000000"/>
-                </a:solidFill>
-                <a:highlight>
-                  <a:srgbClr val="f8f7f2"/>
-                </a:highlight>
-                <a:latin typeface="Courier New"/>
-                <a:ea typeface="Courier New"/>
-              </a:rPr>
-              <a:t>	</a:t>
-            </a:r>
-            <a:r>
-              <a:rPr b="1" lang="ru" sz="1050" spc="-1" strike="noStrike">
-                <a:solidFill>
-                  <a:srgbClr val="006699"/>
-                </a:solidFill>
-                <a:highlight>
-                  <a:srgbClr val="f8f7f2"/>
-                </a:highlight>
-                <a:latin typeface="Courier New"/>
-                <a:ea typeface="Courier New"/>
-              </a:rPr>
-              <a:t>&lt;/tr&gt;</a:t>
-            </a:r>
-            <a:endParaRPr b="0" lang="ru-RU" sz="1050" spc="-1" strike="noStrike">
-              <a:latin typeface="Arial"/>
-            </a:endParaRPr>
-          </a:p>
-          <a:p>
-            <a:pPr marL="355680">
-              <a:lnSpc>
-                <a:spcPct val="115000"/>
-              </a:lnSpc>
-              <a:spcBef>
-                <a:spcPts val="1100"/>
-              </a:spcBef>
-              <a:spcAft>
-                <a:spcPts val="1100"/>
-              </a:spcAft>
-              <a:buNone/>
-              <a:tabLst>
-                <a:tab algn="l" pos="0"/>
-              </a:tabLst>
-            </a:pPr>
-            <a:r>
-              <a:rPr b="1" lang="ru" sz="1050" spc="-1" strike="noStrike">
-                <a:solidFill>
-                  <a:srgbClr val="006699"/>
-                </a:solidFill>
-                <a:highlight>
-                  <a:srgbClr val="f8f7f2"/>
-                </a:highlight>
-                <a:latin typeface="Courier New"/>
-                <a:ea typeface="Courier New"/>
-              </a:rPr>
-              <a:t>&lt;/table&gt;</a:t>
-            </a:r>
-            <a:endParaRPr b="0" lang="ru-RU" sz="1050" spc="-1" strike="noStrike">
-              <a:latin typeface="Arial"/>
-            </a:endParaRPr>
-          </a:p>
-        </p:txBody>
       </p:sp>
     </p:spTree>
   </p:cSld>
@@ -6006,7 +5297,7 @@
       </p:grpSpPr>
       <p:pic>
         <p:nvPicPr>
-          <p:cNvPr id="171" name="Google Shape;236;p33" descr=""/>
+          <p:cNvPr id="175" name="Google Shape;230;p32" descr=""/>
           <p:cNvPicPr/>
           <p:nvPr/>
         </p:nvPicPr>
@@ -6029,7 +5320,7 @@
       </p:pic>
       <p:sp>
         <p:nvSpPr>
-          <p:cNvPr id="172" name="Google Shape;237;p33"/>
+          <p:cNvPr id="176" name="Google Shape;231;p32"/>
           <p:cNvSpPr/>
           <p:nvPr/>
         </p:nvSpPr>
@@ -6071,7 +5362,7 @@
       </p:sp>
       <p:sp>
         <p:nvSpPr>
-          <p:cNvPr id="173" name="Google Shape;238;p33"/>
+          <p:cNvPr id="177" name="Google Shape;232;p32"/>
           <p:cNvSpPr/>
           <p:nvPr/>
         </p:nvSpPr>
@@ -6113,7 +5404,7 @@
       </p:sp>
       <p:sp>
         <p:nvSpPr>
-          <p:cNvPr id="174" name="Google Shape;239;p33"/>
+          <p:cNvPr id="178" name="Google Shape;233;p32"/>
           <p:cNvSpPr/>
           <p:nvPr/>
         </p:nvSpPr>
@@ -6155,14 +5446,14 @@
       </p:sp>
       <p:sp>
         <p:nvSpPr>
-          <p:cNvPr id="175" name="Google Shape;240;p33"/>
+          <p:cNvPr id="179" name="Google Shape;234;p32"/>
           <p:cNvSpPr/>
           <p:nvPr/>
         </p:nvSpPr>
         <p:spPr>
           <a:xfrm>
             <a:off x="3638880" y="229680"/>
-            <a:ext cx="4268520" cy="609840"/>
+            <a:ext cx="4268520" cy="615240"/>
           </a:xfrm>
           <a:prstGeom prst="rect">
             <a:avLst/>
@@ -6178,2634 +5469,10 @@
           <a:effectRef idx="0"/>
           <a:fontRef idx="minor"/>
         </p:style>
-        <p:txBody>
-          <a:bodyPr tIns="91440" bIns="91440" anchor="t">
-            <a:spAutoFit/>
-          </a:bodyPr>
-          <a:p>
-            <a:pPr>
-              <a:lnSpc>
-                <a:spcPct val="100000"/>
-              </a:lnSpc>
-              <a:buNone/>
-              <a:tabLst>
-                <a:tab algn="l" pos="0"/>
-              </a:tabLst>
-            </a:pPr>
-            <a:r>
-              <a:rPr b="0" lang="ru" sz="2800" spc="-1" strike="noStrike">
-                <a:solidFill>
-                  <a:srgbClr val="000000"/>
-                </a:solidFill>
-                <a:latin typeface="Source Sans Pro"/>
-                <a:ea typeface="Source Sans Pro"/>
-              </a:rPr>
-              <a:t>Таблицы tr</a:t>
-            </a:r>
-            <a:endParaRPr b="0" lang="ru-RU" sz="2800" spc="-1" strike="noStrike">
-              <a:latin typeface="Arial"/>
-            </a:endParaRPr>
-          </a:p>
-        </p:txBody>
-      </p:sp>
-      <p:sp>
-        <p:nvSpPr>
-          <p:cNvPr id="176" name="Google Shape;241;p33"/>
-          <p:cNvSpPr/>
-          <p:nvPr/>
-        </p:nvSpPr>
-        <p:spPr>
-          <a:xfrm>
-            <a:off x="1387440" y="1215000"/>
-            <a:ext cx="6795720" cy="567000"/>
-          </a:xfrm>
-          <a:prstGeom prst="rect">
-            <a:avLst/>
-          </a:prstGeom>
-          <a:noFill/>
-          <a:ln w="0">
-            <a:noFill/>
-          </a:ln>
-        </p:spPr>
-        <p:style>
-          <a:lnRef idx="0"/>
-          <a:fillRef idx="0"/>
-          <a:effectRef idx="0"/>
-          <a:fontRef idx="minor"/>
-        </p:style>
-        <p:txBody>
-          <a:bodyPr tIns="91440" bIns="91440" anchor="t">
-            <a:spAutoFit/>
-          </a:bodyPr>
-          <a:p>
-            <a:pPr>
-              <a:lnSpc>
-                <a:spcPct val="115000"/>
-              </a:lnSpc>
-              <a:spcBef>
-                <a:spcPts val="1100"/>
-              </a:spcBef>
-              <a:spcAft>
-                <a:spcPts val="1100"/>
-              </a:spcAft>
-              <a:buNone/>
-              <a:tabLst>
-                <a:tab algn="l" pos="0"/>
-              </a:tabLst>
-            </a:pPr>
-            <a:r>
-              <a:rPr b="0" lang="ru" sz="1100" spc="-1" strike="noStrike">
-                <a:solidFill>
-                  <a:srgbClr val="000000"/>
-                </a:solidFill>
-                <a:highlight>
-                  <a:srgbClr val="ffffff"/>
-                </a:highlight>
-                <a:latin typeface="Arial"/>
-                <a:ea typeface="Arial"/>
-              </a:rPr>
-              <a:t>Тег </a:t>
-            </a:r>
-            <a:r>
-              <a:rPr b="1" lang="ru" sz="1100" spc="-1" strike="noStrike">
-                <a:solidFill>
-                  <a:srgbClr val="006699"/>
-                </a:solidFill>
-                <a:highlight>
-                  <a:srgbClr val="ffffff"/>
-                </a:highlight>
-                <a:latin typeface="Courier New"/>
-                <a:ea typeface="Courier New"/>
-              </a:rPr>
-              <a:t>&lt;th&gt;</a:t>
-            </a:r>
-            <a:r>
-              <a:rPr b="0" lang="ru" sz="1100" spc="-1" strike="noStrike">
-                <a:solidFill>
-                  <a:srgbClr val="000000"/>
-                </a:solidFill>
-                <a:highlight>
-                  <a:srgbClr val="ffffff"/>
-                </a:highlight>
-                <a:latin typeface="Arial"/>
-                <a:ea typeface="Arial"/>
-              </a:rPr>
-              <a:t> предназначен для создания одной ячейки таблицы, которая обозначается как заголовочная.</a:t>
-            </a:r>
-            <a:endParaRPr b="0" lang="ru-RU" sz="1100" spc="-1" strike="noStrike">
-              <a:latin typeface="Arial"/>
-            </a:endParaRPr>
-          </a:p>
-        </p:txBody>
-      </p:sp>
-      <p:sp>
-        <p:nvSpPr>
-          <p:cNvPr id="177" name="Google Shape;242;p33"/>
-          <p:cNvSpPr/>
-          <p:nvPr/>
-        </p:nvSpPr>
-        <p:spPr>
-          <a:xfrm>
-            <a:off x="2882880" y="2134440"/>
-            <a:ext cx="2999520" cy="1913400"/>
-          </a:xfrm>
-          <a:prstGeom prst="rect">
-            <a:avLst/>
-          </a:prstGeom>
-          <a:noFill/>
-          <a:ln w="0">
-            <a:noFill/>
-          </a:ln>
-        </p:spPr>
-        <p:style>
-          <a:lnRef idx="0"/>
-          <a:fillRef idx="0"/>
-          <a:effectRef idx="0"/>
-          <a:fontRef idx="minor"/>
-        </p:style>
-        <p:txBody>
-          <a:bodyPr tIns="91440" bIns="91440" anchor="t">
-            <a:spAutoFit/>
-          </a:bodyPr>
-          <a:p>
-            <a:pPr>
-              <a:lnSpc>
-                <a:spcPct val="115000"/>
-              </a:lnSpc>
-              <a:spcBef>
-                <a:spcPts val="1701"/>
-              </a:spcBef>
-              <a:buNone/>
-              <a:tabLst>
-                <a:tab algn="l" pos="0"/>
-              </a:tabLst>
-            </a:pPr>
-            <a:r>
-              <a:rPr b="1" lang="ru" sz="1450" spc="-1" strike="noStrike">
-                <a:solidFill>
-                  <a:srgbClr val="666666"/>
-                </a:solidFill>
-                <a:highlight>
-                  <a:srgbClr val="ffffff"/>
-                </a:highlight>
-                <a:latin typeface="Arial"/>
-                <a:ea typeface="Arial"/>
-              </a:rPr>
-              <a:t>Синтаксис</a:t>
-            </a:r>
-            <a:endParaRPr b="0" lang="ru-RU" sz="1450" spc="-1" strike="noStrike">
-              <a:latin typeface="Arial"/>
-            </a:endParaRPr>
-          </a:p>
-          <a:p>
-            <a:pPr marL="355680">
-              <a:lnSpc>
-                <a:spcPct val="115000"/>
-              </a:lnSpc>
-              <a:buNone/>
-              <a:tabLst>
-                <a:tab algn="l" pos="0"/>
-              </a:tabLst>
-            </a:pPr>
-            <a:r>
-              <a:rPr b="1" lang="ru" sz="1050" spc="-1" strike="noStrike">
-                <a:solidFill>
-                  <a:srgbClr val="006699"/>
-                </a:solidFill>
-                <a:highlight>
-                  <a:srgbClr val="f8f7f2"/>
-                </a:highlight>
-                <a:latin typeface="Courier New"/>
-                <a:ea typeface="Courier New"/>
-              </a:rPr>
-              <a:t>&lt;table&gt;</a:t>
-            </a:r>
-            <a:endParaRPr b="0" lang="ru-RU" sz="1050" spc="-1" strike="noStrike">
-              <a:latin typeface="Arial"/>
-            </a:endParaRPr>
-          </a:p>
-          <a:p>
-            <a:pPr marL="355680">
-              <a:lnSpc>
-                <a:spcPct val="115000"/>
-              </a:lnSpc>
-              <a:spcBef>
-                <a:spcPts val="1100"/>
-              </a:spcBef>
-              <a:buNone/>
-              <a:tabLst>
-                <a:tab algn="l" pos="0"/>
-              </a:tabLst>
-            </a:pPr>
-            <a:r>
-              <a:rPr b="0" lang="ru" sz="1050" spc="-1" strike="noStrike">
-                <a:solidFill>
-                  <a:srgbClr val="000000"/>
-                </a:solidFill>
-                <a:highlight>
-                  <a:srgbClr val="f8f7f2"/>
-                </a:highlight>
-                <a:latin typeface="Courier New"/>
-                <a:ea typeface="Courier New"/>
-              </a:rPr>
-              <a:t>  </a:t>
-            </a:r>
-            <a:r>
-              <a:rPr b="1" lang="ru" sz="1050" spc="-1" strike="noStrike">
-                <a:solidFill>
-                  <a:srgbClr val="006699"/>
-                </a:solidFill>
-                <a:highlight>
-                  <a:srgbClr val="f8f7f2"/>
-                </a:highlight>
-                <a:latin typeface="Courier New"/>
-                <a:ea typeface="Courier New"/>
-              </a:rPr>
-              <a:t>&lt;tr&gt;</a:t>
-            </a:r>
-            <a:endParaRPr b="0" lang="ru-RU" sz="1050" spc="-1" strike="noStrike">
-              <a:latin typeface="Arial"/>
-            </a:endParaRPr>
-          </a:p>
-          <a:p>
-            <a:pPr marL="355680">
-              <a:lnSpc>
-                <a:spcPct val="115000"/>
-              </a:lnSpc>
-              <a:spcBef>
-                <a:spcPts val="1100"/>
-              </a:spcBef>
-              <a:buNone/>
-              <a:tabLst>
-                <a:tab algn="l" pos="0"/>
-              </a:tabLst>
-            </a:pPr>
-            <a:r>
-              <a:rPr b="0" lang="ru" sz="1050" spc="-1" strike="noStrike">
-                <a:solidFill>
-                  <a:srgbClr val="000000"/>
-                </a:solidFill>
-                <a:highlight>
-                  <a:srgbClr val="f8f7f2"/>
-                </a:highlight>
-                <a:latin typeface="Courier New"/>
-                <a:ea typeface="Courier New"/>
-              </a:rPr>
-              <a:t>    </a:t>
-            </a:r>
-            <a:r>
-              <a:rPr b="1" lang="ru" sz="1050" spc="-1" strike="noStrike">
-                <a:solidFill>
-                  <a:srgbClr val="006699"/>
-                </a:solidFill>
-                <a:highlight>
-                  <a:srgbClr val="f8f7f2"/>
-                </a:highlight>
-                <a:latin typeface="Courier New"/>
-                <a:ea typeface="Courier New"/>
-              </a:rPr>
-              <a:t>&lt;th&gt;</a:t>
-            </a:r>
-            <a:r>
-              <a:rPr b="0" lang="ru" sz="1050" spc="-1" strike="noStrike">
-                <a:solidFill>
-                  <a:srgbClr val="000000"/>
-                </a:solidFill>
-                <a:highlight>
-                  <a:srgbClr val="f8f7f2"/>
-                </a:highlight>
-                <a:latin typeface="Courier New"/>
-                <a:ea typeface="Courier New"/>
-              </a:rPr>
-              <a:t>...</a:t>
-            </a:r>
-            <a:r>
-              <a:rPr b="1" lang="ru" sz="1050" spc="-1" strike="noStrike">
-                <a:solidFill>
-                  <a:srgbClr val="006699"/>
-                </a:solidFill>
-                <a:highlight>
-                  <a:srgbClr val="f8f7f2"/>
-                </a:highlight>
-                <a:latin typeface="Courier New"/>
-                <a:ea typeface="Courier New"/>
-              </a:rPr>
-              <a:t>&lt;/th&gt;</a:t>
-            </a:r>
-            <a:endParaRPr b="0" lang="ru-RU" sz="1050" spc="-1" strike="noStrike">
-              <a:latin typeface="Arial"/>
-            </a:endParaRPr>
-          </a:p>
-          <a:p>
-            <a:pPr marL="355680">
-              <a:lnSpc>
-                <a:spcPct val="115000"/>
-              </a:lnSpc>
-              <a:spcBef>
-                <a:spcPts val="1100"/>
-              </a:spcBef>
-              <a:buNone/>
-              <a:tabLst>
-                <a:tab algn="l" pos="0"/>
-              </a:tabLst>
-            </a:pPr>
-            <a:r>
-              <a:rPr b="0" lang="ru" sz="1050" spc="-1" strike="noStrike">
-                <a:solidFill>
-                  <a:srgbClr val="000000"/>
-                </a:solidFill>
-                <a:highlight>
-                  <a:srgbClr val="f8f7f2"/>
-                </a:highlight>
-                <a:latin typeface="Courier New"/>
-                <a:ea typeface="Courier New"/>
-              </a:rPr>
-              <a:t>  </a:t>
-            </a:r>
-            <a:r>
-              <a:rPr b="1" lang="ru" sz="1050" spc="-1" strike="noStrike">
-                <a:solidFill>
-                  <a:srgbClr val="006699"/>
-                </a:solidFill>
-                <a:highlight>
-                  <a:srgbClr val="f8f7f2"/>
-                </a:highlight>
-                <a:latin typeface="Courier New"/>
-                <a:ea typeface="Courier New"/>
-              </a:rPr>
-              <a:t>&lt;/tr&gt;</a:t>
-            </a:r>
-            <a:endParaRPr b="0" lang="ru-RU" sz="1050" spc="-1" strike="noStrike">
-              <a:latin typeface="Arial"/>
-            </a:endParaRPr>
-          </a:p>
-          <a:p>
-            <a:pPr marL="355680">
-              <a:lnSpc>
-                <a:spcPct val="115000"/>
-              </a:lnSpc>
-              <a:spcBef>
-                <a:spcPts val="1100"/>
-              </a:spcBef>
-              <a:spcAft>
-                <a:spcPts val="1100"/>
-              </a:spcAft>
-              <a:buNone/>
-              <a:tabLst>
-                <a:tab algn="l" pos="0"/>
-              </a:tabLst>
-            </a:pPr>
-            <a:r>
-              <a:rPr b="1" lang="ru" sz="1050" spc="-1" strike="noStrike">
-                <a:solidFill>
-                  <a:srgbClr val="006699"/>
-                </a:solidFill>
-                <a:highlight>
-                  <a:srgbClr val="f8f7f2"/>
-                </a:highlight>
-                <a:latin typeface="Courier New"/>
-                <a:ea typeface="Courier New"/>
-              </a:rPr>
-              <a:t>&lt;/table&gt;</a:t>
-            </a:r>
-            <a:endParaRPr b="0" lang="ru-RU" sz="1050" spc="-1" strike="noStrike">
-              <a:latin typeface="Arial"/>
-            </a:endParaRPr>
-          </a:p>
-        </p:txBody>
-      </p:sp>
-    </p:spTree>
-  </p:cSld>
-  <mc:AlternateContent>
-    <mc:Choice Requires="p14">
-      <p:transition spd="slow" p14:dur="2000"/>
-    </mc:Choice>
-    <mc:Fallback>
-      <p:transition spd="slow"/>
-    </mc:Fallback>
-  </mc:AlternateContent>
-</p:sld>
-</file>
-
-<file path=ppt/slides/slide12.xml><?xml version="1.0" encoding="utf-8"?>
-<p:sld xmlns:a="http://schemas.openxmlformats.org/drawingml/2006/main" xmlns:p="http://schemas.openxmlformats.org/presentationml/2006/main" xmlns:r="http://schemas.openxmlformats.org/officeDocument/2006/relationships" xmlns:p14="http://schemas.microsoft.com/office/powerpoint/2010/main" xmlns:p15="http://schemas.microsoft.com/office/powerpoint/2012/main" xmlns:mc="http://schemas.openxmlformats.org/markup-compatibility/2006" showMasterSp="0">
-  <p:cSld>
-    <p:bg>
-      <p:bgPr>
-        <a:blipFill rotWithShape="0">
-          <a:blip r:embed="rId1"/>
-          <a:stretch/>
-        </a:blipFill>
-      </p:bgPr>
-    </p:bg>
-    <p:spTree>
-      <p:nvGrpSpPr>
-        <p:cNvPr id="1" name=""/>
-        <p:cNvGrpSpPr/>
-        <p:nvPr/>
-      </p:nvGrpSpPr>
-      <p:grpSpPr>
-        <a:xfrm>
-          <a:off x="0" y="0"/>
-          <a:ext cx="0" cy="0"/>
-          <a:chOff x="0" y="0"/>
-          <a:chExt cx="0" cy="0"/>
-        </a:xfrm>
-      </p:grpSpPr>
-      <p:pic>
-        <p:nvPicPr>
-          <p:cNvPr id="178" name="Google Shape;247;p34" descr=""/>
-          <p:cNvPicPr/>
-          <p:nvPr/>
-        </p:nvPicPr>
-        <p:blipFill>
-          <a:blip r:embed="rId2"/>
-          <a:stretch/>
-        </p:blipFill>
-        <p:spPr>
-          <a:xfrm>
-            <a:off x="8183520" y="166680"/>
-            <a:ext cx="756720" cy="605880"/>
-          </a:xfrm>
-          <a:prstGeom prst="rect">
-            <a:avLst/>
-          </a:prstGeom>
-          <a:ln w="0">
-            <a:noFill/>
-          </a:ln>
-        </p:spPr>
-      </p:pic>
-      <p:sp>
-        <p:nvSpPr>
-          <p:cNvPr id="179" name="Google Shape;248;p34"/>
-          <p:cNvSpPr/>
-          <p:nvPr/>
-        </p:nvSpPr>
-        <p:spPr>
-          <a:xfrm>
-            <a:off x="6694920" y="3933720"/>
-            <a:ext cx="214200" cy="856440"/>
-          </a:xfrm>
-          <a:custGeom>
-            <a:avLst/>
-            <a:gdLst/>
-            <a:ahLst/>
-            <a:rect l="l" t="t" r="r" b="b"/>
-            <a:pathLst>
-              <a:path w="21600" h="21600">
-                <a:moveTo>
-                  <a:pt x="0" y="0"/>
-                </a:moveTo>
-                <a:lnTo>
-                  <a:pt x="21600" y="21600"/>
-                </a:lnTo>
-              </a:path>
-            </a:pathLst>
-          </a:custGeom>
-          <a:noFill/>
-          <a:ln w="9525">
-            <a:solidFill>
-              <a:srgbClr val="cfd8dc"/>
-            </a:solidFill>
-            <a:round/>
-          </a:ln>
-        </p:spPr>
-        <p:style>
-          <a:lnRef idx="0"/>
-          <a:fillRef idx="0"/>
-          <a:effectRef idx="0"/>
-          <a:fontRef idx="minor"/>
-        </p:style>
-      </p:sp>
-      <p:sp>
-        <p:nvSpPr>
-          <p:cNvPr id="180" name="Google Shape;249;p34"/>
-          <p:cNvSpPr/>
-          <p:nvPr/>
-        </p:nvSpPr>
-        <p:spPr>
-          <a:xfrm>
-            <a:off x="7059960" y="3727440"/>
-            <a:ext cx="393840" cy="525240"/>
-          </a:xfrm>
-          <a:custGeom>
-            <a:avLst/>
-            <a:gdLst/>
-            <a:ahLst/>
-            <a:rect l="l" t="t" r="r" b="b"/>
-            <a:pathLst>
-              <a:path w="21600" h="21600">
-                <a:moveTo>
-                  <a:pt x="0" y="0"/>
-                </a:moveTo>
-                <a:lnTo>
-                  <a:pt x="21600" y="21600"/>
-                </a:lnTo>
-              </a:path>
-            </a:pathLst>
-          </a:custGeom>
-          <a:noFill/>
-          <a:ln w="9525">
-            <a:solidFill>
-              <a:srgbClr val="cfd8dc"/>
-            </a:solidFill>
-            <a:round/>
-          </a:ln>
-        </p:spPr>
-        <p:style>
-          <a:lnRef idx="0"/>
-          <a:fillRef idx="0"/>
-          <a:effectRef idx="0"/>
-          <a:fontRef idx="minor"/>
-        </p:style>
-      </p:sp>
-      <p:sp>
-        <p:nvSpPr>
-          <p:cNvPr id="181" name="Google Shape;250;p34"/>
-          <p:cNvSpPr/>
-          <p:nvPr/>
-        </p:nvSpPr>
-        <p:spPr>
-          <a:xfrm>
-            <a:off x="7224120" y="3502080"/>
-            <a:ext cx="752040" cy="463680"/>
-          </a:xfrm>
-          <a:custGeom>
-            <a:avLst/>
-            <a:gdLst/>
-            <a:ahLst/>
-            <a:rect l="l" t="t" r="r" b="b"/>
-            <a:pathLst>
-              <a:path w="21600" h="21600">
-                <a:moveTo>
-                  <a:pt x="0" y="0"/>
-                </a:moveTo>
-                <a:lnTo>
-                  <a:pt x="21600" y="21600"/>
-                </a:lnTo>
-              </a:path>
-            </a:pathLst>
-          </a:custGeom>
-          <a:noFill/>
-          <a:ln w="9525">
-            <a:solidFill>
-              <a:srgbClr val="cfd8dc"/>
-            </a:solidFill>
-            <a:round/>
-          </a:ln>
-        </p:spPr>
-        <p:style>
-          <a:lnRef idx="0"/>
-          <a:fillRef idx="0"/>
-          <a:effectRef idx="0"/>
-          <a:fontRef idx="minor"/>
-        </p:style>
-      </p:sp>
-      <p:sp>
-        <p:nvSpPr>
-          <p:cNvPr id="182" name="Google Shape;251;p34"/>
-          <p:cNvSpPr/>
-          <p:nvPr/>
-        </p:nvSpPr>
-        <p:spPr>
-          <a:xfrm>
-            <a:off x="3638880" y="229680"/>
-            <a:ext cx="4268520" cy="609840"/>
-          </a:xfrm>
-          <a:prstGeom prst="rect">
-            <a:avLst/>
-          </a:prstGeom>
-          <a:noFill/>
-          <a:ln w="0">
-            <a:noFill/>
-          </a:ln>
-        </p:spPr>
-        <p:style>
-          <a:lnRef idx="0"/>
-          <a:fillRef idx="0"/>
-          <a:effectRef idx="0"/>
-          <a:fontRef idx="minor"/>
-        </p:style>
-        <p:txBody>
-          <a:bodyPr tIns="91440" bIns="91440" anchor="t">
-            <a:spAutoFit/>
-          </a:bodyPr>
-          <a:p>
-            <a:pPr>
-              <a:lnSpc>
-                <a:spcPct val="100000"/>
-              </a:lnSpc>
-              <a:buNone/>
-              <a:tabLst>
-                <a:tab algn="l" pos="0"/>
-              </a:tabLst>
-            </a:pPr>
-            <a:r>
-              <a:rPr b="0" lang="ru" sz="2800" spc="-1" strike="noStrike">
-                <a:solidFill>
-                  <a:srgbClr val="000000"/>
-                </a:solidFill>
-                <a:latin typeface="Source Sans Pro"/>
-                <a:ea typeface="Source Sans Pro"/>
-              </a:rPr>
-              <a:t>Таблицы th</a:t>
-            </a:r>
-            <a:endParaRPr b="0" lang="ru-RU" sz="2800" spc="-1" strike="noStrike">
-              <a:latin typeface="Arial"/>
-            </a:endParaRPr>
-          </a:p>
-        </p:txBody>
-      </p:sp>
-      <p:sp>
-        <p:nvSpPr>
-          <p:cNvPr id="183" name="Google Shape;252;p34"/>
-          <p:cNvSpPr/>
-          <p:nvPr/>
-        </p:nvSpPr>
-        <p:spPr>
-          <a:xfrm>
-            <a:off x="1387440" y="1215000"/>
-            <a:ext cx="6795720" cy="567000"/>
-          </a:xfrm>
-          <a:prstGeom prst="rect">
-            <a:avLst/>
-          </a:prstGeom>
-          <a:noFill/>
-          <a:ln w="0">
-            <a:noFill/>
-          </a:ln>
-        </p:spPr>
-        <p:style>
-          <a:lnRef idx="0"/>
-          <a:fillRef idx="0"/>
-          <a:effectRef idx="0"/>
-          <a:fontRef idx="minor"/>
-        </p:style>
-        <p:txBody>
-          <a:bodyPr tIns="91440" bIns="91440" anchor="t">
-            <a:spAutoFit/>
-          </a:bodyPr>
-          <a:p>
-            <a:pPr>
-              <a:lnSpc>
-                <a:spcPct val="115000"/>
-              </a:lnSpc>
-              <a:spcBef>
-                <a:spcPts val="1100"/>
-              </a:spcBef>
-              <a:spcAft>
-                <a:spcPts val="1100"/>
-              </a:spcAft>
-              <a:buNone/>
-              <a:tabLst>
-                <a:tab algn="l" pos="0"/>
-              </a:tabLst>
-            </a:pPr>
-            <a:r>
-              <a:rPr b="0" lang="ru" sz="1100" spc="-1" strike="noStrike">
-                <a:solidFill>
-                  <a:srgbClr val="000000"/>
-                </a:solidFill>
-                <a:highlight>
-                  <a:srgbClr val="ffffff"/>
-                </a:highlight>
-                <a:latin typeface="Arial"/>
-                <a:ea typeface="Arial"/>
-              </a:rPr>
-              <a:t>Тег </a:t>
-            </a:r>
-            <a:r>
-              <a:rPr b="1" lang="ru" sz="1100" spc="-1" strike="noStrike">
-                <a:solidFill>
-                  <a:srgbClr val="006699"/>
-                </a:solidFill>
-                <a:highlight>
-                  <a:srgbClr val="ffffff"/>
-                </a:highlight>
-                <a:latin typeface="Courier New"/>
-                <a:ea typeface="Courier New"/>
-              </a:rPr>
-              <a:t>&lt;th&gt;</a:t>
-            </a:r>
-            <a:r>
-              <a:rPr b="0" lang="ru" sz="1100" spc="-1" strike="noStrike">
-                <a:solidFill>
-                  <a:srgbClr val="000000"/>
-                </a:solidFill>
-                <a:highlight>
-                  <a:srgbClr val="ffffff"/>
-                </a:highlight>
-                <a:latin typeface="Arial"/>
-                <a:ea typeface="Arial"/>
-              </a:rPr>
-              <a:t> предназначен для создания одной ячейки таблицы, которая обозначается как заголовочная.</a:t>
-            </a:r>
-            <a:endParaRPr b="0" lang="ru-RU" sz="1100" spc="-1" strike="noStrike">
-              <a:latin typeface="Arial"/>
-            </a:endParaRPr>
-          </a:p>
-        </p:txBody>
-      </p:sp>
-      <p:sp>
-        <p:nvSpPr>
-          <p:cNvPr id="184" name="Google Shape;253;p34"/>
-          <p:cNvSpPr/>
-          <p:nvPr/>
-        </p:nvSpPr>
-        <p:spPr>
-          <a:xfrm>
-            <a:off x="2882880" y="2134440"/>
-            <a:ext cx="2999520" cy="1913400"/>
-          </a:xfrm>
-          <a:prstGeom prst="rect">
-            <a:avLst/>
-          </a:prstGeom>
-          <a:noFill/>
-          <a:ln w="0">
-            <a:noFill/>
-          </a:ln>
-        </p:spPr>
-        <p:style>
-          <a:lnRef idx="0"/>
-          <a:fillRef idx="0"/>
-          <a:effectRef idx="0"/>
-          <a:fontRef idx="minor"/>
-        </p:style>
-        <p:txBody>
-          <a:bodyPr tIns="91440" bIns="91440" anchor="t">
-            <a:spAutoFit/>
-          </a:bodyPr>
-          <a:p>
-            <a:pPr>
-              <a:lnSpc>
-                <a:spcPct val="115000"/>
-              </a:lnSpc>
-              <a:spcBef>
-                <a:spcPts val="1701"/>
-              </a:spcBef>
-              <a:buNone/>
-              <a:tabLst>
-                <a:tab algn="l" pos="0"/>
-              </a:tabLst>
-            </a:pPr>
-            <a:r>
-              <a:rPr b="1" lang="ru" sz="1450" spc="-1" strike="noStrike">
-                <a:solidFill>
-                  <a:srgbClr val="666666"/>
-                </a:solidFill>
-                <a:highlight>
-                  <a:srgbClr val="ffffff"/>
-                </a:highlight>
-                <a:latin typeface="Arial"/>
-                <a:ea typeface="Arial"/>
-              </a:rPr>
-              <a:t>Синтаксис</a:t>
-            </a:r>
-            <a:endParaRPr b="0" lang="ru-RU" sz="1450" spc="-1" strike="noStrike">
-              <a:latin typeface="Arial"/>
-            </a:endParaRPr>
-          </a:p>
-          <a:p>
-            <a:pPr marL="355680">
-              <a:lnSpc>
-                <a:spcPct val="115000"/>
-              </a:lnSpc>
-              <a:buNone/>
-              <a:tabLst>
-                <a:tab algn="l" pos="0"/>
-              </a:tabLst>
-            </a:pPr>
-            <a:r>
-              <a:rPr b="1" lang="ru" sz="1050" spc="-1" strike="noStrike">
-                <a:solidFill>
-                  <a:srgbClr val="006699"/>
-                </a:solidFill>
-                <a:highlight>
-                  <a:srgbClr val="f8f7f2"/>
-                </a:highlight>
-                <a:latin typeface="Courier New"/>
-                <a:ea typeface="Courier New"/>
-              </a:rPr>
-              <a:t>&lt;table&gt;</a:t>
-            </a:r>
-            <a:endParaRPr b="0" lang="ru-RU" sz="1050" spc="-1" strike="noStrike">
-              <a:latin typeface="Arial"/>
-            </a:endParaRPr>
-          </a:p>
-          <a:p>
-            <a:pPr marL="355680">
-              <a:lnSpc>
-                <a:spcPct val="115000"/>
-              </a:lnSpc>
-              <a:spcBef>
-                <a:spcPts val="1100"/>
-              </a:spcBef>
-              <a:buNone/>
-              <a:tabLst>
-                <a:tab algn="l" pos="0"/>
-              </a:tabLst>
-            </a:pPr>
-            <a:r>
-              <a:rPr b="0" lang="ru" sz="1050" spc="-1" strike="noStrike">
-                <a:solidFill>
-                  <a:srgbClr val="000000"/>
-                </a:solidFill>
-                <a:highlight>
-                  <a:srgbClr val="f8f7f2"/>
-                </a:highlight>
-                <a:latin typeface="Courier New"/>
-                <a:ea typeface="Courier New"/>
-              </a:rPr>
-              <a:t>  </a:t>
-            </a:r>
-            <a:r>
-              <a:rPr b="1" lang="ru" sz="1050" spc="-1" strike="noStrike">
-                <a:solidFill>
-                  <a:srgbClr val="006699"/>
-                </a:solidFill>
-                <a:highlight>
-                  <a:srgbClr val="f8f7f2"/>
-                </a:highlight>
-                <a:latin typeface="Courier New"/>
-                <a:ea typeface="Courier New"/>
-              </a:rPr>
-              <a:t>&lt;tr&gt;</a:t>
-            </a:r>
-            <a:endParaRPr b="0" lang="ru-RU" sz="1050" spc="-1" strike="noStrike">
-              <a:latin typeface="Arial"/>
-            </a:endParaRPr>
-          </a:p>
-          <a:p>
-            <a:pPr marL="355680">
-              <a:lnSpc>
-                <a:spcPct val="115000"/>
-              </a:lnSpc>
-              <a:spcBef>
-                <a:spcPts val="1100"/>
-              </a:spcBef>
-              <a:buNone/>
-              <a:tabLst>
-                <a:tab algn="l" pos="0"/>
-              </a:tabLst>
-            </a:pPr>
-            <a:r>
-              <a:rPr b="0" lang="ru" sz="1050" spc="-1" strike="noStrike">
-                <a:solidFill>
-                  <a:srgbClr val="000000"/>
-                </a:solidFill>
-                <a:highlight>
-                  <a:srgbClr val="f8f7f2"/>
-                </a:highlight>
-                <a:latin typeface="Courier New"/>
-                <a:ea typeface="Courier New"/>
-              </a:rPr>
-              <a:t>    </a:t>
-            </a:r>
-            <a:r>
-              <a:rPr b="1" lang="ru" sz="1050" spc="-1" strike="noStrike">
-                <a:solidFill>
-                  <a:srgbClr val="006699"/>
-                </a:solidFill>
-                <a:highlight>
-                  <a:srgbClr val="f8f7f2"/>
-                </a:highlight>
-                <a:latin typeface="Courier New"/>
-                <a:ea typeface="Courier New"/>
-              </a:rPr>
-              <a:t>&lt;th&gt;</a:t>
-            </a:r>
-            <a:r>
-              <a:rPr b="0" lang="ru" sz="1050" spc="-1" strike="noStrike">
-                <a:solidFill>
-                  <a:srgbClr val="000000"/>
-                </a:solidFill>
-                <a:highlight>
-                  <a:srgbClr val="f8f7f2"/>
-                </a:highlight>
-                <a:latin typeface="Courier New"/>
-                <a:ea typeface="Courier New"/>
-              </a:rPr>
-              <a:t>...</a:t>
-            </a:r>
-            <a:r>
-              <a:rPr b="1" lang="ru" sz="1050" spc="-1" strike="noStrike">
-                <a:solidFill>
-                  <a:srgbClr val="006699"/>
-                </a:solidFill>
-                <a:highlight>
-                  <a:srgbClr val="f8f7f2"/>
-                </a:highlight>
-                <a:latin typeface="Courier New"/>
-                <a:ea typeface="Courier New"/>
-              </a:rPr>
-              <a:t>&lt;/th&gt;</a:t>
-            </a:r>
-            <a:endParaRPr b="0" lang="ru-RU" sz="1050" spc="-1" strike="noStrike">
-              <a:latin typeface="Arial"/>
-            </a:endParaRPr>
-          </a:p>
-          <a:p>
-            <a:pPr marL="355680">
-              <a:lnSpc>
-                <a:spcPct val="115000"/>
-              </a:lnSpc>
-              <a:spcBef>
-                <a:spcPts val="1100"/>
-              </a:spcBef>
-              <a:buNone/>
-              <a:tabLst>
-                <a:tab algn="l" pos="0"/>
-              </a:tabLst>
-            </a:pPr>
-            <a:r>
-              <a:rPr b="0" lang="ru" sz="1050" spc="-1" strike="noStrike">
-                <a:solidFill>
-                  <a:srgbClr val="000000"/>
-                </a:solidFill>
-                <a:highlight>
-                  <a:srgbClr val="f8f7f2"/>
-                </a:highlight>
-                <a:latin typeface="Courier New"/>
-                <a:ea typeface="Courier New"/>
-              </a:rPr>
-              <a:t>  </a:t>
-            </a:r>
-            <a:r>
-              <a:rPr b="1" lang="ru" sz="1050" spc="-1" strike="noStrike">
-                <a:solidFill>
-                  <a:srgbClr val="006699"/>
-                </a:solidFill>
-                <a:highlight>
-                  <a:srgbClr val="f8f7f2"/>
-                </a:highlight>
-                <a:latin typeface="Courier New"/>
-                <a:ea typeface="Courier New"/>
-              </a:rPr>
-              <a:t>&lt;/tr&gt;</a:t>
-            </a:r>
-            <a:endParaRPr b="0" lang="ru-RU" sz="1050" spc="-1" strike="noStrike">
-              <a:latin typeface="Arial"/>
-            </a:endParaRPr>
-          </a:p>
-          <a:p>
-            <a:pPr marL="355680">
-              <a:lnSpc>
-                <a:spcPct val="115000"/>
-              </a:lnSpc>
-              <a:spcBef>
-                <a:spcPts val="1100"/>
-              </a:spcBef>
-              <a:spcAft>
-                <a:spcPts val="1100"/>
-              </a:spcAft>
-              <a:buNone/>
-              <a:tabLst>
-                <a:tab algn="l" pos="0"/>
-              </a:tabLst>
-            </a:pPr>
-            <a:r>
-              <a:rPr b="1" lang="ru" sz="1050" spc="-1" strike="noStrike">
-                <a:solidFill>
-                  <a:srgbClr val="006699"/>
-                </a:solidFill>
-                <a:highlight>
-                  <a:srgbClr val="f8f7f2"/>
-                </a:highlight>
-                <a:latin typeface="Courier New"/>
-                <a:ea typeface="Courier New"/>
-              </a:rPr>
-              <a:t>&lt;/table&gt;</a:t>
-            </a:r>
-            <a:endParaRPr b="0" lang="ru-RU" sz="1050" spc="-1" strike="noStrike">
-              <a:latin typeface="Arial"/>
-            </a:endParaRPr>
-          </a:p>
-        </p:txBody>
-      </p:sp>
-    </p:spTree>
-  </p:cSld>
-  <mc:AlternateContent>
-    <mc:Choice Requires="p14">
-      <p:transition spd="slow" p14:dur="2000"/>
-    </mc:Choice>
-    <mc:Fallback>
-      <p:transition spd="slow"/>
-    </mc:Fallback>
-  </mc:AlternateContent>
-</p:sld>
-</file>
-
-<file path=ppt/slides/slide13.xml><?xml version="1.0" encoding="utf-8"?>
-<p:sld xmlns:a="http://schemas.openxmlformats.org/drawingml/2006/main" xmlns:p="http://schemas.openxmlformats.org/presentationml/2006/main" xmlns:r="http://schemas.openxmlformats.org/officeDocument/2006/relationships" xmlns:p14="http://schemas.microsoft.com/office/powerpoint/2010/main" xmlns:p15="http://schemas.microsoft.com/office/powerpoint/2012/main" xmlns:mc="http://schemas.openxmlformats.org/markup-compatibility/2006" showMasterSp="0">
-  <p:cSld>
-    <p:bg>
-      <p:bgPr>
-        <a:blipFill rotWithShape="0">
-          <a:blip r:embed="rId1"/>
-          <a:stretch/>
-        </a:blipFill>
-      </p:bgPr>
-    </p:bg>
-    <p:spTree>
-      <p:nvGrpSpPr>
-        <p:cNvPr id="1" name=""/>
-        <p:cNvGrpSpPr/>
-        <p:nvPr/>
-      </p:nvGrpSpPr>
-      <p:grpSpPr>
-        <a:xfrm>
-          <a:off x="0" y="0"/>
-          <a:ext cx="0" cy="0"/>
-          <a:chOff x="0" y="0"/>
-          <a:chExt cx="0" cy="0"/>
-        </a:xfrm>
-      </p:grpSpPr>
-      <p:pic>
-        <p:nvPicPr>
-          <p:cNvPr id="185" name="Google Shape;258;p35" descr=""/>
-          <p:cNvPicPr/>
-          <p:nvPr/>
-        </p:nvPicPr>
-        <p:blipFill>
-          <a:blip r:embed="rId2"/>
-          <a:stretch/>
-        </p:blipFill>
-        <p:spPr>
-          <a:xfrm>
-            <a:off x="8183520" y="166680"/>
-            <a:ext cx="756720" cy="605880"/>
-          </a:xfrm>
-          <a:prstGeom prst="rect">
-            <a:avLst/>
-          </a:prstGeom>
-          <a:ln w="0">
-            <a:noFill/>
-          </a:ln>
-        </p:spPr>
-      </p:pic>
-      <p:sp>
-        <p:nvSpPr>
-          <p:cNvPr id="186" name="Google Shape;259;p35"/>
-          <p:cNvSpPr/>
-          <p:nvPr/>
-        </p:nvSpPr>
-        <p:spPr>
-          <a:xfrm>
-            <a:off x="6694920" y="3933720"/>
-            <a:ext cx="214200" cy="856440"/>
-          </a:xfrm>
-          <a:custGeom>
-            <a:avLst/>
-            <a:gdLst/>
-            <a:ahLst/>
-            <a:rect l="l" t="t" r="r" b="b"/>
-            <a:pathLst>
-              <a:path w="21600" h="21600">
-                <a:moveTo>
-                  <a:pt x="0" y="0"/>
-                </a:moveTo>
-                <a:lnTo>
-                  <a:pt x="21600" y="21600"/>
-                </a:lnTo>
-              </a:path>
-            </a:pathLst>
-          </a:custGeom>
-          <a:noFill/>
-          <a:ln w="9525">
-            <a:solidFill>
-              <a:srgbClr val="cfd8dc"/>
-            </a:solidFill>
-            <a:round/>
-          </a:ln>
-        </p:spPr>
-        <p:style>
-          <a:lnRef idx="0"/>
-          <a:fillRef idx="0"/>
-          <a:effectRef idx="0"/>
-          <a:fontRef idx="minor"/>
-        </p:style>
-      </p:sp>
-      <p:sp>
-        <p:nvSpPr>
-          <p:cNvPr id="187" name="Google Shape;260;p35"/>
-          <p:cNvSpPr/>
-          <p:nvPr/>
-        </p:nvSpPr>
-        <p:spPr>
-          <a:xfrm>
-            <a:off x="7059960" y="3727440"/>
-            <a:ext cx="393840" cy="525240"/>
-          </a:xfrm>
-          <a:custGeom>
-            <a:avLst/>
-            <a:gdLst/>
-            <a:ahLst/>
-            <a:rect l="l" t="t" r="r" b="b"/>
-            <a:pathLst>
-              <a:path w="21600" h="21600">
-                <a:moveTo>
-                  <a:pt x="0" y="0"/>
-                </a:moveTo>
-                <a:lnTo>
-                  <a:pt x="21600" y="21600"/>
-                </a:lnTo>
-              </a:path>
-            </a:pathLst>
-          </a:custGeom>
-          <a:noFill/>
-          <a:ln w="9525">
-            <a:solidFill>
-              <a:srgbClr val="cfd8dc"/>
-            </a:solidFill>
-            <a:round/>
-          </a:ln>
-        </p:spPr>
-        <p:style>
-          <a:lnRef idx="0"/>
-          <a:fillRef idx="0"/>
-          <a:effectRef idx="0"/>
-          <a:fontRef idx="minor"/>
-        </p:style>
-      </p:sp>
-      <p:sp>
-        <p:nvSpPr>
-          <p:cNvPr id="188" name="Google Shape;261;p35"/>
-          <p:cNvSpPr/>
-          <p:nvPr/>
-        </p:nvSpPr>
-        <p:spPr>
-          <a:xfrm>
-            <a:off x="7224120" y="3502080"/>
-            <a:ext cx="752040" cy="463680"/>
-          </a:xfrm>
-          <a:custGeom>
-            <a:avLst/>
-            <a:gdLst/>
-            <a:ahLst/>
-            <a:rect l="l" t="t" r="r" b="b"/>
-            <a:pathLst>
-              <a:path w="21600" h="21600">
-                <a:moveTo>
-                  <a:pt x="0" y="0"/>
-                </a:moveTo>
-                <a:lnTo>
-                  <a:pt x="21600" y="21600"/>
-                </a:lnTo>
-              </a:path>
-            </a:pathLst>
-          </a:custGeom>
-          <a:noFill/>
-          <a:ln w="9525">
-            <a:solidFill>
-              <a:srgbClr val="cfd8dc"/>
-            </a:solidFill>
-            <a:round/>
-          </a:ln>
-        </p:spPr>
-        <p:style>
-          <a:lnRef idx="0"/>
-          <a:fillRef idx="0"/>
-          <a:effectRef idx="0"/>
-          <a:fontRef idx="minor"/>
-        </p:style>
-      </p:sp>
-      <p:sp>
-        <p:nvSpPr>
-          <p:cNvPr id="189" name="Google Shape;262;p35"/>
-          <p:cNvSpPr/>
-          <p:nvPr/>
-        </p:nvSpPr>
-        <p:spPr>
-          <a:xfrm>
-            <a:off x="3638880" y="229680"/>
-            <a:ext cx="4268520" cy="609840"/>
-          </a:xfrm>
-          <a:prstGeom prst="rect">
-            <a:avLst/>
-          </a:prstGeom>
-          <a:noFill/>
-          <a:ln w="0">
-            <a:noFill/>
-          </a:ln>
-        </p:spPr>
-        <p:style>
-          <a:lnRef idx="0"/>
-          <a:fillRef idx="0"/>
-          <a:effectRef idx="0"/>
-          <a:fontRef idx="minor"/>
-        </p:style>
-        <p:txBody>
-          <a:bodyPr tIns="91440" bIns="91440" anchor="t">
-            <a:spAutoFit/>
-          </a:bodyPr>
-          <a:p>
-            <a:pPr>
-              <a:lnSpc>
-                <a:spcPct val="100000"/>
-              </a:lnSpc>
-              <a:buNone/>
-              <a:tabLst>
-                <a:tab algn="l" pos="0"/>
-              </a:tabLst>
-            </a:pPr>
-            <a:r>
-              <a:rPr b="0" lang="ru" sz="2800" spc="-1" strike="noStrike">
-                <a:solidFill>
-                  <a:srgbClr val="000000"/>
-                </a:solidFill>
-                <a:latin typeface="Source Sans Pro"/>
-                <a:ea typeface="Source Sans Pro"/>
-              </a:rPr>
-              <a:t>Таблицы td</a:t>
-            </a:r>
-            <a:endParaRPr b="0" lang="ru-RU" sz="2800" spc="-1" strike="noStrike">
-              <a:latin typeface="Arial"/>
-            </a:endParaRPr>
-          </a:p>
-        </p:txBody>
-      </p:sp>
-      <p:sp>
-        <p:nvSpPr>
-          <p:cNvPr id="190" name="Google Shape;263;p35"/>
-          <p:cNvSpPr/>
-          <p:nvPr/>
-        </p:nvSpPr>
-        <p:spPr>
-          <a:xfrm>
-            <a:off x="1387440" y="1215000"/>
-            <a:ext cx="6795720" cy="567000"/>
-          </a:xfrm>
-          <a:prstGeom prst="rect">
-            <a:avLst/>
-          </a:prstGeom>
-          <a:noFill/>
-          <a:ln w="0">
-            <a:noFill/>
-          </a:ln>
-        </p:spPr>
-        <p:style>
-          <a:lnRef idx="0"/>
-          <a:fillRef idx="0"/>
-          <a:effectRef idx="0"/>
-          <a:fontRef idx="minor"/>
-        </p:style>
-        <p:txBody>
-          <a:bodyPr tIns="91440" bIns="91440" anchor="t">
-            <a:spAutoFit/>
-          </a:bodyPr>
-          <a:p>
-            <a:pPr>
-              <a:lnSpc>
-                <a:spcPct val="115000"/>
-              </a:lnSpc>
-              <a:spcBef>
-                <a:spcPts val="1100"/>
-              </a:spcBef>
-              <a:spcAft>
-                <a:spcPts val="1100"/>
-              </a:spcAft>
-              <a:buNone/>
-              <a:tabLst>
-                <a:tab algn="l" pos="0"/>
-              </a:tabLst>
-            </a:pPr>
-            <a:r>
-              <a:rPr b="0" lang="ru" sz="1100" spc="-1" strike="noStrike">
-                <a:solidFill>
-                  <a:srgbClr val="000000"/>
-                </a:solidFill>
-                <a:highlight>
-                  <a:srgbClr val="ffffff"/>
-                </a:highlight>
-                <a:latin typeface="Arial"/>
-                <a:ea typeface="Arial"/>
-              </a:rPr>
-              <a:t>Тег </a:t>
-            </a:r>
-            <a:r>
-              <a:rPr b="1" lang="ru" sz="1100" spc="-1" strike="noStrike">
-                <a:solidFill>
-                  <a:srgbClr val="006699"/>
-                </a:solidFill>
-                <a:highlight>
-                  <a:srgbClr val="ffffff"/>
-                </a:highlight>
-                <a:latin typeface="Courier New"/>
-                <a:ea typeface="Courier New"/>
-              </a:rPr>
-              <a:t>&lt;th&gt;</a:t>
-            </a:r>
-            <a:r>
-              <a:rPr b="0" lang="ru" sz="1100" spc="-1" strike="noStrike">
-                <a:solidFill>
-                  <a:srgbClr val="000000"/>
-                </a:solidFill>
-                <a:highlight>
-                  <a:srgbClr val="ffffff"/>
-                </a:highlight>
-                <a:latin typeface="Arial"/>
-                <a:ea typeface="Arial"/>
-              </a:rPr>
-              <a:t> предназначен для создания одной ячейки таблицы, которая обозначается как заголовочная.</a:t>
-            </a:r>
-            <a:endParaRPr b="0" lang="ru-RU" sz="1100" spc="-1" strike="noStrike">
-              <a:latin typeface="Arial"/>
-            </a:endParaRPr>
-          </a:p>
-        </p:txBody>
-      </p:sp>
-      <p:sp>
-        <p:nvSpPr>
-          <p:cNvPr id="191" name="Google Shape;264;p35"/>
-          <p:cNvSpPr/>
-          <p:nvPr/>
-        </p:nvSpPr>
-        <p:spPr>
-          <a:xfrm>
-            <a:off x="2882880" y="2134440"/>
-            <a:ext cx="2999520" cy="1913400"/>
-          </a:xfrm>
-          <a:prstGeom prst="rect">
-            <a:avLst/>
-          </a:prstGeom>
-          <a:noFill/>
-          <a:ln w="0">
-            <a:noFill/>
-          </a:ln>
-        </p:spPr>
-        <p:style>
-          <a:lnRef idx="0"/>
-          <a:fillRef idx="0"/>
-          <a:effectRef idx="0"/>
-          <a:fontRef idx="minor"/>
-        </p:style>
-        <p:txBody>
-          <a:bodyPr tIns="91440" bIns="91440" anchor="t">
-            <a:spAutoFit/>
-          </a:bodyPr>
-          <a:p>
-            <a:pPr>
-              <a:lnSpc>
-                <a:spcPct val="115000"/>
-              </a:lnSpc>
-              <a:spcBef>
-                <a:spcPts val="1701"/>
-              </a:spcBef>
-              <a:buNone/>
-              <a:tabLst>
-                <a:tab algn="l" pos="0"/>
-              </a:tabLst>
-            </a:pPr>
-            <a:r>
-              <a:rPr b="1" lang="ru" sz="1450" spc="-1" strike="noStrike">
-                <a:solidFill>
-                  <a:srgbClr val="666666"/>
-                </a:solidFill>
-                <a:highlight>
-                  <a:srgbClr val="ffffff"/>
-                </a:highlight>
-                <a:latin typeface="Arial"/>
-                <a:ea typeface="Arial"/>
-              </a:rPr>
-              <a:t>Синтаксис</a:t>
-            </a:r>
-            <a:endParaRPr b="0" lang="ru-RU" sz="1450" spc="-1" strike="noStrike">
-              <a:latin typeface="Arial"/>
-            </a:endParaRPr>
-          </a:p>
-          <a:p>
-            <a:pPr marL="355680">
-              <a:lnSpc>
-                <a:spcPct val="115000"/>
-              </a:lnSpc>
-              <a:buNone/>
-              <a:tabLst>
-                <a:tab algn="l" pos="0"/>
-              </a:tabLst>
-            </a:pPr>
-            <a:r>
-              <a:rPr b="1" lang="ru" sz="1050" spc="-1" strike="noStrike">
-                <a:solidFill>
-                  <a:srgbClr val="006699"/>
-                </a:solidFill>
-                <a:highlight>
-                  <a:srgbClr val="f8f7f2"/>
-                </a:highlight>
-                <a:latin typeface="Courier New"/>
-                <a:ea typeface="Courier New"/>
-              </a:rPr>
-              <a:t>&lt;table&gt;</a:t>
-            </a:r>
-            <a:endParaRPr b="0" lang="ru-RU" sz="1050" spc="-1" strike="noStrike">
-              <a:latin typeface="Arial"/>
-            </a:endParaRPr>
-          </a:p>
-          <a:p>
-            <a:pPr marL="355680">
-              <a:lnSpc>
-                <a:spcPct val="115000"/>
-              </a:lnSpc>
-              <a:spcBef>
-                <a:spcPts val="1100"/>
-              </a:spcBef>
-              <a:buNone/>
-              <a:tabLst>
-                <a:tab algn="l" pos="0"/>
-              </a:tabLst>
-            </a:pPr>
-            <a:r>
-              <a:rPr b="0" lang="ru" sz="1050" spc="-1" strike="noStrike">
-                <a:solidFill>
-                  <a:srgbClr val="000000"/>
-                </a:solidFill>
-                <a:highlight>
-                  <a:srgbClr val="f8f7f2"/>
-                </a:highlight>
-                <a:latin typeface="Courier New"/>
-                <a:ea typeface="Courier New"/>
-              </a:rPr>
-              <a:t>  </a:t>
-            </a:r>
-            <a:r>
-              <a:rPr b="1" lang="ru" sz="1050" spc="-1" strike="noStrike">
-                <a:solidFill>
-                  <a:srgbClr val="006699"/>
-                </a:solidFill>
-                <a:highlight>
-                  <a:srgbClr val="f8f7f2"/>
-                </a:highlight>
-                <a:latin typeface="Courier New"/>
-                <a:ea typeface="Courier New"/>
-              </a:rPr>
-              <a:t>&lt;tr&gt;</a:t>
-            </a:r>
-            <a:endParaRPr b="0" lang="ru-RU" sz="1050" spc="-1" strike="noStrike">
-              <a:latin typeface="Arial"/>
-            </a:endParaRPr>
-          </a:p>
-          <a:p>
-            <a:pPr marL="355680">
-              <a:lnSpc>
-                <a:spcPct val="115000"/>
-              </a:lnSpc>
-              <a:spcBef>
-                <a:spcPts val="1100"/>
-              </a:spcBef>
-              <a:buNone/>
-              <a:tabLst>
-                <a:tab algn="l" pos="0"/>
-              </a:tabLst>
-            </a:pPr>
-            <a:r>
-              <a:rPr b="0" lang="ru" sz="1050" spc="-1" strike="noStrike">
-                <a:solidFill>
-                  <a:srgbClr val="000000"/>
-                </a:solidFill>
-                <a:highlight>
-                  <a:srgbClr val="f8f7f2"/>
-                </a:highlight>
-                <a:latin typeface="Courier New"/>
-                <a:ea typeface="Courier New"/>
-              </a:rPr>
-              <a:t>    </a:t>
-            </a:r>
-            <a:r>
-              <a:rPr b="1" lang="ru" sz="1050" spc="-1" strike="noStrike">
-                <a:solidFill>
-                  <a:srgbClr val="006699"/>
-                </a:solidFill>
-                <a:highlight>
-                  <a:srgbClr val="f8f7f2"/>
-                </a:highlight>
-                <a:latin typeface="Courier New"/>
-                <a:ea typeface="Courier New"/>
-              </a:rPr>
-              <a:t>&lt;td&gt;</a:t>
-            </a:r>
-            <a:r>
-              <a:rPr b="0" lang="ru" sz="1050" spc="-1" strike="noStrike">
-                <a:solidFill>
-                  <a:srgbClr val="000000"/>
-                </a:solidFill>
-                <a:highlight>
-                  <a:srgbClr val="f8f7f2"/>
-                </a:highlight>
-                <a:latin typeface="Courier New"/>
-                <a:ea typeface="Courier New"/>
-              </a:rPr>
-              <a:t>...</a:t>
-            </a:r>
-            <a:r>
-              <a:rPr b="1" lang="ru" sz="1050" spc="-1" strike="noStrike">
-                <a:solidFill>
-                  <a:srgbClr val="006699"/>
-                </a:solidFill>
-                <a:highlight>
-                  <a:srgbClr val="f8f7f2"/>
-                </a:highlight>
-                <a:latin typeface="Courier New"/>
-                <a:ea typeface="Courier New"/>
-              </a:rPr>
-              <a:t>&lt;/td&gt;</a:t>
-            </a:r>
-            <a:endParaRPr b="0" lang="ru-RU" sz="1050" spc="-1" strike="noStrike">
-              <a:latin typeface="Arial"/>
-            </a:endParaRPr>
-          </a:p>
-          <a:p>
-            <a:pPr marL="355680">
-              <a:lnSpc>
-                <a:spcPct val="115000"/>
-              </a:lnSpc>
-              <a:spcBef>
-                <a:spcPts val="1100"/>
-              </a:spcBef>
-              <a:buNone/>
-              <a:tabLst>
-                <a:tab algn="l" pos="0"/>
-              </a:tabLst>
-            </a:pPr>
-            <a:r>
-              <a:rPr b="0" lang="ru" sz="1050" spc="-1" strike="noStrike">
-                <a:solidFill>
-                  <a:srgbClr val="000000"/>
-                </a:solidFill>
-                <a:highlight>
-                  <a:srgbClr val="f8f7f2"/>
-                </a:highlight>
-                <a:latin typeface="Courier New"/>
-                <a:ea typeface="Courier New"/>
-              </a:rPr>
-              <a:t>  </a:t>
-            </a:r>
-            <a:r>
-              <a:rPr b="1" lang="ru" sz="1050" spc="-1" strike="noStrike">
-                <a:solidFill>
-                  <a:srgbClr val="006699"/>
-                </a:solidFill>
-                <a:highlight>
-                  <a:srgbClr val="f8f7f2"/>
-                </a:highlight>
-                <a:latin typeface="Courier New"/>
-                <a:ea typeface="Courier New"/>
-              </a:rPr>
-              <a:t>&lt;/tr&gt;</a:t>
-            </a:r>
-            <a:endParaRPr b="0" lang="ru-RU" sz="1050" spc="-1" strike="noStrike">
-              <a:latin typeface="Arial"/>
-            </a:endParaRPr>
-          </a:p>
-          <a:p>
-            <a:pPr marL="355680">
-              <a:lnSpc>
-                <a:spcPct val="115000"/>
-              </a:lnSpc>
-              <a:spcBef>
-                <a:spcPts val="1100"/>
-              </a:spcBef>
-              <a:spcAft>
-                <a:spcPts val="1100"/>
-              </a:spcAft>
-              <a:buNone/>
-              <a:tabLst>
-                <a:tab algn="l" pos="0"/>
-              </a:tabLst>
-            </a:pPr>
-            <a:r>
-              <a:rPr b="1" lang="ru" sz="1050" spc="-1" strike="noStrike">
-                <a:solidFill>
-                  <a:srgbClr val="006699"/>
-                </a:solidFill>
-                <a:highlight>
-                  <a:srgbClr val="f8f7f2"/>
-                </a:highlight>
-                <a:latin typeface="Courier New"/>
-                <a:ea typeface="Courier New"/>
-              </a:rPr>
-              <a:t>&lt;/table&gt;</a:t>
-            </a:r>
-            <a:endParaRPr b="0" lang="ru-RU" sz="1050" spc="-1" strike="noStrike">
-              <a:latin typeface="Arial"/>
-            </a:endParaRPr>
-          </a:p>
-        </p:txBody>
-      </p:sp>
-    </p:spTree>
-  </p:cSld>
-  <mc:AlternateContent>
-    <mc:Choice Requires="p14">
-      <p:transition spd="slow" p14:dur="2000"/>
-    </mc:Choice>
-    <mc:Fallback>
-      <p:transition spd="slow"/>
-    </mc:Fallback>
-  </mc:AlternateContent>
-</p:sld>
-</file>
-
-<file path=ppt/slides/slide14.xml><?xml version="1.0" encoding="utf-8"?>
-<p:sld xmlns:a="http://schemas.openxmlformats.org/drawingml/2006/main" xmlns:p="http://schemas.openxmlformats.org/presentationml/2006/main" xmlns:r="http://schemas.openxmlformats.org/officeDocument/2006/relationships" xmlns:p14="http://schemas.microsoft.com/office/powerpoint/2010/main" xmlns:p15="http://schemas.microsoft.com/office/powerpoint/2012/main" xmlns:mc="http://schemas.openxmlformats.org/markup-compatibility/2006" showMasterSp="0">
-  <p:cSld>
-    <p:bg>
-      <p:bgPr>
-        <a:blipFill rotWithShape="0">
-          <a:blip r:embed="rId1"/>
-          <a:stretch/>
-        </a:blipFill>
-      </p:bgPr>
-    </p:bg>
-    <p:spTree>
-      <p:nvGrpSpPr>
-        <p:cNvPr id="1" name=""/>
-        <p:cNvGrpSpPr/>
-        <p:nvPr/>
-      </p:nvGrpSpPr>
-      <p:grpSpPr>
-        <a:xfrm>
-          <a:off x="0" y="0"/>
-          <a:ext cx="0" cy="0"/>
-          <a:chOff x="0" y="0"/>
-          <a:chExt cx="0" cy="0"/>
-        </a:xfrm>
-      </p:grpSpPr>
-      <p:pic>
-        <p:nvPicPr>
-          <p:cNvPr id="192" name="Google Shape;269;p36" descr=""/>
-          <p:cNvPicPr/>
-          <p:nvPr/>
-        </p:nvPicPr>
-        <p:blipFill>
-          <a:blip r:embed="rId2"/>
-          <a:stretch/>
-        </p:blipFill>
-        <p:spPr>
-          <a:xfrm>
-            <a:off x="8183520" y="166680"/>
-            <a:ext cx="756720" cy="605880"/>
-          </a:xfrm>
-          <a:prstGeom prst="rect">
-            <a:avLst/>
-          </a:prstGeom>
-          <a:ln w="0">
-            <a:noFill/>
-          </a:ln>
-        </p:spPr>
-      </p:pic>
-      <p:sp>
-        <p:nvSpPr>
-          <p:cNvPr id="193" name="Google Shape;270;p36"/>
-          <p:cNvSpPr/>
-          <p:nvPr/>
-        </p:nvSpPr>
-        <p:spPr>
-          <a:xfrm>
-            <a:off x="6694920" y="3933720"/>
-            <a:ext cx="214200" cy="856440"/>
-          </a:xfrm>
-          <a:custGeom>
-            <a:avLst/>
-            <a:gdLst/>
-            <a:ahLst/>
-            <a:rect l="l" t="t" r="r" b="b"/>
-            <a:pathLst>
-              <a:path w="21600" h="21600">
-                <a:moveTo>
-                  <a:pt x="0" y="0"/>
-                </a:moveTo>
-                <a:lnTo>
-                  <a:pt x="21600" y="21600"/>
-                </a:lnTo>
-              </a:path>
-            </a:pathLst>
-          </a:custGeom>
-          <a:noFill/>
-          <a:ln w="9525">
-            <a:solidFill>
-              <a:srgbClr val="cfd8dc"/>
-            </a:solidFill>
-            <a:round/>
-          </a:ln>
-        </p:spPr>
-        <p:style>
-          <a:lnRef idx="0"/>
-          <a:fillRef idx="0"/>
-          <a:effectRef idx="0"/>
-          <a:fontRef idx="minor"/>
-        </p:style>
-      </p:sp>
-      <p:sp>
-        <p:nvSpPr>
-          <p:cNvPr id="194" name="Google Shape;271;p36"/>
-          <p:cNvSpPr/>
-          <p:nvPr/>
-        </p:nvSpPr>
-        <p:spPr>
-          <a:xfrm>
-            <a:off x="7059960" y="3727440"/>
-            <a:ext cx="393840" cy="525240"/>
-          </a:xfrm>
-          <a:custGeom>
-            <a:avLst/>
-            <a:gdLst/>
-            <a:ahLst/>
-            <a:rect l="l" t="t" r="r" b="b"/>
-            <a:pathLst>
-              <a:path w="21600" h="21600">
-                <a:moveTo>
-                  <a:pt x="0" y="0"/>
-                </a:moveTo>
-                <a:lnTo>
-                  <a:pt x="21600" y="21600"/>
-                </a:lnTo>
-              </a:path>
-            </a:pathLst>
-          </a:custGeom>
-          <a:noFill/>
-          <a:ln w="9525">
-            <a:solidFill>
-              <a:srgbClr val="cfd8dc"/>
-            </a:solidFill>
-            <a:round/>
-          </a:ln>
-        </p:spPr>
-        <p:style>
-          <a:lnRef idx="0"/>
-          <a:fillRef idx="0"/>
-          <a:effectRef idx="0"/>
-          <a:fontRef idx="minor"/>
-        </p:style>
-      </p:sp>
-      <p:sp>
-        <p:nvSpPr>
-          <p:cNvPr id="195" name="Google Shape;272;p36"/>
-          <p:cNvSpPr/>
-          <p:nvPr/>
-        </p:nvSpPr>
-        <p:spPr>
-          <a:xfrm>
-            <a:off x="7224120" y="3502080"/>
-            <a:ext cx="752040" cy="463680"/>
-          </a:xfrm>
-          <a:custGeom>
-            <a:avLst/>
-            <a:gdLst/>
-            <a:ahLst/>
-            <a:rect l="l" t="t" r="r" b="b"/>
-            <a:pathLst>
-              <a:path w="21600" h="21600">
-                <a:moveTo>
-                  <a:pt x="0" y="0"/>
-                </a:moveTo>
-                <a:lnTo>
-                  <a:pt x="21600" y="21600"/>
-                </a:lnTo>
-              </a:path>
-            </a:pathLst>
-          </a:custGeom>
-          <a:noFill/>
-          <a:ln w="9525">
-            <a:solidFill>
-              <a:srgbClr val="cfd8dc"/>
-            </a:solidFill>
-            <a:round/>
-          </a:ln>
-        </p:spPr>
-        <p:style>
-          <a:lnRef idx="0"/>
-          <a:fillRef idx="0"/>
-          <a:effectRef idx="0"/>
-          <a:fontRef idx="minor"/>
-        </p:style>
-      </p:sp>
-      <p:sp>
-        <p:nvSpPr>
-          <p:cNvPr id="196" name="Google Shape;273;p36"/>
-          <p:cNvSpPr/>
-          <p:nvPr/>
-        </p:nvSpPr>
-        <p:spPr>
-          <a:xfrm>
-            <a:off x="3638880" y="229680"/>
-            <a:ext cx="4268520" cy="609840"/>
-          </a:xfrm>
-          <a:prstGeom prst="rect">
-            <a:avLst/>
-          </a:prstGeom>
-          <a:noFill/>
-          <a:ln w="0">
-            <a:noFill/>
-          </a:ln>
-        </p:spPr>
-        <p:style>
-          <a:lnRef idx="0"/>
-          <a:fillRef idx="0"/>
-          <a:effectRef idx="0"/>
-          <a:fontRef idx="minor"/>
-        </p:style>
-        <p:txBody>
-          <a:bodyPr tIns="91440" bIns="91440" anchor="t">
-            <a:spAutoFit/>
-          </a:bodyPr>
-          <a:p>
-            <a:pPr>
-              <a:lnSpc>
-                <a:spcPct val="100000"/>
-              </a:lnSpc>
-              <a:buNone/>
-              <a:tabLst>
-                <a:tab algn="l" pos="0"/>
-              </a:tabLst>
-            </a:pPr>
-            <a:r>
-              <a:rPr b="0" lang="ru" sz="2800" spc="-1" strike="noStrike">
-                <a:solidFill>
-                  <a:srgbClr val="000000"/>
-                </a:solidFill>
-                <a:latin typeface="Source Sans Pro"/>
-                <a:ea typeface="Source Sans Pro"/>
-              </a:rPr>
-              <a:t>Таблицы схлопывание</a:t>
-            </a:r>
-            <a:endParaRPr b="0" lang="ru-RU" sz="2800" spc="-1" strike="noStrike">
-              <a:latin typeface="Arial"/>
-            </a:endParaRPr>
-          </a:p>
-        </p:txBody>
-      </p:sp>
-      <p:sp>
-        <p:nvSpPr>
-          <p:cNvPr id="197" name="Google Shape;274;p36"/>
-          <p:cNvSpPr/>
-          <p:nvPr/>
-        </p:nvSpPr>
-        <p:spPr>
-          <a:xfrm>
-            <a:off x="1387440" y="1215000"/>
-            <a:ext cx="6795720" cy="1091160"/>
-          </a:xfrm>
-          <a:prstGeom prst="rect">
-            <a:avLst/>
-          </a:prstGeom>
-          <a:noFill/>
-          <a:ln w="0">
-            <a:noFill/>
-          </a:ln>
-        </p:spPr>
-        <p:style>
-          <a:lnRef idx="0"/>
-          <a:fillRef idx="0"/>
-          <a:effectRef idx="0"/>
-          <a:fontRef idx="minor"/>
-        </p:style>
-        <p:txBody>
-          <a:bodyPr tIns="91440" bIns="91440" anchor="t">
-            <a:spAutoFit/>
-          </a:bodyPr>
-          <a:p>
-            <a:pPr>
-              <a:lnSpc>
-                <a:spcPct val="115000"/>
-              </a:lnSpc>
-              <a:spcBef>
-                <a:spcPts val="1100"/>
-              </a:spcBef>
-              <a:buNone/>
-              <a:tabLst>
-                <a:tab algn="l" pos="0"/>
-              </a:tabLst>
-            </a:pPr>
-            <a:r>
-              <a:rPr b="1" lang="ru" sz="1050" spc="-1" strike="noStrike">
-                <a:solidFill>
-                  <a:srgbClr val="006699"/>
-                </a:solidFill>
-                <a:highlight>
-                  <a:srgbClr val="f8f7f2"/>
-                </a:highlight>
-                <a:latin typeface="Courier New"/>
-                <a:ea typeface="Courier New"/>
-              </a:rPr>
-              <a:t>&lt;td</a:t>
-            </a:r>
-            <a:r>
-              <a:rPr b="0" lang="ru" sz="1050" spc="-1" strike="noStrike">
-                <a:solidFill>
-                  <a:srgbClr val="b61039"/>
-                </a:solidFill>
-                <a:highlight>
-                  <a:srgbClr val="f8f7f2"/>
-                </a:highlight>
-                <a:latin typeface="Courier New"/>
-                <a:ea typeface="Courier New"/>
-              </a:rPr>
-              <a:t> rowspan=</a:t>
-            </a:r>
-            <a:r>
-              <a:rPr b="0" lang="ru" sz="1050" spc="-1" strike="noStrike">
-                <a:solidFill>
-                  <a:srgbClr val="39892f"/>
-                </a:solidFill>
-                <a:highlight>
-                  <a:srgbClr val="f8f7f2"/>
-                </a:highlight>
-                <a:latin typeface="Courier New"/>
-                <a:ea typeface="Courier New"/>
-              </a:rPr>
-              <a:t>"число"</a:t>
-            </a:r>
-            <a:r>
-              <a:rPr b="1" lang="ru" sz="1050" spc="-1" strike="noStrike">
-                <a:solidFill>
-                  <a:srgbClr val="006699"/>
-                </a:solidFill>
-                <a:highlight>
-                  <a:srgbClr val="f8f7f2"/>
-                </a:highlight>
-                <a:latin typeface="Courier New"/>
-                <a:ea typeface="Courier New"/>
-              </a:rPr>
-              <a:t>&gt;</a:t>
-            </a:r>
-            <a:r>
-              <a:rPr b="0" lang="ru" sz="1050" spc="-1" strike="noStrike">
-                <a:solidFill>
-                  <a:srgbClr val="000000"/>
-                </a:solidFill>
-                <a:highlight>
-                  <a:srgbClr val="f8f7f2"/>
-                </a:highlight>
-                <a:latin typeface="Courier New"/>
-                <a:ea typeface="Courier New"/>
-              </a:rPr>
-              <a:t>...</a:t>
-            </a:r>
-            <a:r>
-              <a:rPr b="1" lang="ru" sz="1050" spc="-1" strike="noStrike">
-                <a:solidFill>
-                  <a:srgbClr val="006699"/>
-                </a:solidFill>
-                <a:highlight>
-                  <a:srgbClr val="f8f7f2"/>
-                </a:highlight>
-                <a:latin typeface="Courier New"/>
-                <a:ea typeface="Courier New"/>
-              </a:rPr>
-              <a:t>&lt;/td&gt; - </a:t>
-            </a:r>
-            <a:r>
-              <a:rPr b="0" lang="ru" sz="1100" spc="-1" strike="noStrike">
-                <a:solidFill>
-                  <a:srgbClr val="000000"/>
-                </a:solidFill>
-                <a:highlight>
-                  <a:srgbClr val="ffffff"/>
-                </a:highlight>
-                <a:latin typeface="Arial"/>
-                <a:ea typeface="Arial"/>
-              </a:rPr>
-              <a:t>устанавливает число ячеек, которые должны быть объединены по вертикали</a:t>
-            </a:r>
-            <a:endParaRPr b="0" lang="ru-RU" sz="1100" spc="-1" strike="noStrike">
-              <a:latin typeface="Arial"/>
-            </a:endParaRPr>
-          </a:p>
-          <a:p>
-            <a:pPr>
-              <a:lnSpc>
-                <a:spcPct val="115000"/>
-              </a:lnSpc>
-              <a:spcBef>
-                <a:spcPts val="1100"/>
-              </a:spcBef>
-              <a:spcAft>
-                <a:spcPts val="1100"/>
-              </a:spcAft>
-              <a:buNone/>
-              <a:tabLst>
-                <a:tab algn="l" pos="0"/>
-              </a:tabLst>
-            </a:pPr>
-            <a:r>
-              <a:rPr b="1" lang="ru" sz="1050" spc="-1" strike="noStrike">
-                <a:solidFill>
-                  <a:srgbClr val="006699"/>
-                </a:solidFill>
-                <a:highlight>
-                  <a:srgbClr val="f8f7f2"/>
-                </a:highlight>
-                <a:latin typeface="Courier New"/>
-                <a:ea typeface="Courier New"/>
-              </a:rPr>
-              <a:t>&lt;td</a:t>
-            </a:r>
-            <a:r>
-              <a:rPr b="0" lang="ru" sz="1050" spc="-1" strike="noStrike">
-                <a:solidFill>
-                  <a:srgbClr val="b61039"/>
-                </a:solidFill>
-                <a:highlight>
-                  <a:srgbClr val="f8f7f2"/>
-                </a:highlight>
-                <a:latin typeface="Courier New"/>
-                <a:ea typeface="Courier New"/>
-              </a:rPr>
-              <a:t> colspan=</a:t>
-            </a:r>
-            <a:r>
-              <a:rPr b="0" lang="ru" sz="1050" spc="-1" strike="noStrike">
-                <a:solidFill>
-                  <a:srgbClr val="39892f"/>
-                </a:solidFill>
-                <a:highlight>
-                  <a:srgbClr val="f8f7f2"/>
-                </a:highlight>
-                <a:latin typeface="Courier New"/>
-                <a:ea typeface="Courier New"/>
-              </a:rPr>
-              <a:t>"число"</a:t>
-            </a:r>
-            <a:r>
-              <a:rPr b="1" lang="ru" sz="1050" spc="-1" strike="noStrike">
-                <a:solidFill>
-                  <a:srgbClr val="006699"/>
-                </a:solidFill>
-                <a:highlight>
-                  <a:srgbClr val="f8f7f2"/>
-                </a:highlight>
-                <a:latin typeface="Courier New"/>
-                <a:ea typeface="Courier New"/>
-              </a:rPr>
-              <a:t>&gt;</a:t>
-            </a:r>
-            <a:r>
-              <a:rPr b="0" lang="ru" sz="1050" spc="-1" strike="noStrike">
-                <a:solidFill>
-                  <a:srgbClr val="000000"/>
-                </a:solidFill>
-                <a:highlight>
-                  <a:srgbClr val="f8f7f2"/>
-                </a:highlight>
-                <a:latin typeface="Courier New"/>
-                <a:ea typeface="Courier New"/>
-              </a:rPr>
-              <a:t>...</a:t>
-            </a:r>
-            <a:r>
-              <a:rPr b="1" lang="ru" sz="1050" spc="-1" strike="noStrike">
-                <a:solidFill>
-                  <a:srgbClr val="006699"/>
-                </a:solidFill>
-                <a:highlight>
-                  <a:srgbClr val="f8f7f2"/>
-                </a:highlight>
-                <a:latin typeface="Courier New"/>
-                <a:ea typeface="Courier New"/>
-              </a:rPr>
-              <a:t>&lt;/td&gt; - </a:t>
-            </a:r>
-            <a:r>
-              <a:rPr b="0" lang="ru" sz="1100" spc="-1" strike="noStrike">
-                <a:solidFill>
-                  <a:srgbClr val="000000"/>
-                </a:solidFill>
-                <a:highlight>
-                  <a:srgbClr val="ffffff"/>
-                </a:highlight>
-                <a:latin typeface="Arial"/>
-                <a:ea typeface="Arial"/>
-              </a:rPr>
-              <a:t>устанавливает число ячеек, которые должны быть объединены по горизонтали</a:t>
-            </a:r>
-            <a:endParaRPr b="0" lang="ru-RU" sz="1100" spc="-1" strike="noStrike">
-              <a:latin typeface="Arial"/>
-            </a:endParaRPr>
-          </a:p>
-        </p:txBody>
-      </p:sp>
-      <p:pic>
-        <p:nvPicPr>
-          <p:cNvPr id="198" name="Google Shape;275;p36" descr=""/>
-          <p:cNvPicPr/>
-          <p:nvPr/>
-        </p:nvPicPr>
-        <p:blipFill>
-          <a:blip r:embed="rId3"/>
-          <a:stretch/>
-        </p:blipFill>
-        <p:spPr>
-          <a:xfrm>
-            <a:off x="1104840" y="2571840"/>
-            <a:ext cx="3333240" cy="1761840"/>
-          </a:xfrm>
-          <a:prstGeom prst="rect">
-            <a:avLst/>
-          </a:prstGeom>
-          <a:ln w="0">
-            <a:noFill/>
-          </a:ln>
-        </p:spPr>
-      </p:pic>
-      <p:pic>
-        <p:nvPicPr>
-          <p:cNvPr id="199" name="Google Shape;276;p36" descr=""/>
-          <p:cNvPicPr/>
-          <p:nvPr/>
-        </p:nvPicPr>
-        <p:blipFill>
-          <a:blip r:embed="rId4"/>
-          <a:stretch/>
-        </p:blipFill>
-        <p:spPr>
-          <a:xfrm>
-            <a:off x="4792320" y="2571840"/>
-            <a:ext cx="3333240" cy="1761840"/>
-          </a:xfrm>
-          <a:prstGeom prst="rect">
-            <a:avLst/>
-          </a:prstGeom>
-          <a:ln w="0">
-            <a:noFill/>
-          </a:ln>
-        </p:spPr>
-      </p:pic>
-    </p:spTree>
-  </p:cSld>
-  <mc:AlternateContent>
-    <mc:Choice Requires="p14">
-      <p:transition spd="slow" p14:dur="2000"/>
-    </mc:Choice>
-    <mc:Fallback>
-      <p:transition spd="slow"/>
-    </mc:Fallback>
-  </mc:AlternateContent>
-</p:sld>
-</file>
-
-<file path=ppt/slides/slide15.xml><?xml version="1.0" encoding="utf-8"?>
-<p:sld xmlns:a="http://schemas.openxmlformats.org/drawingml/2006/main" xmlns:p="http://schemas.openxmlformats.org/presentationml/2006/main" xmlns:r="http://schemas.openxmlformats.org/officeDocument/2006/relationships" xmlns:p14="http://schemas.microsoft.com/office/powerpoint/2010/main" xmlns:p15="http://schemas.microsoft.com/office/powerpoint/2012/main" xmlns:mc="http://schemas.openxmlformats.org/markup-compatibility/2006" showMasterSp="0">
-  <p:cSld>
-    <p:bg>
-      <p:bgPr>
-        <a:blipFill rotWithShape="0">
-          <a:blip r:embed="rId1"/>
-          <a:stretch/>
-        </a:blipFill>
-      </p:bgPr>
-    </p:bg>
-    <p:spTree>
-      <p:nvGrpSpPr>
-        <p:cNvPr id="1" name=""/>
-        <p:cNvGrpSpPr/>
-        <p:nvPr/>
-      </p:nvGrpSpPr>
-      <p:grpSpPr>
-        <a:xfrm>
-          <a:off x="0" y="0"/>
-          <a:ext cx="0" cy="0"/>
-          <a:chOff x="0" y="0"/>
-          <a:chExt cx="0" cy="0"/>
-        </a:xfrm>
-      </p:grpSpPr>
-      <p:pic>
-        <p:nvPicPr>
-          <p:cNvPr id="200" name="Google Shape;281;p37" descr=""/>
-          <p:cNvPicPr/>
-          <p:nvPr/>
-        </p:nvPicPr>
-        <p:blipFill>
-          <a:blip r:embed="rId2"/>
-          <a:stretch/>
-        </p:blipFill>
-        <p:spPr>
-          <a:xfrm>
-            <a:off x="8183520" y="166680"/>
-            <a:ext cx="756720" cy="605880"/>
-          </a:xfrm>
-          <a:prstGeom prst="rect">
-            <a:avLst/>
-          </a:prstGeom>
-          <a:ln w="0">
-            <a:noFill/>
-          </a:ln>
-        </p:spPr>
-      </p:pic>
-      <p:sp>
-        <p:nvSpPr>
-          <p:cNvPr id="201" name="Google Shape;282;p37"/>
-          <p:cNvSpPr/>
-          <p:nvPr/>
-        </p:nvSpPr>
-        <p:spPr>
-          <a:xfrm>
-            <a:off x="6694920" y="3933720"/>
-            <a:ext cx="214200" cy="856440"/>
-          </a:xfrm>
-          <a:custGeom>
-            <a:avLst/>
-            <a:gdLst/>
-            <a:ahLst/>
-            <a:rect l="l" t="t" r="r" b="b"/>
-            <a:pathLst>
-              <a:path w="21600" h="21600">
-                <a:moveTo>
-                  <a:pt x="0" y="0"/>
-                </a:moveTo>
-                <a:lnTo>
-                  <a:pt x="21600" y="21600"/>
-                </a:lnTo>
-              </a:path>
-            </a:pathLst>
-          </a:custGeom>
-          <a:noFill/>
-          <a:ln w="9525">
-            <a:solidFill>
-              <a:srgbClr val="cfd8dc"/>
-            </a:solidFill>
-            <a:round/>
-          </a:ln>
-        </p:spPr>
-        <p:style>
-          <a:lnRef idx="0"/>
-          <a:fillRef idx="0"/>
-          <a:effectRef idx="0"/>
-          <a:fontRef idx="minor"/>
-        </p:style>
-      </p:sp>
-      <p:sp>
-        <p:nvSpPr>
-          <p:cNvPr id="202" name="Google Shape;283;p37"/>
-          <p:cNvSpPr/>
-          <p:nvPr/>
-        </p:nvSpPr>
-        <p:spPr>
-          <a:xfrm>
-            <a:off x="7059960" y="3727440"/>
-            <a:ext cx="393840" cy="525240"/>
-          </a:xfrm>
-          <a:custGeom>
-            <a:avLst/>
-            <a:gdLst/>
-            <a:ahLst/>
-            <a:rect l="l" t="t" r="r" b="b"/>
-            <a:pathLst>
-              <a:path w="21600" h="21600">
-                <a:moveTo>
-                  <a:pt x="0" y="0"/>
-                </a:moveTo>
-                <a:lnTo>
-                  <a:pt x="21600" y="21600"/>
-                </a:lnTo>
-              </a:path>
-            </a:pathLst>
-          </a:custGeom>
-          <a:noFill/>
-          <a:ln w="9525">
-            <a:solidFill>
-              <a:srgbClr val="cfd8dc"/>
-            </a:solidFill>
-            <a:round/>
-          </a:ln>
-        </p:spPr>
-        <p:style>
-          <a:lnRef idx="0"/>
-          <a:fillRef idx="0"/>
-          <a:effectRef idx="0"/>
-          <a:fontRef idx="minor"/>
-        </p:style>
-      </p:sp>
-      <p:sp>
-        <p:nvSpPr>
-          <p:cNvPr id="203" name="Google Shape;284;p37"/>
-          <p:cNvSpPr/>
-          <p:nvPr/>
-        </p:nvSpPr>
-        <p:spPr>
-          <a:xfrm>
-            <a:off x="7224120" y="3502080"/>
-            <a:ext cx="752040" cy="463680"/>
-          </a:xfrm>
-          <a:custGeom>
-            <a:avLst/>
-            <a:gdLst/>
-            <a:ahLst/>
-            <a:rect l="l" t="t" r="r" b="b"/>
-            <a:pathLst>
-              <a:path w="21600" h="21600">
-                <a:moveTo>
-                  <a:pt x="0" y="0"/>
-                </a:moveTo>
-                <a:lnTo>
-                  <a:pt x="21600" y="21600"/>
-                </a:lnTo>
-              </a:path>
-            </a:pathLst>
-          </a:custGeom>
-          <a:noFill/>
-          <a:ln w="9525">
-            <a:solidFill>
-              <a:srgbClr val="cfd8dc"/>
-            </a:solidFill>
-            <a:round/>
-          </a:ln>
-        </p:spPr>
-        <p:style>
-          <a:lnRef idx="0"/>
-          <a:fillRef idx="0"/>
-          <a:effectRef idx="0"/>
-          <a:fontRef idx="minor"/>
-        </p:style>
-      </p:sp>
-      <p:sp>
-        <p:nvSpPr>
-          <p:cNvPr id="204" name="Google Shape;285;p37"/>
-          <p:cNvSpPr/>
-          <p:nvPr/>
-        </p:nvSpPr>
-        <p:spPr>
-          <a:xfrm>
-            <a:off x="3638880" y="229680"/>
-            <a:ext cx="4268520" cy="615240"/>
-          </a:xfrm>
-          <a:prstGeom prst="rect">
-            <a:avLst/>
-          </a:prstGeom>
-          <a:noFill/>
-          <a:ln w="0">
-            <a:noFill/>
-          </a:ln>
-        </p:spPr>
-        <p:style>
-          <a:lnRef idx="0"/>
-          <a:fillRef idx="0"/>
-          <a:effectRef idx="0"/>
-          <a:fontRef idx="minor"/>
-        </p:style>
-      </p:sp>
-      <p:sp>
-        <p:nvSpPr>
-          <p:cNvPr id="205" name="Google Shape;286;p37"/>
-          <p:cNvSpPr/>
-          <p:nvPr/>
-        </p:nvSpPr>
-        <p:spPr>
-          <a:xfrm>
-            <a:off x="1387440" y="1215000"/>
-            <a:ext cx="6795720" cy="446040"/>
-          </a:xfrm>
-          <a:prstGeom prst="rect">
-            <a:avLst/>
-          </a:prstGeom>
-          <a:noFill/>
-          <a:ln w="0">
-            <a:noFill/>
-          </a:ln>
-        </p:spPr>
-        <p:style>
-          <a:lnRef idx="0"/>
-          <a:fillRef idx="0"/>
-          <a:effectRef idx="0"/>
-          <a:fontRef idx="minor"/>
-        </p:style>
-      </p:sp>
-      <p:pic>
-        <p:nvPicPr>
-          <p:cNvPr id="206" name="Google Shape;287;p37" descr=""/>
-          <p:cNvPicPr/>
-          <p:nvPr/>
-        </p:nvPicPr>
-        <p:blipFill>
-          <a:blip r:embed="rId3"/>
-          <a:stretch/>
-        </p:blipFill>
-        <p:spPr>
-          <a:xfrm>
-            <a:off x="1523520" y="166680"/>
-            <a:ext cx="4951440" cy="4731840"/>
-          </a:xfrm>
-          <a:prstGeom prst="rect">
-            <a:avLst/>
-          </a:prstGeom>
-          <a:ln w="0">
-            <a:noFill/>
-          </a:ln>
-        </p:spPr>
-      </p:pic>
-    </p:spTree>
-  </p:cSld>
-  <mc:AlternateContent>
-    <mc:Choice Requires="p14">
-      <p:transition spd="slow" p14:dur="2000"/>
-    </mc:Choice>
-    <mc:Fallback>
-      <p:transition spd="slow"/>
-    </mc:Fallback>
-  </mc:AlternateContent>
-</p:sld>
-</file>
-
-<file path=ppt/slides/slide16.xml><?xml version="1.0" encoding="utf-8"?>
-<p:sld xmlns:a="http://schemas.openxmlformats.org/drawingml/2006/main" xmlns:p="http://schemas.openxmlformats.org/presentationml/2006/main" xmlns:r="http://schemas.openxmlformats.org/officeDocument/2006/relationships" xmlns:p14="http://schemas.microsoft.com/office/powerpoint/2010/main" xmlns:p15="http://schemas.microsoft.com/office/powerpoint/2012/main" xmlns:mc="http://schemas.openxmlformats.org/markup-compatibility/2006" showMasterSp="0">
-  <p:cSld>
-    <p:bg>
-      <p:bgPr>
-        <a:blipFill rotWithShape="0">
-          <a:blip r:embed="rId1"/>
-          <a:stretch/>
-        </a:blipFill>
-      </p:bgPr>
-    </p:bg>
-    <p:spTree>
-      <p:nvGrpSpPr>
-        <p:cNvPr id="1" name=""/>
-        <p:cNvGrpSpPr/>
-        <p:nvPr/>
-      </p:nvGrpSpPr>
-      <p:grpSpPr>
-        <a:xfrm>
-          <a:off x="0" y="0"/>
-          <a:ext cx="0" cy="0"/>
-          <a:chOff x="0" y="0"/>
-          <a:chExt cx="0" cy="0"/>
-        </a:xfrm>
-      </p:grpSpPr>
-      <p:pic>
-        <p:nvPicPr>
-          <p:cNvPr id="207" name="Google Shape;292;p38" descr=""/>
-          <p:cNvPicPr/>
-          <p:nvPr/>
-        </p:nvPicPr>
-        <p:blipFill>
-          <a:blip r:embed="rId2"/>
-          <a:stretch/>
-        </p:blipFill>
-        <p:spPr>
-          <a:xfrm>
-            <a:off x="8183520" y="166680"/>
-            <a:ext cx="756720" cy="605880"/>
-          </a:xfrm>
-          <a:prstGeom prst="rect">
-            <a:avLst/>
-          </a:prstGeom>
-          <a:ln w="0">
-            <a:noFill/>
-          </a:ln>
-        </p:spPr>
-      </p:pic>
-      <p:sp>
-        <p:nvSpPr>
-          <p:cNvPr id="208" name="Google Shape;293;p38"/>
-          <p:cNvSpPr/>
-          <p:nvPr/>
-        </p:nvSpPr>
-        <p:spPr>
-          <a:xfrm>
-            <a:off x="6694920" y="3933720"/>
-            <a:ext cx="214200" cy="856440"/>
-          </a:xfrm>
-          <a:custGeom>
-            <a:avLst/>
-            <a:gdLst/>
-            <a:ahLst/>
-            <a:rect l="l" t="t" r="r" b="b"/>
-            <a:pathLst>
-              <a:path w="21600" h="21600">
-                <a:moveTo>
-                  <a:pt x="0" y="0"/>
-                </a:moveTo>
-                <a:lnTo>
-                  <a:pt x="21600" y="21600"/>
-                </a:lnTo>
-              </a:path>
-            </a:pathLst>
-          </a:custGeom>
-          <a:noFill/>
-          <a:ln w="9525">
-            <a:solidFill>
-              <a:srgbClr val="cfd8dc"/>
-            </a:solidFill>
-            <a:round/>
-          </a:ln>
-        </p:spPr>
-        <p:style>
-          <a:lnRef idx="0"/>
-          <a:fillRef idx="0"/>
-          <a:effectRef idx="0"/>
-          <a:fontRef idx="minor"/>
-        </p:style>
-      </p:sp>
-      <p:sp>
-        <p:nvSpPr>
-          <p:cNvPr id="209" name="Google Shape;294;p38"/>
-          <p:cNvSpPr/>
-          <p:nvPr/>
-        </p:nvSpPr>
-        <p:spPr>
-          <a:xfrm>
-            <a:off x="7059960" y="3727440"/>
-            <a:ext cx="393840" cy="525240"/>
-          </a:xfrm>
-          <a:custGeom>
-            <a:avLst/>
-            <a:gdLst/>
-            <a:ahLst/>
-            <a:rect l="l" t="t" r="r" b="b"/>
-            <a:pathLst>
-              <a:path w="21600" h="21600">
-                <a:moveTo>
-                  <a:pt x="0" y="0"/>
-                </a:moveTo>
-                <a:lnTo>
-                  <a:pt x="21600" y="21600"/>
-                </a:lnTo>
-              </a:path>
-            </a:pathLst>
-          </a:custGeom>
-          <a:noFill/>
-          <a:ln w="9525">
-            <a:solidFill>
-              <a:srgbClr val="cfd8dc"/>
-            </a:solidFill>
-            <a:round/>
-          </a:ln>
-        </p:spPr>
-        <p:style>
-          <a:lnRef idx="0"/>
-          <a:fillRef idx="0"/>
-          <a:effectRef idx="0"/>
-          <a:fontRef idx="minor"/>
-        </p:style>
-      </p:sp>
-      <p:sp>
-        <p:nvSpPr>
-          <p:cNvPr id="210" name="Google Shape;295;p38"/>
-          <p:cNvSpPr/>
-          <p:nvPr/>
-        </p:nvSpPr>
-        <p:spPr>
-          <a:xfrm>
-            <a:off x="7224120" y="3502080"/>
-            <a:ext cx="752040" cy="463680"/>
-          </a:xfrm>
-          <a:custGeom>
-            <a:avLst/>
-            <a:gdLst/>
-            <a:ahLst/>
-            <a:rect l="l" t="t" r="r" b="b"/>
-            <a:pathLst>
-              <a:path w="21600" h="21600">
-                <a:moveTo>
-                  <a:pt x="0" y="0"/>
-                </a:moveTo>
-                <a:lnTo>
-                  <a:pt x="21600" y="21600"/>
-                </a:lnTo>
-              </a:path>
-            </a:pathLst>
-          </a:custGeom>
-          <a:noFill/>
-          <a:ln w="9525">
-            <a:solidFill>
-              <a:srgbClr val="cfd8dc"/>
-            </a:solidFill>
-            <a:round/>
-          </a:ln>
-        </p:spPr>
-        <p:style>
-          <a:lnRef idx="0"/>
-          <a:fillRef idx="0"/>
-          <a:effectRef idx="0"/>
-          <a:fontRef idx="minor"/>
-        </p:style>
-      </p:sp>
-      <p:sp>
-        <p:nvSpPr>
-          <p:cNvPr id="211" name="Google Shape;296;p38"/>
-          <p:cNvSpPr/>
-          <p:nvPr/>
-        </p:nvSpPr>
-        <p:spPr>
-          <a:xfrm>
-            <a:off x="3638880" y="229680"/>
-            <a:ext cx="4268520" cy="615240"/>
-          </a:xfrm>
-          <a:prstGeom prst="rect">
-            <a:avLst/>
-          </a:prstGeom>
-          <a:noFill/>
-          <a:ln w="0">
-            <a:noFill/>
-          </a:ln>
-        </p:spPr>
-        <p:style>
-          <a:lnRef idx="0"/>
-          <a:fillRef idx="0"/>
-          <a:effectRef idx="0"/>
-          <a:fontRef idx="minor"/>
-        </p:style>
-      </p:sp>
-      <p:sp>
-        <p:nvSpPr>
-          <p:cNvPr id="212" name="Google Shape;297;p38"/>
+      </p:sp>
+      <p:sp>
+        <p:nvSpPr>
+          <p:cNvPr id="180" name="Google Shape;235;p32"/>
           <p:cNvSpPr/>
           <p:nvPr/>
         </p:nvSpPr>
@@ -9025,7 +5692,7 @@
         <p:spPr>
           <a:xfrm>
             <a:off x="3638880" y="229680"/>
-            <a:ext cx="4268520" cy="609840"/>
+            <a:ext cx="4268520" cy="609120"/>
           </a:xfrm>
           <a:prstGeom prst="rect">
             <a:avLst/>
@@ -9063,9 +5730,9 @@
                 <a:latin typeface="Source Sans Pro"/>
                 <a:ea typeface="Source Sans Pro"/>
               </a:rPr>
-              <a:t>Формы</a:t>
-            </a:r>
-            <a:endParaRPr b="0" lang="ru-RU" sz="2800" spc="-1" strike="noStrike">
+              <a:t>Блоки</a:t>
+            </a:r>
+            <a:endParaRPr b="0" lang="en-US" sz="2800" spc="-1" strike="noStrike">
               <a:latin typeface="Arial"/>
             </a:endParaRPr>
           </a:p>
@@ -9079,8 +5746,8 @@
         </p:nvSpPr>
         <p:spPr>
           <a:xfrm>
-            <a:off x="1289520" y="1015200"/>
-            <a:ext cx="6893280" cy="1400040"/>
+            <a:off x="1169640" y="1008000"/>
+            <a:ext cx="6893280" cy="1858680"/>
           </a:xfrm>
           <a:prstGeom prst="rect">
             <a:avLst/>
@@ -9103,15 +5770,18 @@
           <a:p>
             <a:pPr>
               <a:lnSpc>
-                <a:spcPct val="100000"/>
+                <a:spcPct val="115000"/>
               </a:lnSpc>
+              <a:spcBef>
+                <a:spcPts val="1100"/>
+              </a:spcBef>
               <a:buNone/>
               <a:tabLst>
                 <a:tab algn="l" pos="0"/>
               </a:tabLst>
             </a:pPr>
             <a:r>
-              <a:rPr b="0" lang="ru" sz="1600" spc="-1" strike="noStrike">
+              <a:rPr b="0" lang="ru" sz="1100" spc="-1" strike="noStrike">
                 <a:solidFill>
                   <a:srgbClr val="000000"/>
                 </a:solidFill>
@@ -9121,9 +5791,160 @@
                 <a:latin typeface="Arial"/>
                 <a:ea typeface="Arial"/>
               </a:rPr>
-              <a:t>HTML-формы — это простые элементы управления HTML, которые применяются для сбора информации от посетителей веб-сайта. К ним относятся текстовые поля для ввода данных с клавиатуры, списки для выбора предопределенных данных, флажки для установки параметров и т. п. </a:t>
-            </a:r>
-            <a:endParaRPr b="0" lang="ru-RU" sz="1600" spc="-1" strike="noStrike">
+              <a:t>Элемент </a:t>
+            </a:r>
+            <a:r>
+              <a:rPr b="1" lang="ru" sz="1100" spc="-1" strike="noStrike">
+                <a:solidFill>
+                  <a:srgbClr val="006699"/>
+                </a:solidFill>
+                <a:highlight>
+                  <a:srgbClr val="ffffff"/>
+                </a:highlight>
+                <a:latin typeface="Courier New"/>
+                <a:ea typeface="Courier New"/>
+              </a:rPr>
+              <a:t>&lt;div&gt; </a:t>
+            </a:r>
+            <a:r>
+              <a:rPr b="0" lang="ru" sz="1100" spc="-1" strike="noStrike">
+                <a:solidFill>
+                  <a:srgbClr val="000000"/>
+                </a:solidFill>
+                <a:highlight>
+                  <a:srgbClr val="ffffff"/>
+                </a:highlight>
+                <a:latin typeface="Arial"/>
+                <a:ea typeface="Arial"/>
+              </a:rPr>
+              <a:t>является блочным элементом и предназначен для выделения фрагмента документа с целью изменения вида содержимого. Как правило, вид блока управляется с помощью стилей. Чтобы не описывать каждый раз стиль внутри тега, можно выделить стиль во внешнюю таблицу стилей, а для тега добавить атрибут </a:t>
+            </a:r>
+            <a:r>
+              <a:rPr b="0" lang="ru" sz="1100" spc="-1" strike="noStrike">
+                <a:solidFill>
+                  <a:srgbClr val="b61039"/>
+                </a:solidFill>
+                <a:highlight>
+                  <a:srgbClr val="ffffff"/>
+                </a:highlight>
+                <a:latin typeface="Arial"/>
+                <a:ea typeface="Arial"/>
+              </a:rPr>
+              <a:t>class</a:t>
+            </a:r>
+            <a:r>
+              <a:rPr b="0" lang="ru" sz="1100" spc="-1" strike="noStrike">
+                <a:solidFill>
+                  <a:srgbClr val="000000"/>
+                </a:solidFill>
+                <a:highlight>
+                  <a:srgbClr val="ffffff"/>
+                </a:highlight>
+                <a:latin typeface="Arial"/>
+                <a:ea typeface="Arial"/>
+              </a:rPr>
+              <a:t> или </a:t>
+            </a:r>
+            <a:r>
+              <a:rPr b="0" lang="ru" sz="1100" spc="-1" strike="noStrike">
+                <a:solidFill>
+                  <a:srgbClr val="b61039"/>
+                </a:solidFill>
+                <a:highlight>
+                  <a:srgbClr val="ffffff"/>
+                </a:highlight>
+                <a:latin typeface="Arial"/>
+                <a:ea typeface="Arial"/>
+              </a:rPr>
+              <a:t>id</a:t>
+            </a:r>
+            <a:r>
+              <a:rPr b="0" lang="ru" sz="1100" spc="-1" strike="noStrike">
+                <a:solidFill>
+                  <a:srgbClr val="000000"/>
+                </a:solidFill>
+                <a:highlight>
+                  <a:srgbClr val="ffffff"/>
+                </a:highlight>
+                <a:latin typeface="Arial"/>
+                <a:ea typeface="Arial"/>
+              </a:rPr>
+              <a:t> с именем селектора.</a:t>
+            </a:r>
+            <a:endParaRPr b="0" lang="en-US" sz="1100" spc="-1" strike="noStrike">
+              <a:latin typeface="Arial"/>
+            </a:endParaRPr>
+          </a:p>
+          <a:p>
+            <a:pPr>
+              <a:lnSpc>
+                <a:spcPct val="115000"/>
+              </a:lnSpc>
+              <a:spcBef>
+                <a:spcPts val="1100"/>
+              </a:spcBef>
+              <a:buNone/>
+              <a:tabLst>
+                <a:tab algn="l" pos="0"/>
+              </a:tabLst>
+            </a:pPr>
+            <a:r>
+              <a:rPr b="0" lang="ru" sz="1100" spc="-1" strike="noStrike">
+                <a:solidFill>
+                  <a:srgbClr val="000000"/>
+                </a:solidFill>
+                <a:highlight>
+                  <a:srgbClr val="ffffff"/>
+                </a:highlight>
+                <a:latin typeface="Arial"/>
+                <a:ea typeface="Arial"/>
+              </a:rPr>
+              <a:t>Как и при использовании других блочных элементов, содержимое тега </a:t>
+            </a:r>
+            <a:r>
+              <a:rPr b="1" lang="ru" sz="1100" spc="-1" strike="noStrike">
+                <a:solidFill>
+                  <a:srgbClr val="006699"/>
+                </a:solidFill>
+                <a:highlight>
+                  <a:srgbClr val="ffffff"/>
+                </a:highlight>
+                <a:latin typeface="Courier New"/>
+                <a:ea typeface="Courier New"/>
+              </a:rPr>
+              <a:t>&lt;div&gt; </a:t>
+            </a:r>
+            <a:r>
+              <a:rPr b="0" lang="ru" sz="1100" spc="-1" strike="noStrike">
+                <a:solidFill>
+                  <a:srgbClr val="000000"/>
+                </a:solidFill>
+                <a:highlight>
+                  <a:srgbClr val="ffffff"/>
+                </a:highlight>
+                <a:latin typeface="Arial"/>
+                <a:ea typeface="Arial"/>
+              </a:rPr>
+              <a:t>всегда начинается с новой строки. После него также добавляется перенос строки.</a:t>
+            </a:r>
+            <a:endParaRPr b="0" lang="en-US" sz="1100" spc="-1" strike="noStrike">
+              <a:latin typeface="Arial"/>
+            </a:endParaRPr>
+          </a:p>
+          <a:p>
+            <a:pPr>
+              <a:lnSpc>
+                <a:spcPct val="100000"/>
+              </a:lnSpc>
+              <a:spcBef>
+                <a:spcPts val="1100"/>
+              </a:spcBef>
+              <a:buNone/>
+              <a:tabLst>
+                <a:tab algn="l" pos="0"/>
+              </a:tabLst>
+            </a:pPr>
+            <a:endParaRPr b="0" lang="en-US" sz="1600" spc="-1" strike="noStrike">
               <a:latin typeface="Arial"/>
             </a:endParaRPr>
           </a:p>
@@ -9137,8 +5958,8 @@
         </p:nvSpPr>
         <p:spPr>
           <a:xfrm>
-            <a:off x="2408760" y="2801520"/>
-            <a:ext cx="2999520" cy="939960"/>
+            <a:off x="2418120" y="3017160"/>
+            <a:ext cx="2999520" cy="620280"/>
           </a:xfrm>
           <a:prstGeom prst="rect">
             <a:avLst/>
@@ -9184,79 +6005,12 @@
               </a:rPr>
               <a:t>Синтаксис</a:t>
             </a:r>
-            <a:endParaRPr b="0" lang="ru-RU" sz="1450" spc="-1" strike="noStrike">
-              <a:latin typeface="Arial"/>
-            </a:endParaRPr>
-          </a:p>
-          <a:p>
-            <a:pPr>
-              <a:lnSpc>
-                <a:spcPct val="100000"/>
-              </a:lnSpc>
-              <a:buNone/>
-              <a:tabLst>
-                <a:tab algn="l" pos="0"/>
-              </a:tabLst>
-            </a:pPr>
-            <a:r>
-              <a:rPr b="1" lang="ru" sz="1050" spc="-1" strike="noStrike">
-                <a:solidFill>
-                  <a:srgbClr val="006699"/>
-                </a:solidFill>
-                <a:highlight>
-                  <a:srgbClr val="f8f7f2"/>
-                </a:highlight>
-                <a:latin typeface="Courier New"/>
-                <a:ea typeface="Courier New"/>
-              </a:rPr>
-              <a:t>&lt;form&gt;</a:t>
-            </a:r>
-            <a:endParaRPr b="0" lang="ru-RU" sz="1050" spc="-1" strike="noStrike">
-              <a:latin typeface="Arial"/>
-            </a:endParaRPr>
-          </a:p>
-          <a:p>
-            <a:pPr>
-              <a:lnSpc>
-                <a:spcPct val="100000"/>
-              </a:lnSpc>
-              <a:buNone/>
-              <a:tabLst>
-                <a:tab algn="l" pos="0"/>
-              </a:tabLst>
-            </a:pPr>
-            <a:r>
-              <a:rPr b="0" lang="ru" sz="1050" spc="-1" strike="noStrike">
-                <a:solidFill>
-                  <a:srgbClr val="000000"/>
-                </a:solidFill>
-                <a:highlight>
-                  <a:srgbClr val="f8f7f2"/>
-                </a:highlight>
-                <a:latin typeface="Courier New"/>
-                <a:ea typeface="Courier New"/>
-              </a:rPr>
-              <a:t>  </a:t>
-            </a:r>
-            <a:r>
-              <a:rPr b="0" lang="ru" sz="1050" spc="-1" strike="noStrike">
-                <a:solidFill>
-                  <a:srgbClr val="000000"/>
-                </a:solidFill>
-                <a:highlight>
-                  <a:srgbClr val="f8f7f2"/>
-                </a:highlight>
-                <a:latin typeface="Courier New"/>
-                <a:ea typeface="Courier New"/>
-              </a:rPr>
-              <a:t>...</a:t>
-            </a:r>
-            <a:endParaRPr b="0" lang="ru-RU" sz="1050" spc="-1" strike="noStrike">
-              <a:latin typeface="Arial"/>
-            </a:endParaRPr>
-          </a:p>
-          <a:p>
-            <a:pPr>
+            <a:endParaRPr b="0" lang="en-US" sz="1450" spc="-1" strike="noStrike">
+              <a:latin typeface="Arial"/>
+            </a:endParaRPr>
+          </a:p>
+          <a:p>
+            <a:pPr marL="355680">
               <a:lnSpc>
                 <a:spcPct val="115000"/>
               </a:lnSpc>
@@ -9279,9 +6033,35 @@
                 <a:latin typeface="Courier New"/>
                 <a:ea typeface="Courier New"/>
               </a:rPr>
-              <a:t>&lt;/form&gt;</a:t>
-            </a:r>
-            <a:endParaRPr b="0" lang="ru-RU" sz="1050" spc="-1" strike="noStrike">
+              <a:t>&lt;div&gt;</a:t>
+            </a:r>
+            <a:r>
+              <a:rPr b="0" lang="ru" sz="1050" spc="-1" strike="noStrike">
+                <a:solidFill>
+                  <a:srgbClr val="000000"/>
+                </a:solidFill>
+                <a:highlight>
+                  <a:srgbClr val="f8f7f2"/>
+                </a:highlight>
+                <a:latin typeface="Courier New"/>
+                <a:ea typeface="Courier New"/>
+              </a:rPr>
+              <a:t>...</a:t>
+            </a:r>
+            <a:r>
+              <a:rPr b="1" lang="ru" sz="1050" spc="-1" strike="noStrike">
+                <a:solidFill>
+                  <a:srgbClr val="006699"/>
+                </a:solidFill>
+                <a:highlight>
+                  <a:srgbClr val="f8f7f2"/>
+                </a:highlight>
+                <a:latin typeface="Courier New"/>
+                <a:ea typeface="Courier New"/>
+              </a:rPr>
+              <a:t>&lt;/div&gt;</a:t>
+            </a:r>
+            <a:endParaRPr b="0" lang="en-US" sz="1050" spc="-1" strike="noStrike">
               <a:latin typeface="Arial"/>
             </a:endParaRPr>
           </a:p>
@@ -9327,7 +6107,7 @@
       </p:grpSpPr>
       <p:pic>
         <p:nvPicPr>
-          <p:cNvPr id="117" name="Google Shape;150;p25" descr=""/>
+          <p:cNvPr id="117" name="Google Shape;140;p24" descr=""/>
           <p:cNvPicPr/>
           <p:nvPr/>
         </p:nvPicPr>
@@ -9350,7 +6130,7 @@
       </p:pic>
       <p:sp>
         <p:nvSpPr>
-          <p:cNvPr id="118" name="Google Shape;151;p25"/>
+          <p:cNvPr id="118" name="Google Shape;141;p24"/>
           <p:cNvSpPr/>
           <p:nvPr/>
         </p:nvSpPr>
@@ -9392,7 +6172,7 @@
       </p:sp>
       <p:sp>
         <p:nvSpPr>
-          <p:cNvPr id="119" name="Google Shape;152;p25"/>
+          <p:cNvPr id="119" name="Google Shape;142;p24"/>
           <p:cNvSpPr/>
           <p:nvPr/>
         </p:nvSpPr>
@@ -9434,7 +6214,7 @@
       </p:sp>
       <p:sp>
         <p:nvSpPr>
-          <p:cNvPr id="120" name="Google Shape;153;p25"/>
+          <p:cNvPr id="120" name="Google Shape;143;p24"/>
           <p:cNvSpPr/>
           <p:nvPr/>
         </p:nvSpPr>
@@ -9476,14 +6256,14 @@
       </p:sp>
       <p:sp>
         <p:nvSpPr>
-          <p:cNvPr id="121" name="Google Shape;154;p25"/>
+          <p:cNvPr id="121" name="Google Shape;144;p24"/>
           <p:cNvSpPr/>
           <p:nvPr/>
         </p:nvSpPr>
         <p:spPr>
           <a:xfrm>
             <a:off x="3638880" y="229680"/>
-            <a:ext cx="4268520" cy="609840"/>
+            <a:ext cx="4268520" cy="615240"/>
           </a:xfrm>
           <a:prstGeom prst="rect">
             <a:avLst/>
@@ -9499,46 +6279,17 @@
           <a:effectRef idx="0"/>
           <a:fontRef idx="minor"/>
         </p:style>
-        <p:txBody>
-          <a:bodyPr tIns="91440" bIns="91440" anchor="t">
-            <a:spAutoFit/>
-          </a:bodyPr>
-          <a:p>
-            <a:pPr>
-              <a:lnSpc>
-                <a:spcPct val="100000"/>
-              </a:lnSpc>
-              <a:buNone/>
-              <a:tabLst>
-                <a:tab algn="l" pos="0"/>
-              </a:tabLst>
-            </a:pPr>
-            <a:r>
-              <a:rPr b="0" lang="ru" sz="2800" spc="-1" strike="noStrike">
-                <a:solidFill>
-                  <a:srgbClr val="000000"/>
-                </a:solidFill>
-                <a:latin typeface="Source Sans Pro"/>
-                <a:ea typeface="Source Sans Pro"/>
-              </a:rPr>
-              <a:t>Input</a:t>
-            </a:r>
-            <a:endParaRPr b="0" lang="ru-RU" sz="2800" spc="-1" strike="noStrike">
-              <a:latin typeface="Arial"/>
-            </a:endParaRPr>
-          </a:p>
-        </p:txBody>
-      </p:sp>
-      <p:sp>
-        <p:nvSpPr>
-          <p:cNvPr id="122" name="Google Shape;155;p25"/>
+      </p:sp>
+      <p:sp>
+        <p:nvSpPr>
+          <p:cNvPr id="122" name="Google Shape;145;p24"/>
           <p:cNvSpPr/>
           <p:nvPr/>
         </p:nvSpPr>
         <p:spPr>
           <a:xfrm>
             <a:off x="1387440" y="1215000"/>
-            <a:ext cx="6795720" cy="759240"/>
+            <a:ext cx="6795720" cy="446040"/>
           </a:xfrm>
           <a:prstGeom prst="rect">
             <a:avLst/>
@@ -9554,188 +6305,30 @@
           <a:effectRef idx="0"/>
           <a:fontRef idx="minor"/>
         </p:style>
-        <p:txBody>
-          <a:bodyPr tIns="91440" bIns="91440" anchor="t">
-            <a:spAutoFit/>
-          </a:bodyPr>
-          <a:p>
-            <a:pPr>
-              <a:lnSpc>
-                <a:spcPct val="115000"/>
-              </a:lnSpc>
-              <a:spcBef>
-                <a:spcPts val="1100"/>
-              </a:spcBef>
-              <a:spcAft>
-                <a:spcPts val="1100"/>
-              </a:spcAft>
-              <a:buNone/>
-              <a:tabLst>
-                <a:tab algn="l" pos="0"/>
-              </a:tabLst>
-            </a:pPr>
-            <a:r>
-              <a:rPr b="0" lang="ru" sz="1100" spc="-1" strike="noStrike">
-                <a:solidFill>
-                  <a:srgbClr val="000000"/>
-                </a:solidFill>
-                <a:highlight>
-                  <a:srgbClr val="ffffff"/>
-                </a:highlight>
-                <a:latin typeface="Arial"/>
-                <a:ea typeface="Arial"/>
-              </a:rPr>
-              <a:t>Тег </a:t>
-            </a:r>
-            <a:r>
-              <a:rPr b="1" lang="ru" sz="1100" spc="-1" strike="noStrike">
-                <a:solidFill>
-                  <a:srgbClr val="006699"/>
-                </a:solidFill>
-                <a:highlight>
-                  <a:srgbClr val="ffffff"/>
-                </a:highlight>
-                <a:latin typeface="Courier New"/>
-                <a:ea typeface="Courier New"/>
-              </a:rPr>
-              <a:t>&lt;input&gt;</a:t>
-            </a:r>
-            <a:r>
-              <a:rPr b="0" lang="ru" sz="1100" spc="-1" strike="noStrike">
-                <a:solidFill>
-                  <a:srgbClr val="000000"/>
-                </a:solidFill>
-                <a:highlight>
-                  <a:srgbClr val="ffffff"/>
-                </a:highlight>
-                <a:latin typeface="Arial"/>
-                <a:ea typeface="Arial"/>
-              </a:rPr>
-              <a:t> является одним из разносторонних элементов формы и позволяет создавать разные элементы интерфейса и обеспечить взаимодействие с пользователем. Главным образом </a:t>
-            </a:r>
-            <a:r>
-              <a:rPr b="1" lang="ru" sz="1100" spc="-1" strike="noStrike">
-                <a:solidFill>
-                  <a:srgbClr val="006699"/>
-                </a:solidFill>
-                <a:highlight>
-                  <a:srgbClr val="ffffff"/>
-                </a:highlight>
-                <a:latin typeface="Courier New"/>
-                <a:ea typeface="Courier New"/>
-              </a:rPr>
-              <a:t>&lt;input&gt;</a:t>
-            </a:r>
-            <a:r>
-              <a:rPr b="0" lang="ru" sz="1100" spc="-1" strike="noStrike">
-                <a:solidFill>
-                  <a:srgbClr val="000000"/>
-                </a:solidFill>
-                <a:highlight>
-                  <a:srgbClr val="ffffff"/>
-                </a:highlight>
-                <a:latin typeface="Arial"/>
-                <a:ea typeface="Arial"/>
-              </a:rPr>
-              <a:t> предназначен для создания текстовых полей, различных кнопок, переключателей и флажков. </a:t>
-            </a:r>
-            <a:endParaRPr b="0" lang="ru-RU" sz="1100" spc="-1" strike="noStrike">
-              <a:latin typeface="Arial"/>
-            </a:endParaRPr>
-          </a:p>
-        </p:txBody>
-      </p:sp>
-      <p:sp>
-        <p:nvSpPr>
-          <p:cNvPr id="123" name="Google Shape;156;p25"/>
-          <p:cNvSpPr/>
+      </p:sp>
+      <p:pic>
+        <p:nvPicPr>
+          <p:cNvPr id="123" name="Google Shape;146;p24" descr=""/>
+          <p:cNvPicPr/>
           <p:nvPr/>
-        </p:nvSpPr>
-        <p:spPr>
-          <a:xfrm>
-            <a:off x="2882880" y="2134440"/>
-            <a:ext cx="2999520" cy="620280"/>
-          </a:xfrm>
-          <a:prstGeom prst="rect">
-            <a:avLst/>
-          </a:prstGeom>
-          <a:noFill/>
-          <a:ln w="0">
-            <a:noFill/>
-          </a:ln>
-        </p:spPr>
-        <p:style>
-          <a:lnRef idx="0"/>
-          <a:fillRef idx="0"/>
-          <a:effectRef idx="0"/>
-          <a:fontRef idx="minor"/>
-        </p:style>
-        <p:txBody>
-          <a:bodyPr tIns="91440" bIns="91440" anchor="t">
-            <a:spAutoFit/>
-          </a:bodyPr>
-          <a:p>
-            <a:pPr>
-              <a:lnSpc>
-                <a:spcPct val="115000"/>
-              </a:lnSpc>
-              <a:spcBef>
-                <a:spcPts val="1701"/>
-              </a:spcBef>
-              <a:buNone/>
-              <a:tabLst>
-                <a:tab algn="l" pos="0"/>
-              </a:tabLst>
-            </a:pPr>
-            <a:r>
-              <a:rPr b="1" lang="ru" sz="1450" spc="-1" strike="noStrike">
-                <a:solidFill>
-                  <a:srgbClr val="666666"/>
-                </a:solidFill>
-                <a:highlight>
-                  <a:srgbClr val="ffffff"/>
-                </a:highlight>
-                <a:latin typeface="Arial"/>
-                <a:ea typeface="Arial"/>
-              </a:rPr>
-              <a:t>Синтаксис</a:t>
-            </a:r>
-            <a:endParaRPr b="0" lang="ru-RU" sz="1450" spc="-1" strike="noStrike">
-              <a:latin typeface="Arial"/>
-            </a:endParaRPr>
-          </a:p>
-          <a:p>
-            <a:pPr marL="355680">
-              <a:lnSpc>
-                <a:spcPct val="115000"/>
-              </a:lnSpc>
-              <a:spcAft>
-                <a:spcPts val="1100"/>
-              </a:spcAft>
-              <a:buNone/>
-              <a:tabLst>
-                <a:tab algn="l" pos="0"/>
-              </a:tabLst>
-            </a:pPr>
-            <a:r>
-              <a:rPr b="1" lang="ru" sz="1050" spc="-1" strike="noStrike">
-                <a:solidFill>
-                  <a:srgbClr val="006699"/>
-                </a:solidFill>
-                <a:highlight>
-                  <a:srgbClr val="f8f7f2"/>
-                </a:highlight>
-                <a:latin typeface="Courier New"/>
-                <a:ea typeface="Courier New"/>
-              </a:rPr>
-              <a:t>&lt;input атрибуты&gt;</a:t>
-            </a:r>
-            <a:endParaRPr b="0" lang="ru-RU" sz="1050" spc="-1" strike="noStrike">
-              <a:latin typeface="Arial"/>
-            </a:endParaRPr>
-          </a:p>
-        </p:txBody>
-      </p:sp>
+        </p:nvPicPr>
+        <p:blipFill>
+          <a:blip r:embed="rId3"/>
+          <a:stretch/>
+        </p:blipFill>
+        <p:spPr>
+          <a:xfrm>
+            <a:off x="1523520" y="387000"/>
+            <a:ext cx="5667840" cy="4250520"/>
+          </a:xfrm>
+          <a:prstGeom prst="rect">
+            <a:avLst/>
+          </a:prstGeom>
+          <a:ln w="0">
+            <a:noFill/>
+          </a:ln>
+        </p:spPr>
+      </p:pic>
     </p:spTree>
   </p:cSld>
   <mc:AlternateContent>
@@ -9776,7 +6369,7 @@
       </p:grpSpPr>
       <p:pic>
         <p:nvPicPr>
-          <p:cNvPr id="124" name="Google Shape;161;p26" descr=""/>
+          <p:cNvPr id="124" name="Google Shape;151;p25" descr=""/>
           <p:cNvPicPr/>
           <p:nvPr/>
         </p:nvPicPr>
@@ -9799,7 +6392,7 @@
       </p:pic>
       <p:sp>
         <p:nvSpPr>
-          <p:cNvPr id="125" name="Google Shape;162;p26"/>
+          <p:cNvPr id="125" name="Google Shape;152;p25"/>
           <p:cNvSpPr/>
           <p:nvPr/>
         </p:nvSpPr>
@@ -9841,7 +6434,7 @@
       </p:sp>
       <p:sp>
         <p:nvSpPr>
-          <p:cNvPr id="126" name="Google Shape;163;p26"/>
+          <p:cNvPr id="126" name="Google Shape;153;p25"/>
           <p:cNvSpPr/>
           <p:nvPr/>
         </p:nvSpPr>
@@ -9883,7 +6476,7 @@
       </p:sp>
       <p:sp>
         <p:nvSpPr>
-          <p:cNvPr id="127" name="Google Shape;164;p26"/>
+          <p:cNvPr id="127" name="Google Shape;154;p25"/>
           <p:cNvSpPr/>
           <p:nvPr/>
         </p:nvSpPr>
@@ -9925,14 +6518,14 @@
       </p:sp>
       <p:sp>
         <p:nvSpPr>
-          <p:cNvPr id="128" name="Google Shape;165;p26"/>
+          <p:cNvPr id="128" name="Google Shape;155;p25"/>
           <p:cNvSpPr/>
           <p:nvPr/>
         </p:nvSpPr>
         <p:spPr>
           <a:xfrm>
             <a:off x="3638880" y="229680"/>
-            <a:ext cx="4268520" cy="609840"/>
+            <a:ext cx="4268520" cy="609120"/>
           </a:xfrm>
           <a:prstGeom prst="rect">
             <a:avLst/>
@@ -9970,9 +6563,9 @@
                 <a:latin typeface="Source Sans Pro"/>
                 <a:ea typeface="Source Sans Pro"/>
               </a:rPr>
-              <a:t>Input type</a:t>
-            </a:r>
-            <a:endParaRPr b="0" lang="ru-RU" sz="2800" spc="-1" strike="noStrike">
+              <a:t>Выравнивание</a:t>
+            </a:r>
+            <a:endParaRPr b="0" lang="en-US" sz="2800" spc="-1" strike="noStrike">
               <a:latin typeface="Arial"/>
             </a:endParaRPr>
           </a:p>
@@ -9980,7 +6573,7 @@
       </p:sp>
       <p:sp>
         <p:nvSpPr>
-          <p:cNvPr id="129" name="Google Shape;166;p26"/>
+          <p:cNvPr id="129" name="Google Shape;156;p25"/>
           <p:cNvSpPr/>
           <p:nvPr/>
         </p:nvSpPr>
@@ -10034,9 +6627,35 @@
                 <a:latin typeface="Arial"/>
                 <a:ea typeface="Arial"/>
               </a:rPr>
-              <a:t>Сообщает браузеру, к какому типу относится элемент формы.</a:t>
-            </a:r>
-            <a:endParaRPr b="0" lang="ru-RU" sz="1100" spc="-1" strike="noStrike">
+              <a:t>Выравнивание содержимого контейнера </a:t>
+            </a:r>
+            <a:r>
+              <a:rPr b="1" lang="ru" sz="1100" spc="-1" strike="noStrike">
+                <a:solidFill>
+                  <a:srgbClr val="006699"/>
+                </a:solidFill>
+                <a:highlight>
+                  <a:srgbClr val="ffffff"/>
+                </a:highlight>
+                <a:latin typeface="Courier New"/>
+                <a:ea typeface="Courier New"/>
+              </a:rPr>
+              <a:t>&lt;div&gt;</a:t>
+            </a:r>
+            <a:r>
+              <a:rPr b="0" lang="ru" sz="1100" spc="-1" strike="noStrike">
+                <a:solidFill>
+                  <a:srgbClr val="000000"/>
+                </a:solidFill>
+                <a:highlight>
+                  <a:srgbClr val="ffffff"/>
+                </a:highlight>
+                <a:latin typeface="Arial"/>
+                <a:ea typeface="Arial"/>
+              </a:rPr>
+              <a:t> по краю.</a:t>
+            </a:r>
+            <a:endParaRPr b="0" lang="en-US" sz="1100" spc="-1" strike="noStrike">
               <a:latin typeface="Arial"/>
             </a:endParaRPr>
           </a:p>
@@ -10044,14 +6663,14 @@
       </p:sp>
       <p:sp>
         <p:nvSpPr>
-          <p:cNvPr id="130" name="Google Shape;167;p26"/>
+          <p:cNvPr id="130" name="Google Shape;157;p25"/>
           <p:cNvSpPr/>
           <p:nvPr/>
         </p:nvSpPr>
         <p:spPr>
           <a:xfrm>
-            <a:off x="970920" y="2134440"/>
-            <a:ext cx="7396200" cy="620280"/>
+            <a:off x="1387440" y="2134440"/>
+            <a:ext cx="5724720" cy="620280"/>
           </a:xfrm>
           <a:prstGeom prst="rect">
             <a:avLst/>
@@ -10097,7 +6716,7 @@
               </a:rPr>
               <a:t>Синтаксис</a:t>
             </a:r>
-            <a:endParaRPr b="0" lang="ru-RU" sz="1450" spc="-1" strike="noStrike">
+            <a:endParaRPr b="0" lang="en-US" sz="1450" spc="-1" strike="noStrike">
               <a:latin typeface="Arial"/>
             </a:endParaRPr>
           </a:p>
@@ -10125,7 +6744,7 @@
                 <a:latin typeface="Courier New"/>
                 <a:ea typeface="Courier New"/>
               </a:rPr>
-              <a:t>&lt;input</a:t>
+              <a:t>&lt;div</a:t>
             </a:r>
             <a:r>
               <a:rPr b="0" lang="ru" sz="1050" spc="-1" strike="noStrike">
@@ -10138,7 +6757,7 @@
                 <a:latin typeface="Courier New"/>
                 <a:ea typeface="Courier New"/>
               </a:rPr>
-              <a:t> type=</a:t>
+              <a:t> align=</a:t>
             </a:r>
             <a:r>
               <a:rPr b="0" lang="ru" sz="1050" spc="-1" strike="noStrike">
@@ -10151,7 +6770,7 @@
                 <a:latin typeface="Courier New"/>
                 <a:ea typeface="Courier New"/>
               </a:rPr>
-              <a:t>"button|checkbox|file|hidden|image|password|radio|reset|submit|text"</a:t>
+              <a:t>"center | left | right | justify"</a:t>
             </a:r>
             <a:r>
               <a:rPr b="1" lang="ru" sz="1050" spc="-1" strike="noStrike">
@@ -10166,7 +6785,33 @@
               </a:rPr>
               <a:t>&gt;</a:t>
             </a:r>
-            <a:endParaRPr b="0" lang="ru-RU" sz="1050" spc="-1" strike="noStrike">
+            <a:r>
+              <a:rPr b="0" lang="ru" sz="1050" spc="-1" strike="noStrike">
+                <a:solidFill>
+                  <a:srgbClr val="000000"/>
+                </a:solidFill>
+                <a:highlight>
+                  <a:srgbClr val="f8f7f2"/>
+                </a:highlight>
+                <a:latin typeface="Courier New"/>
+                <a:ea typeface="Courier New"/>
+              </a:rPr>
+              <a:t>...</a:t>
+            </a:r>
+            <a:r>
+              <a:rPr b="1" lang="ru" sz="1050" spc="-1" strike="noStrike">
+                <a:solidFill>
+                  <a:srgbClr val="006699"/>
+                </a:solidFill>
+                <a:highlight>
+                  <a:srgbClr val="f8f7f2"/>
+                </a:highlight>
+                <a:latin typeface="Courier New"/>
+                <a:ea typeface="Courier New"/>
+              </a:rPr>
+              <a:t>&lt;/div&gt;</a:t>
+            </a:r>
+            <a:endParaRPr b="0" lang="en-US" sz="1050" spc="-1" strike="noStrike">
               <a:latin typeface="Arial"/>
             </a:endParaRPr>
           </a:p>
@@ -10212,7 +6857,7 @@
       </p:grpSpPr>
       <p:pic>
         <p:nvPicPr>
-          <p:cNvPr id="131" name="Google Shape;172;p27" descr=""/>
+          <p:cNvPr id="131" name="Google Shape;162;p26" descr=""/>
           <p:cNvPicPr/>
           <p:nvPr/>
         </p:nvPicPr>
@@ -10235,7 +6880,7 @@
       </p:pic>
       <p:sp>
         <p:nvSpPr>
-          <p:cNvPr id="132" name="Google Shape;173;p27"/>
+          <p:cNvPr id="132" name="Google Shape;163;p26"/>
           <p:cNvSpPr/>
           <p:nvPr/>
         </p:nvSpPr>
@@ -10277,7 +6922,7 @@
       </p:sp>
       <p:sp>
         <p:nvSpPr>
-          <p:cNvPr id="133" name="Google Shape;174;p27"/>
+          <p:cNvPr id="133" name="Google Shape;164;p26"/>
           <p:cNvSpPr/>
           <p:nvPr/>
         </p:nvSpPr>
@@ -10319,7 +6964,7 @@
       </p:sp>
       <p:sp>
         <p:nvSpPr>
-          <p:cNvPr id="134" name="Google Shape;175;p27"/>
+          <p:cNvPr id="134" name="Google Shape;165;p26"/>
           <p:cNvSpPr/>
           <p:nvPr/>
         </p:nvSpPr>
@@ -10361,14 +7006,14 @@
       </p:sp>
       <p:sp>
         <p:nvSpPr>
-          <p:cNvPr id="135" name="Google Shape;176;p27"/>
+          <p:cNvPr id="135" name="Google Shape;166;p26"/>
           <p:cNvSpPr/>
           <p:nvPr/>
         </p:nvSpPr>
         <p:spPr>
           <a:xfrm>
             <a:off x="3638880" y="229680"/>
-            <a:ext cx="4268520" cy="609840"/>
+            <a:ext cx="4268520" cy="609120"/>
           </a:xfrm>
           <a:prstGeom prst="rect">
             <a:avLst/>
@@ -10406,37 +7051,259 @@
                 <a:latin typeface="Source Sans Pro"/>
                 <a:ea typeface="Source Sans Pro"/>
               </a:rPr>
-              <a:t>Input type</a:t>
-            </a:r>
-            <a:endParaRPr b="0" lang="ru-RU" sz="2800" spc="-1" strike="noStrike">
+              <a:t>Flexbox</a:t>
+            </a:r>
+            <a:endParaRPr b="0" lang="en-US" sz="2800" spc="-1" strike="noStrike">
               <a:latin typeface="Arial"/>
             </a:endParaRPr>
           </a:p>
         </p:txBody>
       </p:sp>
-      <p:pic>
-        <p:nvPicPr>
-          <p:cNvPr id="136" name="Google Shape;177;p27" descr=""/>
-          <p:cNvPicPr/>
+      <p:sp>
+        <p:nvSpPr>
+          <p:cNvPr id="136" name="Google Shape;167;p26"/>
+          <p:cNvSpPr/>
           <p:nvPr/>
-        </p:nvPicPr>
-        <p:blipFill>
-          <a:blip r:embed="rId3"/>
-          <a:stretch/>
-        </p:blipFill>
-        <p:spPr>
-          <a:xfrm>
-            <a:off x="152280" y="997920"/>
-            <a:ext cx="8757360" cy="2597760"/>
-          </a:xfrm>
-          <a:prstGeom prst="rect">
-            <a:avLst/>
-          </a:prstGeom>
-          <a:ln w="0">
-            <a:noFill/>
-          </a:ln>
-        </p:spPr>
-      </p:pic>
+        </p:nvSpPr>
+        <p:spPr>
+          <a:xfrm>
+            <a:off x="1387440" y="1215000"/>
+            <a:ext cx="6795720" cy="567000"/>
+          </a:xfrm>
+          <a:prstGeom prst="rect">
+            <a:avLst/>
+          </a:prstGeom>
+          <a:noFill/>
+          <a:ln w="0">
+            <a:noFill/>
+          </a:ln>
+        </p:spPr>
+        <p:style>
+          <a:lnRef idx="0"/>
+          <a:fillRef idx="0"/>
+          <a:effectRef idx="0"/>
+          <a:fontRef idx="minor"/>
+        </p:style>
+        <p:txBody>
+          <a:bodyPr tIns="91440" bIns="91440" anchor="t">
+            <a:spAutoFit/>
+          </a:bodyPr>
+          <a:p>
+            <a:pPr>
+              <a:lnSpc>
+                <a:spcPct val="115000"/>
+              </a:lnSpc>
+              <a:spcBef>
+                <a:spcPts val="1100"/>
+              </a:spcBef>
+              <a:spcAft>
+                <a:spcPts val="1100"/>
+              </a:spcAft>
+              <a:buNone/>
+              <a:tabLst>
+                <a:tab algn="l" pos="0"/>
+              </a:tabLst>
+            </a:pPr>
+            <a:r>
+              <a:rPr b="0" lang="ru" sz="1100" spc="-1" strike="noStrike">
+                <a:solidFill>
+                  <a:srgbClr val="000000"/>
+                </a:solidFill>
+                <a:highlight>
+                  <a:srgbClr val="ffffff"/>
+                </a:highlight>
+                <a:latin typeface="Arial"/>
+                <a:ea typeface="Arial"/>
+              </a:rPr>
+              <a:t>CSS Flexbox — это технология для создания сложных гибких макетов за счёт правильного размещения элементов на странице.</a:t>
+            </a:r>
+            <a:endParaRPr b="0" lang="en-US" sz="1100" spc="-1" strike="noStrike">
+              <a:latin typeface="Arial"/>
+            </a:endParaRPr>
+          </a:p>
+        </p:txBody>
+      </p:sp>
+      <p:sp>
+        <p:nvSpPr>
+          <p:cNvPr id="137" name="Google Shape;168;p26"/>
+          <p:cNvSpPr/>
+          <p:nvPr/>
+        </p:nvSpPr>
+        <p:spPr>
+          <a:xfrm>
+            <a:off x="1387440" y="2134440"/>
+            <a:ext cx="5724720" cy="1590120"/>
+          </a:xfrm>
+          <a:prstGeom prst="rect">
+            <a:avLst/>
+          </a:prstGeom>
+          <a:noFill/>
+          <a:ln w="0">
+            <a:noFill/>
+          </a:ln>
+        </p:spPr>
+        <p:style>
+          <a:lnRef idx="0"/>
+          <a:fillRef idx="0"/>
+          <a:effectRef idx="0"/>
+          <a:fontRef idx="minor"/>
+        </p:style>
+        <p:txBody>
+          <a:bodyPr tIns="91440" bIns="91440" anchor="t">
+            <a:spAutoFit/>
+          </a:bodyPr>
+          <a:p>
+            <a:pPr>
+              <a:lnSpc>
+                <a:spcPct val="115000"/>
+              </a:lnSpc>
+              <a:spcBef>
+                <a:spcPts val="1701"/>
+              </a:spcBef>
+              <a:buNone/>
+              <a:tabLst>
+                <a:tab algn="l" pos="0"/>
+              </a:tabLst>
+            </a:pPr>
+            <a:r>
+              <a:rPr b="1" lang="ru" sz="1450" spc="-1" strike="noStrike">
+                <a:solidFill>
+                  <a:srgbClr val="666666"/>
+                </a:solidFill>
+                <a:highlight>
+                  <a:srgbClr val="ffffff"/>
+                </a:highlight>
+                <a:latin typeface="Arial"/>
+                <a:ea typeface="Arial"/>
+              </a:rPr>
+              <a:t>Синтаксис</a:t>
+            </a:r>
+            <a:endParaRPr b="0" lang="en-US" sz="1450" spc="-1" strike="noStrike">
+              <a:latin typeface="Arial"/>
+            </a:endParaRPr>
+          </a:p>
+          <a:p>
+            <a:pPr marL="355680">
+              <a:lnSpc>
+                <a:spcPct val="115000"/>
+              </a:lnSpc>
+              <a:buNone/>
+              <a:tabLst>
+                <a:tab algn="l" pos="0"/>
+              </a:tabLst>
+            </a:pPr>
+            <a:r>
+              <a:rPr b="1" lang="ru" sz="1050" spc="-1" strike="noStrike">
+                <a:solidFill>
+                  <a:srgbClr val="006699"/>
+                </a:solidFill>
+                <a:highlight>
+                  <a:srgbClr val="f8f7f2"/>
+                </a:highlight>
+                <a:latin typeface="Courier New"/>
+                <a:ea typeface="Courier New"/>
+              </a:rPr>
+              <a:t>.wrapper {</a:t>
+            </a:r>
+            <a:endParaRPr b="0" lang="en-US" sz="1050" spc="-1" strike="noStrike">
+              <a:latin typeface="Arial"/>
+            </a:endParaRPr>
+          </a:p>
+          <a:p>
+            <a:pPr marL="355680">
+              <a:lnSpc>
+                <a:spcPct val="115000"/>
+              </a:lnSpc>
+              <a:spcBef>
+                <a:spcPts val="1100"/>
+              </a:spcBef>
+              <a:buNone/>
+              <a:tabLst>
+                <a:tab algn="l" pos="0"/>
+              </a:tabLst>
+            </a:pPr>
+            <a:r>
+              <a:rPr b="1" lang="ru" sz="1050" spc="-1" strike="noStrike">
+                <a:solidFill>
+                  <a:srgbClr val="006699"/>
+                </a:solidFill>
+                <a:highlight>
+                  <a:srgbClr val="f8f7f2"/>
+                </a:highlight>
+                <a:latin typeface="Courier New"/>
+                <a:ea typeface="Courier New"/>
+              </a:rPr>
+              <a:t>  </a:t>
+            </a:r>
+            <a:r>
+              <a:rPr b="1" lang="ru" sz="1050" spc="-1" strike="noStrike">
+                <a:solidFill>
+                  <a:srgbClr val="006699"/>
+                </a:solidFill>
+                <a:highlight>
+                  <a:srgbClr val="f8f7f2"/>
+                </a:highlight>
+                <a:latin typeface="Courier New"/>
+                <a:ea typeface="Courier New"/>
+              </a:rPr>
+              <a:t>display: flex;</a:t>
+            </a:r>
+            <a:endParaRPr b="0" lang="en-US" sz="1050" spc="-1" strike="noStrike">
+              <a:latin typeface="Arial"/>
+            </a:endParaRPr>
+          </a:p>
+          <a:p>
+            <a:pPr marL="355680">
+              <a:lnSpc>
+                <a:spcPct val="115000"/>
+              </a:lnSpc>
+              <a:spcBef>
+                <a:spcPts val="1100"/>
+              </a:spcBef>
+              <a:buNone/>
+              <a:tabLst>
+                <a:tab algn="l" pos="0"/>
+              </a:tabLst>
+            </a:pPr>
+            <a:r>
+              <a:rPr b="1" lang="ru" sz="1050" spc="-1" strike="noStrike">
+                <a:solidFill>
+                  <a:srgbClr val="006699"/>
+                </a:solidFill>
+                <a:highlight>
+                  <a:srgbClr val="f8f7f2"/>
+                </a:highlight>
+                <a:latin typeface="Courier New"/>
+                <a:ea typeface="Courier New"/>
+              </a:rPr>
+              <a:t>}</a:t>
+            </a:r>
+            <a:endParaRPr b="0" lang="en-US" sz="1050" spc="-1" strike="noStrike">
+              <a:latin typeface="Arial"/>
+            </a:endParaRPr>
+          </a:p>
+          <a:p>
+            <a:pPr marL="355680">
+              <a:lnSpc>
+                <a:spcPct val="115000"/>
+              </a:lnSpc>
+              <a:spcBef>
+                <a:spcPts val="1100"/>
+              </a:spcBef>
+              <a:spcAft>
+                <a:spcPts val="1100"/>
+              </a:spcAft>
+              <a:buNone/>
+              <a:tabLst>
+                <a:tab algn="l" pos="0"/>
+              </a:tabLst>
+            </a:pPr>
+            <a:endParaRPr b="0" lang="en-US" sz="1050" spc="-1" strike="noStrike">
+              <a:latin typeface="Arial"/>
+            </a:endParaRPr>
+          </a:p>
+        </p:txBody>
+      </p:sp>
     </p:spTree>
   </p:cSld>
   <mc:AlternateContent>
@@ -10477,7 +7344,7 @@
       </p:grpSpPr>
       <p:pic>
         <p:nvPicPr>
-          <p:cNvPr id="137" name="Google Shape;182;p28" descr=""/>
+          <p:cNvPr id="138" name="Google Shape;173;p27" descr=""/>
           <p:cNvPicPr/>
           <p:nvPr/>
         </p:nvPicPr>
@@ -10500,7 +7367,7 @@
       </p:pic>
       <p:sp>
         <p:nvSpPr>
-          <p:cNvPr id="138" name="Google Shape;183;p28"/>
+          <p:cNvPr id="139" name="Google Shape;174;p27"/>
           <p:cNvSpPr/>
           <p:nvPr/>
         </p:nvSpPr>
@@ -10542,7 +7409,7 @@
       </p:sp>
       <p:sp>
         <p:nvSpPr>
-          <p:cNvPr id="139" name="Google Shape;184;p28"/>
+          <p:cNvPr id="140" name="Google Shape;175;p27"/>
           <p:cNvSpPr/>
           <p:nvPr/>
         </p:nvSpPr>
@@ -10584,7 +7451,7 @@
       </p:sp>
       <p:sp>
         <p:nvSpPr>
-          <p:cNvPr id="140" name="Google Shape;185;p28"/>
+          <p:cNvPr id="141" name="Google Shape;176;p27"/>
           <p:cNvSpPr/>
           <p:nvPr/>
         </p:nvSpPr>
@@ -10626,14 +7493,14 @@
       </p:sp>
       <p:sp>
         <p:nvSpPr>
-          <p:cNvPr id="141" name="Google Shape;186;p28"/>
+          <p:cNvPr id="142" name="Google Shape;177;p27"/>
           <p:cNvSpPr/>
           <p:nvPr/>
         </p:nvSpPr>
         <p:spPr>
           <a:xfrm>
             <a:off x="3638880" y="229680"/>
-            <a:ext cx="4268520" cy="609840"/>
+            <a:ext cx="4268520" cy="609120"/>
           </a:xfrm>
           <a:prstGeom prst="rect">
             <a:avLst/>
@@ -10671,37 +7538,461 @@
                 <a:latin typeface="Source Sans Pro"/>
                 <a:ea typeface="Source Sans Pro"/>
               </a:rPr>
-              <a:t>Input type</a:t>
-            </a:r>
-            <a:endParaRPr b="0" lang="ru-RU" sz="2800" spc="-1" strike="noStrike">
+              <a:t>Flex direction</a:t>
+            </a:r>
+            <a:endParaRPr b="0" lang="en-US" sz="2800" spc="-1" strike="noStrike">
               <a:latin typeface="Arial"/>
             </a:endParaRPr>
           </a:p>
         </p:txBody>
       </p:sp>
-      <p:pic>
-        <p:nvPicPr>
-          <p:cNvPr id="142" name="Google Shape;187;p28" descr=""/>
-          <p:cNvPicPr/>
+      <p:sp>
+        <p:nvSpPr>
+          <p:cNvPr id="143" name="Google Shape;178;p27"/>
+          <p:cNvSpPr/>
           <p:nvPr/>
-        </p:nvPicPr>
-        <p:blipFill>
-          <a:blip r:embed="rId3"/>
-          <a:stretch/>
-        </p:blipFill>
-        <p:spPr>
-          <a:xfrm>
-            <a:off x="152280" y="997920"/>
-            <a:ext cx="8787600" cy="2980080"/>
-          </a:xfrm>
-          <a:prstGeom prst="rect">
-            <a:avLst/>
-          </a:prstGeom>
-          <a:ln w="0">
-            <a:noFill/>
-          </a:ln>
-        </p:spPr>
-      </p:pic>
+        </p:nvSpPr>
+        <p:spPr>
+          <a:xfrm>
+            <a:off x="1387440" y="910080"/>
+            <a:ext cx="6795720" cy="1091160"/>
+          </a:xfrm>
+          <a:prstGeom prst="rect">
+            <a:avLst/>
+          </a:prstGeom>
+          <a:noFill/>
+          <a:ln w="0">
+            <a:noFill/>
+          </a:ln>
+        </p:spPr>
+        <p:style>
+          <a:lnRef idx="0"/>
+          <a:fillRef idx="0"/>
+          <a:effectRef idx="0"/>
+          <a:fontRef idx="minor"/>
+        </p:style>
+        <p:txBody>
+          <a:bodyPr tIns="91440" bIns="91440" anchor="t">
+            <a:spAutoFit/>
+          </a:bodyPr>
+          <a:p>
+            <a:pPr>
+              <a:lnSpc>
+                <a:spcPct val="115000"/>
+              </a:lnSpc>
+              <a:spcBef>
+                <a:spcPts val="1100"/>
+              </a:spcBef>
+              <a:buNone/>
+              <a:tabLst>
+                <a:tab algn="l" pos="0"/>
+              </a:tabLst>
+            </a:pPr>
+            <a:r>
+              <a:rPr b="0" lang="ru" sz="1100" spc="-1" strike="noStrike">
+                <a:solidFill>
+                  <a:srgbClr val="000000"/>
+                </a:solidFill>
+                <a:highlight>
+                  <a:srgbClr val="ffffff"/>
+                </a:highlight>
+                <a:latin typeface="Arial"/>
+                <a:ea typeface="Arial"/>
+              </a:rPr>
+              <a:t>У flex-контейнера есть две оси: главная и перпендикулярная ей.</a:t>
+            </a:r>
+            <a:endParaRPr b="0" lang="en-US" sz="1100" spc="-1" strike="noStrike">
+              <a:latin typeface="Arial"/>
+            </a:endParaRPr>
+          </a:p>
+          <a:p>
+            <a:pPr>
+              <a:lnSpc>
+                <a:spcPct val="115000"/>
+              </a:lnSpc>
+              <a:spcBef>
+                <a:spcPts val="1100"/>
+              </a:spcBef>
+              <a:spcAft>
+                <a:spcPts val="1100"/>
+              </a:spcAft>
+              <a:buNone/>
+              <a:tabLst>
+                <a:tab algn="l" pos="0"/>
+              </a:tabLst>
+            </a:pPr>
+            <a:r>
+              <a:rPr b="0" lang="ru" sz="1100" spc="-1" strike="noStrike">
+                <a:solidFill>
+                  <a:srgbClr val="000000"/>
+                </a:solidFill>
+                <a:highlight>
+                  <a:srgbClr val="ffffff"/>
+                </a:highlight>
+                <a:latin typeface="Arial"/>
+                <a:ea typeface="Arial"/>
+              </a:rPr>
+              <a:t>По умолчанию все предметы располагаются вдоль главной оси — слева направо. Именно поэтому блоки в предыдущем примере выстроились в линию, когда мы применили display: flex. А вот flex-direction позволяет вращать главную ось.</a:t>
+            </a:r>
+            <a:endParaRPr b="0" lang="en-US" sz="1100" spc="-1" strike="noStrike">
+              <a:latin typeface="Arial"/>
+            </a:endParaRPr>
+          </a:p>
+        </p:txBody>
+      </p:sp>
+      <p:sp>
+        <p:nvSpPr>
+          <p:cNvPr id="144" name="Google Shape;179;p27"/>
+          <p:cNvSpPr/>
+          <p:nvPr/>
+        </p:nvSpPr>
+        <p:spPr>
+          <a:xfrm>
+            <a:off x="2606760" y="2134440"/>
+            <a:ext cx="5724720" cy="2883240"/>
+          </a:xfrm>
+          <a:prstGeom prst="rect">
+            <a:avLst/>
+          </a:prstGeom>
+          <a:noFill/>
+          <a:ln w="0">
+            <a:noFill/>
+          </a:ln>
+        </p:spPr>
+        <p:style>
+          <a:lnRef idx="0"/>
+          <a:fillRef idx="0"/>
+          <a:effectRef idx="0"/>
+          <a:fontRef idx="minor"/>
+        </p:style>
+        <p:txBody>
+          <a:bodyPr tIns="91440" bIns="91440" anchor="t">
+            <a:spAutoFit/>
+          </a:bodyPr>
+          <a:p>
+            <a:pPr>
+              <a:lnSpc>
+                <a:spcPct val="115000"/>
+              </a:lnSpc>
+              <a:spcBef>
+                <a:spcPts val="1701"/>
+              </a:spcBef>
+              <a:buNone/>
+              <a:tabLst>
+                <a:tab algn="l" pos="0"/>
+              </a:tabLst>
+            </a:pPr>
+            <a:r>
+              <a:rPr b="1" lang="ru" sz="1450" spc="-1" strike="noStrike">
+                <a:solidFill>
+                  <a:srgbClr val="666666"/>
+                </a:solidFill>
+                <a:highlight>
+                  <a:srgbClr val="ffffff"/>
+                </a:highlight>
+                <a:latin typeface="Arial"/>
+                <a:ea typeface="Arial"/>
+              </a:rPr>
+              <a:t>Синтаксис</a:t>
+            </a:r>
+            <a:endParaRPr b="0" lang="en-US" sz="1450" spc="-1" strike="noStrike">
+              <a:latin typeface="Arial"/>
+            </a:endParaRPr>
+          </a:p>
+          <a:p>
+            <a:pPr marL="355680">
+              <a:lnSpc>
+                <a:spcPct val="115000"/>
+              </a:lnSpc>
+              <a:buNone/>
+              <a:tabLst>
+                <a:tab algn="l" pos="0"/>
+              </a:tabLst>
+            </a:pPr>
+            <a:r>
+              <a:rPr b="1" lang="ru" sz="1050" spc="-1" strike="noStrike">
+                <a:solidFill>
+                  <a:srgbClr val="006699"/>
+                </a:solidFill>
+                <a:highlight>
+                  <a:srgbClr val="f8f7f2"/>
+                </a:highlight>
+                <a:latin typeface="Courier New"/>
+                <a:ea typeface="Courier New"/>
+              </a:rPr>
+              <a:t>.wrapper {</a:t>
+            </a:r>
+            <a:endParaRPr b="0" lang="en-US" sz="1050" spc="-1" strike="noStrike">
+              <a:latin typeface="Arial"/>
+            </a:endParaRPr>
+          </a:p>
+          <a:p>
+            <a:pPr marL="355680">
+              <a:lnSpc>
+                <a:spcPct val="115000"/>
+              </a:lnSpc>
+              <a:spcBef>
+                <a:spcPts val="1100"/>
+              </a:spcBef>
+              <a:buNone/>
+              <a:tabLst>
+                <a:tab algn="l" pos="0"/>
+              </a:tabLst>
+            </a:pPr>
+            <a:r>
+              <a:rPr b="1" lang="ru" sz="1050" spc="-1" strike="noStrike">
+                <a:solidFill>
+                  <a:srgbClr val="006699"/>
+                </a:solidFill>
+                <a:highlight>
+                  <a:srgbClr val="f8f7f2"/>
+                </a:highlight>
+                <a:latin typeface="Courier New"/>
+                <a:ea typeface="Courier New"/>
+              </a:rPr>
+              <a:t>  </a:t>
+            </a:r>
+            <a:r>
+              <a:rPr b="1" lang="ru" sz="1050" spc="-1" strike="noStrike">
+                <a:solidFill>
+                  <a:srgbClr val="006699"/>
+                </a:solidFill>
+                <a:highlight>
+                  <a:srgbClr val="f8f7f2"/>
+                </a:highlight>
+                <a:latin typeface="Courier New"/>
+                <a:ea typeface="Courier New"/>
+              </a:rPr>
+              <a:t>display: flex;</a:t>
+            </a:r>
+            <a:endParaRPr b="0" lang="en-US" sz="1050" spc="-1" strike="noStrike">
+              <a:latin typeface="Arial"/>
+            </a:endParaRPr>
+          </a:p>
+          <a:p>
+            <a:pPr marL="355680">
+              <a:lnSpc>
+                <a:spcPct val="115000"/>
+              </a:lnSpc>
+              <a:spcBef>
+                <a:spcPts val="1100"/>
+              </a:spcBef>
+              <a:buNone/>
+              <a:tabLst>
+                <a:tab algn="l" pos="0"/>
+              </a:tabLst>
+            </a:pPr>
+            <a:r>
+              <a:rPr b="1" lang="ru" sz="1050" spc="-1" strike="noStrike">
+                <a:solidFill>
+                  <a:srgbClr val="006699"/>
+                </a:solidFill>
+                <a:highlight>
+                  <a:srgbClr val="f8f7f2"/>
+                </a:highlight>
+                <a:latin typeface="Courier New"/>
+                <a:ea typeface="Courier New"/>
+              </a:rPr>
+              <a:t>  </a:t>
+            </a:r>
+            <a:r>
+              <a:rPr b="1" lang="ru" sz="1050" spc="-1" strike="noStrike">
+                <a:solidFill>
+                  <a:srgbClr val="006699"/>
+                </a:solidFill>
+                <a:highlight>
+                  <a:srgbClr val="f8f7f2"/>
+                </a:highlight>
+                <a:latin typeface="Courier New"/>
+                <a:ea typeface="Courier New"/>
+              </a:rPr>
+              <a:t>flex-direction: column;</a:t>
+            </a:r>
+            <a:endParaRPr b="0" lang="en-US" sz="1050" spc="-1" strike="noStrike">
+              <a:latin typeface="Arial"/>
+            </a:endParaRPr>
+          </a:p>
+          <a:p>
+            <a:pPr marL="355680">
+              <a:lnSpc>
+                <a:spcPct val="115000"/>
+              </a:lnSpc>
+              <a:spcBef>
+                <a:spcPts val="1100"/>
+              </a:spcBef>
+              <a:buNone/>
+              <a:tabLst>
+                <a:tab algn="l" pos="0"/>
+              </a:tabLst>
+            </a:pPr>
+            <a:r>
+              <a:rPr b="1" lang="ru" sz="1050" spc="-1" strike="noStrike">
+                <a:solidFill>
+                  <a:srgbClr val="006699"/>
+                </a:solidFill>
+                <a:highlight>
+                  <a:srgbClr val="f8f7f2"/>
+                </a:highlight>
+                <a:latin typeface="Courier New"/>
+                <a:ea typeface="Courier New"/>
+              </a:rPr>
+              <a:t>  </a:t>
+            </a:r>
+            <a:r>
+              <a:rPr b="1" lang="ru" sz="1050" spc="-1" strike="noStrike">
+                <a:solidFill>
+                  <a:srgbClr val="006699"/>
+                </a:solidFill>
+                <a:highlight>
+                  <a:srgbClr val="f8f7f2"/>
+                </a:highlight>
+                <a:latin typeface="Courier New"/>
+                <a:ea typeface="Courier New"/>
+              </a:rPr>
+              <a:t>flex-direction: row;</a:t>
+            </a:r>
+            <a:endParaRPr b="0" lang="en-US" sz="1050" spc="-1" strike="noStrike">
+              <a:latin typeface="Arial"/>
+            </a:endParaRPr>
+          </a:p>
+          <a:p>
+            <a:pPr marL="355680">
+              <a:lnSpc>
+                <a:spcPct val="115000"/>
+              </a:lnSpc>
+              <a:spcBef>
+                <a:spcPts val="1100"/>
+              </a:spcBef>
+              <a:buNone/>
+              <a:tabLst>
+                <a:tab algn="l" pos="0"/>
+              </a:tabLst>
+            </a:pPr>
+            <a:r>
+              <a:rPr b="1" lang="ru" sz="1050" spc="-1" strike="noStrike">
+                <a:solidFill>
+                  <a:srgbClr val="006699"/>
+                </a:solidFill>
+                <a:highlight>
+                  <a:srgbClr val="f8f7f2"/>
+                </a:highlight>
+                <a:latin typeface="Courier New"/>
+                <a:ea typeface="Courier New"/>
+              </a:rPr>
+              <a:t>  </a:t>
+            </a:r>
+            <a:r>
+              <a:rPr b="1" lang="ru" sz="1050" spc="-1" strike="noStrike">
+                <a:solidFill>
+                  <a:srgbClr val="006699"/>
+                </a:solidFill>
+                <a:highlight>
+                  <a:srgbClr val="f8f7f2"/>
+                </a:highlight>
+                <a:latin typeface="Courier New"/>
+                <a:ea typeface="Courier New"/>
+              </a:rPr>
+              <a:t>flex-direction: column-reverse;</a:t>
+            </a:r>
+            <a:endParaRPr b="0" lang="en-US" sz="1050" spc="-1" strike="noStrike">
+              <a:latin typeface="Arial"/>
+            </a:endParaRPr>
+          </a:p>
+          <a:p>
+            <a:pPr marL="355680">
+              <a:lnSpc>
+                <a:spcPct val="115000"/>
+              </a:lnSpc>
+              <a:spcBef>
+                <a:spcPts val="1100"/>
+              </a:spcBef>
+              <a:buNone/>
+              <a:tabLst>
+                <a:tab algn="l" pos="0"/>
+              </a:tabLst>
+            </a:pPr>
+            <a:r>
+              <a:rPr b="1" lang="ru" sz="1050" spc="-1" strike="noStrike">
+                <a:solidFill>
+                  <a:srgbClr val="006699"/>
+                </a:solidFill>
+                <a:highlight>
+                  <a:srgbClr val="f8f7f2"/>
+                </a:highlight>
+                <a:latin typeface="Courier New"/>
+                <a:ea typeface="Courier New"/>
+              </a:rPr>
+              <a:t>  </a:t>
+            </a:r>
+            <a:r>
+              <a:rPr b="1" lang="ru" sz="1050" spc="-1" strike="noStrike">
+                <a:solidFill>
+                  <a:srgbClr val="006699"/>
+                </a:solidFill>
+                <a:highlight>
+                  <a:srgbClr val="f8f7f2"/>
+                </a:highlight>
+                <a:latin typeface="Courier New"/>
+                <a:ea typeface="Courier New"/>
+              </a:rPr>
+              <a:t>flex-direction: row-reverse;</a:t>
+            </a:r>
+            <a:endParaRPr b="0" lang="en-US" sz="1050" spc="-1" strike="noStrike">
+              <a:latin typeface="Arial"/>
+            </a:endParaRPr>
+          </a:p>
+          <a:p>
+            <a:pPr marL="355680">
+              <a:lnSpc>
+                <a:spcPct val="115000"/>
+              </a:lnSpc>
+              <a:spcBef>
+                <a:spcPts val="1100"/>
+              </a:spcBef>
+              <a:buNone/>
+              <a:tabLst>
+                <a:tab algn="l" pos="0"/>
+              </a:tabLst>
+            </a:pPr>
+            <a:r>
+              <a:rPr b="1" lang="ru" sz="1050" spc="-1" strike="noStrike">
+                <a:solidFill>
+                  <a:srgbClr val="006699"/>
+                </a:solidFill>
+                <a:highlight>
+                  <a:srgbClr val="f8f7f2"/>
+                </a:highlight>
+                <a:latin typeface="Courier New"/>
+                <a:ea typeface="Courier New"/>
+              </a:rPr>
+              <a:t>}</a:t>
+            </a:r>
+            <a:endParaRPr b="0" lang="en-US" sz="1050" spc="-1" strike="noStrike">
+              <a:latin typeface="Arial"/>
+            </a:endParaRPr>
+          </a:p>
+          <a:p>
+            <a:pPr marL="355680">
+              <a:lnSpc>
+                <a:spcPct val="115000"/>
+              </a:lnSpc>
+              <a:spcBef>
+                <a:spcPts val="1100"/>
+              </a:spcBef>
+              <a:spcAft>
+                <a:spcPts val="1100"/>
+              </a:spcAft>
+              <a:buNone/>
+              <a:tabLst>
+                <a:tab algn="l" pos="0"/>
+              </a:tabLst>
+            </a:pPr>
+            <a:endParaRPr b="0" lang="en-US" sz="1050" spc="-1" strike="noStrike">
+              <a:latin typeface="Arial"/>
+            </a:endParaRPr>
+          </a:p>
+        </p:txBody>
+      </p:sp>
     </p:spTree>
   </p:cSld>
   <mc:AlternateContent>
@@ -10742,7 +8033,7 @@
       </p:grpSpPr>
       <p:pic>
         <p:nvPicPr>
-          <p:cNvPr id="143" name="Google Shape;192;p29" descr=""/>
+          <p:cNvPr id="145" name="Google Shape;184;p28" descr=""/>
           <p:cNvPicPr/>
           <p:nvPr/>
         </p:nvPicPr>
@@ -10765,7 +8056,7 @@
       </p:pic>
       <p:sp>
         <p:nvSpPr>
-          <p:cNvPr id="144" name="Google Shape;193;p29"/>
+          <p:cNvPr id="146" name="Google Shape;185;p28"/>
           <p:cNvSpPr/>
           <p:nvPr/>
         </p:nvSpPr>
@@ -10807,7 +8098,7 @@
       </p:sp>
       <p:sp>
         <p:nvSpPr>
-          <p:cNvPr id="145" name="Google Shape;194;p29"/>
+          <p:cNvPr id="147" name="Google Shape;186;p28"/>
           <p:cNvSpPr/>
           <p:nvPr/>
         </p:nvSpPr>
@@ -10849,7 +8140,7 @@
       </p:sp>
       <p:sp>
         <p:nvSpPr>
-          <p:cNvPr id="146" name="Google Shape;195;p29"/>
+          <p:cNvPr id="148" name="Google Shape;187;p28"/>
           <p:cNvSpPr/>
           <p:nvPr/>
         </p:nvSpPr>
@@ -10891,14 +8182,14 @@
       </p:sp>
       <p:sp>
         <p:nvSpPr>
-          <p:cNvPr id="147" name="Google Shape;196;p29"/>
+          <p:cNvPr id="149" name="Google Shape;188;p28"/>
           <p:cNvSpPr/>
           <p:nvPr/>
         </p:nvSpPr>
         <p:spPr>
           <a:xfrm>
             <a:off x="3638880" y="229680"/>
-            <a:ext cx="4268520" cy="609840"/>
+            <a:ext cx="4268520" cy="609120"/>
           </a:xfrm>
           <a:prstGeom prst="rect">
             <a:avLst/>
@@ -10936,9 +8227,9 @@
                 <a:latin typeface="Source Sans Pro"/>
                 <a:ea typeface="Source Sans Pro"/>
               </a:rPr>
-              <a:t>Select</a:t>
-            </a:r>
-            <a:endParaRPr b="0" lang="ru-RU" sz="2800" spc="-1" strike="noStrike">
+              <a:t>Justify content</a:t>
+            </a:r>
+            <a:endParaRPr b="0" lang="en-US" sz="2800" spc="-1" strike="noStrike">
               <a:latin typeface="Arial"/>
             </a:endParaRPr>
           </a:p>
@@ -10946,14 +8237,14 @@
       </p:sp>
       <p:sp>
         <p:nvSpPr>
-          <p:cNvPr id="148" name="Google Shape;197;p29"/>
+          <p:cNvPr id="150" name="Google Shape;189;p28"/>
           <p:cNvSpPr/>
           <p:nvPr/>
         </p:nvSpPr>
         <p:spPr>
           <a:xfrm>
-            <a:off x="1387440" y="1215000"/>
-            <a:ext cx="6795720" cy="567000"/>
+            <a:off x="3521160" y="757800"/>
+            <a:ext cx="6795720" cy="374760"/>
           </a:xfrm>
           <a:prstGeom prst="rect">
             <a:avLst/>
@@ -11000,35 +8291,9 @@
                 <a:latin typeface="Arial"/>
                 <a:ea typeface="Arial"/>
               </a:rPr>
-              <a:t>Тег </a:t>
-            </a:r>
-            <a:r>
-              <a:rPr b="1" lang="ru" sz="1100" spc="-1" strike="noStrike">
-                <a:solidFill>
-                  <a:srgbClr val="006699"/>
-                </a:solidFill>
-                <a:highlight>
-                  <a:srgbClr val="ffffff"/>
-                </a:highlight>
-                <a:latin typeface="Courier New"/>
-                <a:ea typeface="Courier New"/>
-              </a:rPr>
-              <a:t>&lt;select&gt;</a:t>
-            </a:r>
-            <a:r>
-              <a:rPr b="0" lang="ru" sz="1100" spc="-1" strike="noStrike">
-                <a:solidFill>
-                  <a:srgbClr val="000000"/>
-                </a:solidFill>
-                <a:highlight>
-                  <a:srgbClr val="ffffff"/>
-                </a:highlight>
-                <a:latin typeface="Arial"/>
-                <a:ea typeface="Arial"/>
-              </a:rPr>
-              <a:t> позволяет создать элемент интерфейса в виде раскрывающегося списка, а также список с одним или множественным выбором</a:t>
-            </a:r>
-            <a:endParaRPr b="0" lang="ru-RU" sz="1100" spc="-1" strike="noStrike">
+              <a:t>Отвечает за выравнивание элементов по главной оси</a:t>
+            </a:r>
+            <a:endParaRPr b="0" lang="en-US" sz="1100" spc="-1" strike="noStrike">
               <a:latin typeface="Arial"/>
             </a:endParaRPr>
           </a:p>
@@ -11036,14 +8301,14 @@
       </p:sp>
       <p:sp>
         <p:nvSpPr>
-          <p:cNvPr id="149" name="Google Shape;198;p29"/>
+          <p:cNvPr id="151" name="Google Shape;190;p28"/>
           <p:cNvSpPr/>
           <p:nvPr/>
         </p:nvSpPr>
         <p:spPr>
           <a:xfrm>
-            <a:off x="2882880" y="2134440"/>
-            <a:ext cx="2999520" cy="1590120"/>
+            <a:off x="5349960" y="991440"/>
+            <a:ext cx="5724720" cy="3206520"/>
           </a:xfrm>
           <a:prstGeom prst="rect">
             <a:avLst/>
@@ -11089,7 +8354,7 @@
               </a:rPr>
               <a:t>Синтаксис</a:t>
             </a:r>
-            <a:endParaRPr b="0" lang="ru-RU" sz="1450" spc="-1" strike="noStrike">
+            <a:endParaRPr b="0" lang="en-US" sz="1450" spc="-1" strike="noStrike">
               <a:latin typeface="Arial"/>
             </a:endParaRPr>
           </a:p>
@@ -11114,9 +8379,9 @@
                 <a:latin typeface="Courier New"/>
                 <a:ea typeface="Courier New"/>
               </a:rPr>
-              <a:t>&lt;select&gt;</a:t>
-            </a:r>
-            <a:endParaRPr b="0" lang="ru-RU" sz="1050" spc="-1" strike="noStrike">
+              <a:t>.wrapper {</a:t>
+            </a:r>
+            <a:endParaRPr b="0" lang="en-US" sz="1050" spc="-1" strike="noStrike">
               <a:latin typeface="Arial"/>
             </a:endParaRPr>
           </a:p>
@@ -11134,9 +8399,9 @@
               </a:tabLst>
             </a:pPr>
             <a:r>
-              <a:rPr b="0" lang="ru" sz="1050" spc="-1" strike="noStrike">
-                <a:solidFill>
-                  <a:srgbClr val="000000"/>
+              <a:rPr b="1" lang="ru" sz="1050" spc="-1" strike="noStrike">
+                <a:solidFill>
+                  <a:srgbClr val="006699"/>
                 </a:solidFill>
                 <a:highlight>
                   <a:srgbClr val="f8f7f2"/>
@@ -11157,35 +8422,9 @@
                 <a:latin typeface="Courier New"/>
                 <a:ea typeface="Courier New"/>
               </a:rPr>
-              <a:t>&lt;option&gt;</a:t>
-            </a:r>
-            <a:r>
-              <a:rPr b="0" lang="ru" sz="1050" spc="-1" strike="noStrike">
-                <a:solidFill>
-                  <a:srgbClr val="000000"/>
-                </a:solidFill>
-                <a:highlight>
-                  <a:srgbClr val="f8f7f2"/>
-                </a:highlight>
-                <a:latin typeface="Courier New"/>
-                <a:ea typeface="Courier New"/>
-              </a:rPr>
-              <a:t>Пункт 1</a:t>
-            </a:r>
-            <a:r>
-              <a:rPr b="1" lang="ru" sz="1050" spc="-1" strike="noStrike">
-                <a:solidFill>
-                  <a:srgbClr val="006699"/>
-                </a:solidFill>
-                <a:highlight>
-                  <a:srgbClr val="f8f7f2"/>
-                </a:highlight>
-                <a:latin typeface="Courier New"/>
-                <a:ea typeface="Courier New"/>
-              </a:rPr>
-              <a:t>&lt;/option&gt;</a:t>
-            </a:r>
-            <a:endParaRPr b="0" lang="ru-RU" sz="1050" spc="-1" strike="noStrike">
+              <a:t>display: flex;</a:t>
+            </a:r>
+            <a:endParaRPr b="0" lang="en-US" sz="1050" spc="-1" strike="noStrike">
               <a:latin typeface="Arial"/>
             </a:endParaRPr>
           </a:p>
@@ -11203,9 +8442,9 @@
               </a:tabLst>
             </a:pPr>
             <a:r>
-              <a:rPr b="0" lang="ru" sz="1050" spc="-1" strike="noStrike">
-                <a:solidFill>
-                  <a:srgbClr val="000000"/>
+              <a:rPr b="1" lang="ru" sz="1050" spc="-1" strike="noStrike">
+                <a:solidFill>
+                  <a:srgbClr val="006699"/>
                 </a:solidFill>
                 <a:highlight>
                   <a:srgbClr val="f8f7f2"/>
@@ -11226,12 +8465,29 @@
                 <a:latin typeface="Courier New"/>
                 <a:ea typeface="Courier New"/>
               </a:rPr>
-              <a:t>&lt;option&gt;</a:t>
-            </a:r>
-            <a:r>
-              <a:rPr b="0" lang="ru" sz="1050" spc="-1" strike="noStrike">
-                <a:solidFill>
-                  <a:srgbClr val="000000"/>
+              <a:t>justify-content: flex-start;</a:t>
+            </a:r>
+            <a:endParaRPr b="0" lang="en-US" sz="1050" spc="-1" strike="noStrike">
+              <a:latin typeface="Arial"/>
+            </a:endParaRPr>
+          </a:p>
+          <a:p>
+            <a:pPr marL="355680">
+              <a:lnSpc>
+                <a:spcPct val="115000"/>
+              </a:lnSpc>
+              <a:spcBef>
+                <a:spcPts val="1100"/>
+              </a:spcBef>
+              <a:buNone/>
+              <a:tabLst>
+                <a:tab algn="l" pos="0"/>
+              </a:tabLst>
+            </a:pPr>
+            <a:r>
+              <a:rPr b="1" lang="ru" sz="1050" spc="-1" strike="noStrike">
+                <a:solidFill>
+                  <a:srgbClr val="006699"/>
                 </a:solidFill>
                 <a:highlight>
                   <a:srgbClr val="f8f7f2"/>
@@ -11239,7 +8495,7 @@
                 <a:latin typeface="Courier New"/>
                 <a:ea typeface="Courier New"/>
               </a:rPr>
-              <a:t>Пункт 2</a:t>
+              <a:t>  </a:t>
             </a:r>
             <a:r>
               <a:rPr b="1" lang="ru" sz="1050" spc="-1" strike="noStrike">
@@ -11252,9 +8508,168 @@
                 <a:latin typeface="Courier New"/>
                 <a:ea typeface="Courier New"/>
               </a:rPr>
-              <a:t>&lt;/option&gt;</a:t>
-            </a:r>
-            <a:endParaRPr b="0" lang="ru-RU" sz="1050" spc="-1" strike="noStrike">
+              <a:t>justify-content: flex-end;</a:t>
+            </a:r>
+            <a:endParaRPr b="0" lang="en-US" sz="1050" spc="-1" strike="noStrike">
+              <a:latin typeface="Arial"/>
+            </a:endParaRPr>
+          </a:p>
+          <a:p>
+            <a:pPr marL="355680">
+              <a:lnSpc>
+                <a:spcPct val="115000"/>
+              </a:lnSpc>
+              <a:spcBef>
+                <a:spcPts val="1100"/>
+              </a:spcBef>
+              <a:buNone/>
+              <a:tabLst>
+                <a:tab algn="l" pos="0"/>
+              </a:tabLst>
+            </a:pPr>
+            <a:r>
+              <a:rPr b="1" lang="ru" sz="1050" spc="-1" strike="noStrike">
+                <a:solidFill>
+                  <a:srgbClr val="006699"/>
+                </a:solidFill>
+                <a:highlight>
+                  <a:srgbClr val="f8f7f2"/>
+                </a:highlight>
+                <a:latin typeface="Courier New"/>
+                <a:ea typeface="Courier New"/>
+              </a:rPr>
+              <a:t>  </a:t>
+            </a:r>
+            <a:r>
+              <a:rPr b="1" lang="ru" sz="1050" spc="-1" strike="noStrike">
+                <a:solidFill>
+                  <a:srgbClr val="006699"/>
+                </a:solidFill>
+                <a:highlight>
+                  <a:srgbClr val="f8f7f2"/>
+                </a:highlight>
+                <a:latin typeface="Courier New"/>
+                <a:ea typeface="Courier New"/>
+              </a:rPr>
+              <a:t>justify-content: center;</a:t>
+            </a:r>
+            <a:endParaRPr b="0" lang="en-US" sz="1050" spc="-1" strike="noStrike">
+              <a:latin typeface="Arial"/>
+            </a:endParaRPr>
+          </a:p>
+          <a:p>
+            <a:pPr marL="355680">
+              <a:lnSpc>
+                <a:spcPct val="115000"/>
+              </a:lnSpc>
+              <a:spcBef>
+                <a:spcPts val="1100"/>
+              </a:spcBef>
+              <a:buNone/>
+              <a:tabLst>
+                <a:tab algn="l" pos="0"/>
+              </a:tabLst>
+            </a:pPr>
+            <a:r>
+              <a:rPr b="1" lang="ru" sz="1050" spc="-1" strike="noStrike">
+                <a:solidFill>
+                  <a:srgbClr val="006699"/>
+                </a:solidFill>
+                <a:highlight>
+                  <a:srgbClr val="f8f7f2"/>
+                </a:highlight>
+                <a:latin typeface="Courier New"/>
+                <a:ea typeface="Courier New"/>
+              </a:rPr>
+              <a:t>  </a:t>
+            </a:r>
+            <a:r>
+              <a:rPr b="1" lang="ru" sz="1050" spc="-1" strike="noStrike">
+                <a:solidFill>
+                  <a:srgbClr val="006699"/>
+                </a:solidFill>
+                <a:highlight>
+                  <a:srgbClr val="f8f7f2"/>
+                </a:highlight>
+                <a:latin typeface="Courier New"/>
+                <a:ea typeface="Courier New"/>
+              </a:rPr>
+              <a:t>justify-content: space-between;</a:t>
+            </a:r>
+            <a:endParaRPr b="0" lang="en-US" sz="1050" spc="-1" strike="noStrike">
+              <a:latin typeface="Arial"/>
+            </a:endParaRPr>
+          </a:p>
+          <a:p>
+            <a:pPr marL="355680">
+              <a:lnSpc>
+                <a:spcPct val="115000"/>
+              </a:lnSpc>
+              <a:spcBef>
+                <a:spcPts val="1100"/>
+              </a:spcBef>
+              <a:buNone/>
+              <a:tabLst>
+                <a:tab algn="l" pos="0"/>
+              </a:tabLst>
+            </a:pPr>
+            <a:r>
+              <a:rPr b="1" lang="ru" sz="1050" spc="-1" strike="noStrike">
+                <a:solidFill>
+                  <a:srgbClr val="006699"/>
+                </a:solidFill>
+                <a:highlight>
+                  <a:srgbClr val="f8f7f2"/>
+                </a:highlight>
+                <a:latin typeface="Courier New"/>
+                <a:ea typeface="Courier New"/>
+              </a:rPr>
+              <a:t>  </a:t>
+            </a:r>
+            <a:r>
+              <a:rPr b="1" lang="ru" sz="1050" spc="-1" strike="noStrike">
+                <a:solidFill>
+                  <a:srgbClr val="006699"/>
+                </a:solidFill>
+                <a:highlight>
+                  <a:srgbClr val="f8f7f2"/>
+                </a:highlight>
+                <a:latin typeface="Courier New"/>
+                <a:ea typeface="Courier New"/>
+              </a:rPr>
+              <a:t>justify-content: space-around;</a:t>
+            </a:r>
+            <a:endParaRPr b="0" lang="en-US" sz="1050" spc="-1" strike="noStrike">
+              <a:latin typeface="Arial"/>
+            </a:endParaRPr>
+          </a:p>
+          <a:p>
+            <a:pPr marL="355680">
+              <a:lnSpc>
+                <a:spcPct val="115000"/>
+              </a:lnSpc>
+              <a:spcBef>
+                <a:spcPts val="1100"/>
+              </a:spcBef>
+              <a:buNone/>
+              <a:tabLst>
+                <a:tab algn="l" pos="0"/>
+              </a:tabLst>
+            </a:pPr>
+            <a:r>
+              <a:rPr b="1" lang="ru" sz="1050" spc="-1" strike="noStrike">
+                <a:solidFill>
+                  <a:srgbClr val="006699"/>
+                </a:solidFill>
+                <a:highlight>
+                  <a:srgbClr val="f8f7f2"/>
+                </a:highlight>
+                <a:latin typeface="Courier New"/>
+                <a:ea typeface="Courier New"/>
+              </a:rPr>
+              <a:t>}</a:t>
+            </a:r>
+            <a:endParaRPr b="0" lang="en-US" sz="1050" spc="-1" strike="noStrike">
               <a:latin typeface="Arial"/>
             </a:endParaRPr>
           </a:p>
@@ -11274,25 +8689,35 @@
                 <a:tab algn="l" pos="0"/>
               </a:tabLst>
             </a:pPr>
-            <a:r>
-              <a:rPr b="1" lang="ru" sz="1050" spc="-1" strike="noStrike">
-                <a:solidFill>
-                  <a:srgbClr val="006699"/>
-                </a:solidFill>
-                <a:highlight>
-                  <a:srgbClr val="f8f7f2"/>
-                </a:highlight>
-                <a:latin typeface="Courier New"/>
-                <a:ea typeface="Courier New"/>
-              </a:rPr>
-              <a:t>&lt;/select&gt;</a:t>
-            </a:r>
-            <a:endParaRPr b="0" lang="ru-RU" sz="1050" spc="-1" strike="noStrike">
+            <a:endParaRPr b="0" lang="en-US" sz="1050" spc="-1" strike="noStrike">
               <a:latin typeface="Arial"/>
             </a:endParaRPr>
           </a:p>
         </p:txBody>
       </p:sp>
+      <p:pic>
+        <p:nvPicPr>
+          <p:cNvPr id="152" name="Google Shape;191;p28" descr=""/>
+          <p:cNvPicPr/>
+          <p:nvPr/>
+        </p:nvPicPr>
+        <p:blipFill>
+          <a:blip r:embed="rId3"/>
+          <a:stretch/>
+        </p:blipFill>
+        <p:spPr>
+          <a:xfrm>
+            <a:off x="-10080" y="3866400"/>
+            <a:ext cx="5714640" cy="1275840"/>
+          </a:xfrm>
+          <a:prstGeom prst="rect">
+            <a:avLst/>
+          </a:prstGeom>
+          <a:ln w="0">
+            <a:noFill/>
+          </a:ln>
+        </p:spPr>
+      </p:pic>
     </p:spTree>
   </p:cSld>
   <mc:AlternateContent>
@@ -11333,7 +8758,7 @@
       </p:grpSpPr>
       <p:pic>
         <p:nvPicPr>
-          <p:cNvPr id="150" name="Google Shape;203;p30" descr=""/>
+          <p:cNvPr id="153" name="Google Shape;196;p29" descr=""/>
           <p:cNvPicPr/>
           <p:nvPr/>
         </p:nvPicPr>
@@ -11356,7 +8781,7 @@
       </p:pic>
       <p:sp>
         <p:nvSpPr>
-          <p:cNvPr id="151" name="Google Shape;204;p30"/>
+          <p:cNvPr id="154" name="Google Shape;197;p29"/>
           <p:cNvSpPr/>
           <p:nvPr/>
         </p:nvSpPr>
@@ -11398,7 +8823,7 @@
       </p:sp>
       <p:sp>
         <p:nvSpPr>
-          <p:cNvPr id="152" name="Google Shape;205;p30"/>
+          <p:cNvPr id="155" name="Google Shape;198;p29"/>
           <p:cNvSpPr/>
           <p:nvPr/>
         </p:nvSpPr>
@@ -11440,7 +8865,7 @@
       </p:sp>
       <p:sp>
         <p:nvSpPr>
-          <p:cNvPr id="153" name="Google Shape;206;p30"/>
+          <p:cNvPr id="156" name="Google Shape;199;p29"/>
           <p:cNvSpPr/>
           <p:nvPr/>
         </p:nvSpPr>
@@ -11482,14 +8907,14 @@
       </p:sp>
       <p:sp>
         <p:nvSpPr>
-          <p:cNvPr id="154" name="Google Shape;207;p30"/>
+          <p:cNvPr id="157" name="Google Shape;200;p29"/>
           <p:cNvSpPr/>
           <p:nvPr/>
         </p:nvSpPr>
         <p:spPr>
           <a:xfrm>
             <a:off x="3638880" y="229680"/>
-            <a:ext cx="4268520" cy="609840"/>
+            <a:ext cx="4268520" cy="609120"/>
           </a:xfrm>
           <a:prstGeom prst="rect">
             <a:avLst/>
@@ -11527,9 +8952,9 @@
                 <a:latin typeface="Source Sans Pro"/>
                 <a:ea typeface="Source Sans Pro"/>
               </a:rPr>
-              <a:t>Button</a:t>
-            </a:r>
-            <a:endParaRPr b="0" lang="ru-RU" sz="2800" spc="-1" strike="noStrike">
+              <a:t>Align items</a:t>
+            </a:r>
+            <a:endParaRPr b="0" lang="en-US" sz="2800" spc="-1" strike="noStrike">
               <a:latin typeface="Arial"/>
             </a:endParaRPr>
           </a:p>
@@ -11537,14 +8962,14 @@
       </p:sp>
       <p:sp>
         <p:nvSpPr>
-          <p:cNvPr id="155" name="Google Shape;208;p30"/>
+          <p:cNvPr id="158" name="Google Shape;201;p29"/>
           <p:cNvSpPr/>
           <p:nvPr/>
         </p:nvSpPr>
         <p:spPr>
           <a:xfrm>
-            <a:off x="1387440" y="1215000"/>
-            <a:ext cx="6795720" cy="567000"/>
+            <a:off x="3521160" y="757800"/>
+            <a:ext cx="6795720" cy="374760"/>
           </a:xfrm>
           <a:prstGeom prst="rect">
             <a:avLst/>
@@ -11591,87 +9016,9 @@
                 <a:latin typeface="Arial"/>
                 <a:ea typeface="Arial"/>
               </a:rPr>
-              <a:t>Тег </a:t>
-            </a:r>
-            <a:r>
-              <a:rPr b="1" lang="ru" sz="1100" spc="-1" strike="noStrike">
-                <a:solidFill>
-                  <a:srgbClr val="006699"/>
-                </a:solidFill>
-                <a:highlight>
-                  <a:srgbClr val="ffffff"/>
-                </a:highlight>
-                <a:latin typeface="Courier New"/>
-                <a:ea typeface="Courier New"/>
-              </a:rPr>
-              <a:t>&lt;button&gt;</a:t>
-            </a:r>
-            <a:r>
-              <a:rPr b="0" lang="ru" sz="1100" spc="-1" strike="noStrike">
-                <a:solidFill>
-                  <a:srgbClr val="000000"/>
-                </a:solidFill>
-                <a:highlight>
-                  <a:srgbClr val="ffffff"/>
-                </a:highlight>
-                <a:latin typeface="Arial"/>
-                <a:ea typeface="Arial"/>
-              </a:rPr>
-              <a:t> создает на веб-странице кнопки и по своему действию напоминает результат, получаемый с помощью тега </a:t>
-            </a:r>
-            <a:r>
-              <a:rPr b="1" lang="ru" sz="1100" spc="-1" strike="noStrike">
-                <a:solidFill>
-                  <a:srgbClr val="006699"/>
-                </a:solidFill>
-                <a:highlight>
-                  <a:srgbClr val="ffffff"/>
-                </a:highlight>
-                <a:latin typeface="Courier New"/>
-                <a:ea typeface="Courier New"/>
-              </a:rPr>
-              <a:t>&lt;input&gt;</a:t>
-            </a:r>
-            <a:r>
-              <a:rPr b="0" lang="ru" sz="1100" spc="-1" strike="noStrike">
-                <a:solidFill>
-                  <a:srgbClr val="000000"/>
-                </a:solidFill>
-                <a:highlight>
-                  <a:srgbClr val="ffffff"/>
-                </a:highlight>
-                <a:latin typeface="Arial"/>
-                <a:ea typeface="Arial"/>
-              </a:rPr>
-              <a:t> (с атрибутом </a:t>
-            </a:r>
-            <a:r>
-              <a:rPr b="0" lang="ru" sz="1100" spc="-1" strike="noStrike">
-                <a:solidFill>
-                  <a:srgbClr val="000000"/>
-                </a:solidFill>
-                <a:highlight>
-                  <a:srgbClr val="ffffff"/>
-                </a:highlight>
-                <a:latin typeface="Courier New"/>
-                <a:ea typeface="Courier New"/>
-              </a:rPr>
-              <a:t>type="button | reset | submit"</a:t>
-            </a:r>
-            <a:r>
-              <a:rPr b="0" lang="ru" sz="1100" spc="-1" strike="noStrike">
-                <a:solidFill>
-                  <a:srgbClr val="000000"/>
-                </a:solidFill>
-                <a:highlight>
-                  <a:srgbClr val="ffffff"/>
-                </a:highlight>
-                <a:latin typeface="Arial"/>
-                <a:ea typeface="Arial"/>
-              </a:rPr>
-              <a:t>)</a:t>
-            </a:r>
-            <a:endParaRPr b="0" lang="ru-RU" sz="1100" spc="-1" strike="noStrike">
+              <a:t>Отвечает за выравнивание элементов по главной оси</a:t>
+            </a:r>
+            <a:endParaRPr b="0" lang="en-US" sz="1100" spc="-1" strike="noStrike">
               <a:latin typeface="Arial"/>
             </a:endParaRPr>
           </a:p>
@@ -11679,14 +9026,14 @@
       </p:sp>
       <p:sp>
         <p:nvSpPr>
-          <p:cNvPr id="156" name="Google Shape;209;p30"/>
+          <p:cNvPr id="159" name="Google Shape;202;p29"/>
           <p:cNvSpPr/>
           <p:nvPr/>
         </p:nvSpPr>
         <p:spPr>
           <a:xfrm>
-            <a:off x="2882880" y="2134440"/>
-            <a:ext cx="2999520" cy="943560"/>
+            <a:off x="5426280" y="991440"/>
+            <a:ext cx="5724720" cy="3206520"/>
           </a:xfrm>
           <a:prstGeom prst="rect">
             <a:avLst/>
@@ -11732,7 +9079,7 @@
               </a:rPr>
               <a:t>Синтаксис</a:t>
             </a:r>
-            <a:endParaRPr b="0" lang="ru-RU" sz="1450" spc="-1" strike="noStrike">
+            <a:endParaRPr b="0" lang="en-US" sz="1450" spc="-1" strike="noStrike">
               <a:latin typeface="Arial"/>
             </a:endParaRPr>
           </a:p>
@@ -11757,12 +9104,29 @@
                 <a:latin typeface="Courier New"/>
                 <a:ea typeface="Courier New"/>
               </a:rPr>
-              <a:t>&lt;button&gt;</a:t>
-            </a:r>
-            <a:r>
-              <a:rPr b="0" lang="ru" sz="1050" spc="-1" strike="noStrike">
-                <a:solidFill>
-                  <a:srgbClr val="000000"/>
+              <a:t>.wrapper {</a:t>
+            </a:r>
+            <a:endParaRPr b="0" lang="en-US" sz="1050" spc="-1" strike="noStrike">
+              <a:latin typeface="Arial"/>
+            </a:endParaRPr>
+          </a:p>
+          <a:p>
+            <a:pPr marL="355680">
+              <a:lnSpc>
+                <a:spcPct val="115000"/>
+              </a:lnSpc>
+              <a:spcBef>
+                <a:spcPts val="1100"/>
+              </a:spcBef>
+              <a:buNone/>
+              <a:tabLst>
+                <a:tab algn="l" pos="0"/>
+              </a:tabLst>
+            </a:pPr>
+            <a:r>
+              <a:rPr b="1" lang="ru" sz="1050" spc="-1" strike="noStrike">
+                <a:solidFill>
+                  <a:srgbClr val="006699"/>
                 </a:solidFill>
                 <a:highlight>
                   <a:srgbClr val="f8f7f2"/>
@@ -11770,7 +9134,7 @@
                 <a:latin typeface="Courier New"/>
                 <a:ea typeface="Courier New"/>
               </a:rPr>
-              <a:t>...</a:t>
+              <a:t>  </a:t>
             </a:r>
             <a:r>
               <a:rPr b="1" lang="ru" sz="1050" spc="-1" strike="noStrike">
@@ -11783,9 +9147,254 @@
                 <a:latin typeface="Courier New"/>
                 <a:ea typeface="Courier New"/>
               </a:rPr>
-              <a:t>&lt;/button&gt;</a:t>
-            </a:r>
-            <a:endParaRPr b="0" lang="ru-RU" sz="1050" spc="-1" strike="noStrike">
+              <a:t>display: flex;</a:t>
+            </a:r>
+            <a:endParaRPr b="0" lang="en-US" sz="1050" spc="-1" strike="noStrike">
+              <a:latin typeface="Arial"/>
+            </a:endParaRPr>
+          </a:p>
+          <a:p>
+            <a:pPr marL="355680">
+              <a:lnSpc>
+                <a:spcPct val="115000"/>
+              </a:lnSpc>
+              <a:spcBef>
+                <a:spcPts val="1100"/>
+              </a:spcBef>
+              <a:buNone/>
+              <a:tabLst>
+                <a:tab algn="l" pos="0"/>
+              </a:tabLst>
+            </a:pPr>
+            <a:r>
+              <a:rPr b="1" lang="ru" sz="1050" spc="-1" strike="noStrike">
+                <a:solidFill>
+                  <a:srgbClr val="006699"/>
+                </a:solidFill>
+                <a:highlight>
+                  <a:srgbClr val="f8f7f2"/>
+                </a:highlight>
+                <a:latin typeface="Courier New"/>
+                <a:ea typeface="Courier New"/>
+              </a:rPr>
+              <a:t>  </a:t>
+            </a:r>
+            <a:r>
+              <a:rPr b="1" lang="ru" sz="1050" spc="-1" strike="noStrike">
+                <a:solidFill>
+                  <a:srgbClr val="006699"/>
+                </a:solidFill>
+                <a:highlight>
+                  <a:srgbClr val="f8f7f2"/>
+                </a:highlight>
+                <a:latin typeface="Courier New"/>
+                <a:ea typeface="Courier New"/>
+              </a:rPr>
+              <a:t>align-items: flex-start;</a:t>
+            </a:r>
+            <a:endParaRPr b="0" lang="en-US" sz="1050" spc="-1" strike="noStrike">
+              <a:latin typeface="Arial"/>
+            </a:endParaRPr>
+          </a:p>
+          <a:p>
+            <a:pPr marL="355680">
+              <a:lnSpc>
+                <a:spcPct val="115000"/>
+              </a:lnSpc>
+              <a:spcBef>
+                <a:spcPts val="1100"/>
+              </a:spcBef>
+              <a:buNone/>
+              <a:tabLst>
+                <a:tab algn="l" pos="0"/>
+              </a:tabLst>
+            </a:pPr>
+            <a:r>
+              <a:rPr b="1" lang="ru" sz="1050" spc="-1" strike="noStrike">
+                <a:solidFill>
+                  <a:srgbClr val="006699"/>
+                </a:solidFill>
+                <a:highlight>
+                  <a:srgbClr val="f8f7f2"/>
+                </a:highlight>
+                <a:latin typeface="Courier New"/>
+                <a:ea typeface="Courier New"/>
+              </a:rPr>
+              <a:t>  </a:t>
+            </a:r>
+            <a:r>
+              <a:rPr b="1" lang="ru" sz="1050" spc="-1" strike="noStrike">
+                <a:solidFill>
+                  <a:srgbClr val="006699"/>
+                </a:solidFill>
+                <a:highlight>
+                  <a:srgbClr val="f8f7f2"/>
+                </a:highlight>
+                <a:latin typeface="Courier New"/>
+                <a:ea typeface="Courier New"/>
+              </a:rPr>
+              <a:t>align-items: flex-end;</a:t>
+            </a:r>
+            <a:endParaRPr b="0" lang="en-US" sz="1050" spc="-1" strike="noStrike">
+              <a:latin typeface="Arial"/>
+            </a:endParaRPr>
+          </a:p>
+          <a:p>
+            <a:pPr marL="355680">
+              <a:lnSpc>
+                <a:spcPct val="115000"/>
+              </a:lnSpc>
+              <a:spcBef>
+                <a:spcPts val="1100"/>
+              </a:spcBef>
+              <a:buNone/>
+              <a:tabLst>
+                <a:tab algn="l" pos="0"/>
+              </a:tabLst>
+            </a:pPr>
+            <a:r>
+              <a:rPr b="1" lang="ru" sz="1050" spc="-1" strike="noStrike">
+                <a:solidFill>
+                  <a:srgbClr val="006699"/>
+                </a:solidFill>
+                <a:highlight>
+                  <a:srgbClr val="f8f7f2"/>
+                </a:highlight>
+                <a:latin typeface="Courier New"/>
+                <a:ea typeface="Courier New"/>
+              </a:rPr>
+              <a:t>  </a:t>
+            </a:r>
+            <a:r>
+              <a:rPr b="1" lang="ru" sz="1050" spc="-1" strike="noStrike">
+                <a:solidFill>
+                  <a:srgbClr val="006699"/>
+                </a:solidFill>
+                <a:highlight>
+                  <a:srgbClr val="f8f7f2"/>
+                </a:highlight>
+                <a:latin typeface="Courier New"/>
+                <a:ea typeface="Courier New"/>
+              </a:rPr>
+              <a:t>align-items: center;</a:t>
+            </a:r>
+            <a:endParaRPr b="0" lang="en-US" sz="1050" spc="-1" strike="noStrike">
+              <a:latin typeface="Arial"/>
+            </a:endParaRPr>
+          </a:p>
+          <a:p>
+            <a:pPr marL="355680">
+              <a:lnSpc>
+                <a:spcPct val="115000"/>
+              </a:lnSpc>
+              <a:spcBef>
+                <a:spcPts val="1100"/>
+              </a:spcBef>
+              <a:buNone/>
+              <a:tabLst>
+                <a:tab algn="l" pos="0"/>
+              </a:tabLst>
+            </a:pPr>
+            <a:r>
+              <a:rPr b="1" lang="ru" sz="1050" spc="-1" strike="noStrike">
+                <a:solidFill>
+                  <a:srgbClr val="006699"/>
+                </a:solidFill>
+                <a:highlight>
+                  <a:srgbClr val="f8f7f2"/>
+                </a:highlight>
+                <a:latin typeface="Courier New"/>
+                <a:ea typeface="Courier New"/>
+              </a:rPr>
+              <a:t>  </a:t>
+            </a:r>
+            <a:r>
+              <a:rPr b="1" lang="ru" sz="1050" spc="-1" strike="noStrike">
+                <a:solidFill>
+                  <a:srgbClr val="006699"/>
+                </a:solidFill>
+                <a:highlight>
+                  <a:srgbClr val="f8f7f2"/>
+                </a:highlight>
+                <a:latin typeface="Courier New"/>
+                <a:ea typeface="Courier New"/>
+              </a:rPr>
+              <a:t>align-items: stretch;</a:t>
+            </a:r>
+            <a:endParaRPr b="0" lang="en-US" sz="1050" spc="-1" strike="noStrike">
+              <a:latin typeface="Arial"/>
+            </a:endParaRPr>
+          </a:p>
+          <a:p>
+            <a:pPr marL="355680">
+              <a:lnSpc>
+                <a:spcPct val="115000"/>
+              </a:lnSpc>
+              <a:spcBef>
+                <a:spcPts val="1100"/>
+              </a:spcBef>
+              <a:buNone/>
+              <a:tabLst>
+                <a:tab algn="l" pos="0"/>
+              </a:tabLst>
+            </a:pPr>
+            <a:r>
+              <a:rPr b="1" lang="ru" sz="1050" spc="-1" strike="noStrike">
+                <a:solidFill>
+                  <a:srgbClr val="006699"/>
+                </a:solidFill>
+                <a:highlight>
+                  <a:srgbClr val="f8f7f2"/>
+                </a:highlight>
+                <a:latin typeface="Courier New"/>
+                <a:ea typeface="Courier New"/>
+              </a:rPr>
+              <a:t>  </a:t>
+            </a:r>
+            <a:r>
+              <a:rPr b="1" lang="ru" sz="1050" spc="-1" strike="noStrike">
+                <a:solidFill>
+                  <a:srgbClr val="006699"/>
+                </a:solidFill>
+                <a:highlight>
+                  <a:srgbClr val="f8f7f2"/>
+                </a:highlight>
+                <a:latin typeface="Courier New"/>
+                <a:ea typeface="Courier New"/>
+              </a:rPr>
+              <a:t>align-items: baseline;</a:t>
+            </a:r>
+            <a:endParaRPr b="0" lang="en-US" sz="1050" spc="-1" strike="noStrike">
+              <a:latin typeface="Arial"/>
+            </a:endParaRPr>
+          </a:p>
+          <a:p>
+            <a:pPr marL="355680">
+              <a:lnSpc>
+                <a:spcPct val="115000"/>
+              </a:lnSpc>
+              <a:spcBef>
+                <a:spcPts val="1100"/>
+              </a:spcBef>
+              <a:buNone/>
+              <a:tabLst>
+                <a:tab algn="l" pos="0"/>
+              </a:tabLst>
+            </a:pPr>
+            <a:r>
+              <a:rPr b="1" lang="ru" sz="1050" spc="-1" strike="noStrike">
+                <a:solidFill>
+                  <a:srgbClr val="006699"/>
+                </a:solidFill>
+                <a:highlight>
+                  <a:srgbClr val="f8f7f2"/>
+                </a:highlight>
+                <a:latin typeface="Courier New"/>
+                <a:ea typeface="Courier New"/>
+              </a:rPr>
+              <a:t>}</a:t>
+            </a:r>
+            <a:endParaRPr b="0" lang="en-US" sz="1050" spc="-1" strike="noStrike">
               <a:latin typeface="Arial"/>
             </a:endParaRPr>
           </a:p>
@@ -11805,12 +9414,35 @@
                 <a:tab algn="l" pos="0"/>
               </a:tabLst>
             </a:pPr>
-            <a:endParaRPr b="0" lang="ru-RU" sz="1050" spc="-1" strike="noStrike">
+            <a:endParaRPr b="0" lang="en-US" sz="1050" spc="-1" strike="noStrike">
               <a:latin typeface="Arial"/>
             </a:endParaRPr>
           </a:p>
         </p:txBody>
       </p:sp>
+      <p:pic>
+        <p:nvPicPr>
+          <p:cNvPr id="160" name="Google Shape;203;p29" descr=""/>
+          <p:cNvPicPr/>
+          <p:nvPr/>
+        </p:nvPicPr>
+        <p:blipFill>
+          <a:blip r:embed="rId3"/>
+          <a:stretch/>
+        </p:blipFill>
+        <p:spPr>
+          <a:xfrm>
+            <a:off x="0" y="3143160"/>
+            <a:ext cx="5714640" cy="1999800"/>
+          </a:xfrm>
+          <a:prstGeom prst="rect">
+            <a:avLst/>
+          </a:prstGeom>
+          <a:ln w="0">
+            <a:noFill/>
+          </a:ln>
+        </p:spPr>
+      </p:pic>
     </p:spTree>
   </p:cSld>
   <mc:AlternateContent>
@@ -11851,7 +9483,7 @@
       </p:grpSpPr>
       <p:pic>
         <p:nvPicPr>
-          <p:cNvPr id="157" name="Google Shape;214;p31" descr=""/>
+          <p:cNvPr id="161" name="Google Shape;208;p30" descr=""/>
           <p:cNvPicPr/>
           <p:nvPr/>
         </p:nvPicPr>
@@ -11874,7 +9506,7 @@
       </p:pic>
       <p:sp>
         <p:nvSpPr>
-          <p:cNvPr id="158" name="Google Shape;215;p31"/>
+          <p:cNvPr id="162" name="Google Shape;209;p30"/>
           <p:cNvSpPr/>
           <p:nvPr/>
         </p:nvSpPr>
@@ -11916,7 +9548,7 @@
       </p:sp>
       <p:sp>
         <p:nvSpPr>
-          <p:cNvPr id="159" name="Google Shape;216;p31"/>
+          <p:cNvPr id="163" name="Google Shape;210;p30"/>
           <p:cNvSpPr/>
           <p:nvPr/>
         </p:nvSpPr>
@@ -11958,7 +9590,7 @@
       </p:sp>
       <p:sp>
         <p:nvSpPr>
-          <p:cNvPr id="160" name="Google Shape;217;p31"/>
+          <p:cNvPr id="164" name="Google Shape;211;p30"/>
           <p:cNvSpPr/>
           <p:nvPr/>
         </p:nvSpPr>
@@ -12000,14 +9632,14 @@
       </p:sp>
       <p:sp>
         <p:nvSpPr>
-          <p:cNvPr id="161" name="Google Shape;218;p31"/>
+          <p:cNvPr id="165" name="Google Shape;212;p30"/>
           <p:cNvSpPr/>
           <p:nvPr/>
         </p:nvSpPr>
         <p:spPr>
           <a:xfrm>
             <a:off x="3638880" y="229680"/>
-            <a:ext cx="4268520" cy="609840"/>
+            <a:ext cx="4268520" cy="609120"/>
           </a:xfrm>
           <a:prstGeom prst="rect">
             <a:avLst/>
@@ -12045,9 +9677,9 @@
                 <a:latin typeface="Source Sans Pro"/>
                 <a:ea typeface="Source Sans Pro"/>
               </a:rPr>
-              <a:t>Textarea</a:t>
-            </a:r>
-            <a:endParaRPr b="0" lang="ru-RU" sz="2800" spc="-1" strike="noStrike">
+              <a:t>Align self</a:t>
+            </a:r>
+            <a:endParaRPr b="0" lang="en-US" sz="2800" spc="-1" strike="noStrike">
               <a:latin typeface="Arial"/>
             </a:endParaRPr>
           </a:p>
@@ -12055,14 +9687,14 @@
       </p:sp>
       <p:sp>
         <p:nvSpPr>
-          <p:cNvPr id="162" name="Google Shape;219;p31"/>
+          <p:cNvPr id="166" name="Google Shape;213;p30"/>
           <p:cNvSpPr/>
           <p:nvPr/>
         </p:nvSpPr>
         <p:spPr>
           <a:xfrm>
-            <a:off x="1387440" y="1215000"/>
-            <a:ext cx="6795720" cy="567000"/>
+            <a:off x="3521160" y="757800"/>
+            <a:ext cx="6795720" cy="374760"/>
           </a:xfrm>
           <a:prstGeom prst="rect">
             <a:avLst/>
@@ -12109,35 +9741,9 @@
                 <a:latin typeface="Arial"/>
                 <a:ea typeface="Arial"/>
               </a:rPr>
-              <a:t>Поле </a:t>
-            </a:r>
-            <a:r>
-              <a:rPr b="1" lang="ru" sz="1100" spc="-1" strike="noStrike">
-                <a:solidFill>
-                  <a:srgbClr val="006699"/>
-                </a:solidFill>
-                <a:highlight>
-                  <a:srgbClr val="ffffff"/>
-                </a:highlight>
-                <a:latin typeface="Courier New"/>
-                <a:ea typeface="Courier New"/>
-              </a:rPr>
-              <a:t>&lt;textarea&gt;</a:t>
-            </a:r>
-            <a:r>
-              <a:rPr b="0" lang="ru" sz="1100" spc="-1" strike="noStrike">
-                <a:solidFill>
-                  <a:srgbClr val="000000"/>
-                </a:solidFill>
-                <a:highlight>
-                  <a:srgbClr val="ffffff"/>
-                </a:highlight>
-                <a:latin typeface="Arial"/>
-                <a:ea typeface="Arial"/>
-              </a:rPr>
-              <a:t> представляет собой элемент формы для создания области, в которую можно вводить несколько строк текста</a:t>
-            </a:r>
-            <a:endParaRPr b="0" lang="ru-RU" sz="1100" spc="-1" strike="noStrike">
+              <a:t>Позволяет выравнивать элементы по отдельности</a:t>
+            </a:r>
+            <a:endParaRPr b="0" lang="en-US" sz="1100" spc="-1" strike="noStrike">
               <a:latin typeface="Arial"/>
             </a:endParaRPr>
           </a:p>
@@ -12145,14 +9751,14 @@
       </p:sp>
       <p:sp>
         <p:nvSpPr>
-          <p:cNvPr id="163" name="Google Shape;220;p31"/>
+          <p:cNvPr id="167" name="Google Shape;214;p30"/>
           <p:cNvSpPr/>
           <p:nvPr/>
         </p:nvSpPr>
         <p:spPr>
           <a:xfrm>
-            <a:off x="2882880" y="2134440"/>
-            <a:ext cx="2999520" cy="1590120"/>
+            <a:off x="5654880" y="991440"/>
+            <a:ext cx="5724720" cy="3600360"/>
           </a:xfrm>
           <a:prstGeom prst="rect">
             <a:avLst/>
@@ -12198,7 +9804,7 @@
               </a:rPr>
               <a:t>Синтаксис</a:t>
             </a:r>
-            <a:endParaRPr b="0" lang="ru-RU" sz="1450" spc="-1" strike="noStrike">
+            <a:endParaRPr b="0" lang="en-US" sz="1450" spc="-1" strike="noStrike">
               <a:latin typeface="Arial"/>
             </a:endParaRPr>
           </a:p>
@@ -12223,9 +9829,9 @@
                 <a:latin typeface="Courier New"/>
                 <a:ea typeface="Courier New"/>
               </a:rPr>
-              <a:t>&lt;textarea атрибуты&gt;</a:t>
-            </a:r>
-            <a:endParaRPr b="0" lang="ru-RU" sz="1050" spc="-1" strike="noStrike">
+              <a:t>.wrapper {</a:t>
+            </a:r>
+            <a:endParaRPr b="0" lang="en-US" sz="1050" spc="-1" strike="noStrike">
               <a:latin typeface="Arial"/>
             </a:endParaRPr>
           </a:p>
@@ -12243,9 +9849,9 @@
               </a:tabLst>
             </a:pPr>
             <a:r>
-              <a:rPr b="0" lang="ru" sz="1050" spc="-1" strike="noStrike">
-                <a:solidFill>
-                  <a:srgbClr val="000000"/>
+              <a:rPr b="1" lang="ru" sz="1050" spc="-1" strike="noStrike">
+                <a:solidFill>
+                  <a:srgbClr val="006699"/>
                 </a:solidFill>
                 <a:highlight>
                   <a:srgbClr val="f8f7f2"/>
@@ -12256,9 +9862,9 @@
               <a:t>  </a:t>
             </a:r>
             <a:r>
-              <a:rPr b="0" lang="ru" sz="1050" spc="-1" strike="noStrike">
-                <a:solidFill>
-                  <a:srgbClr val="000000"/>
+              <a:rPr b="1" lang="ru" sz="1050" spc="-1" strike="noStrike">
+                <a:solidFill>
+                  <a:srgbClr val="006699"/>
                 </a:solidFill>
                 <a:highlight>
                   <a:srgbClr val="f8f7f2"/>
@@ -12266,9 +9872,9 @@
                 <a:latin typeface="Courier New"/>
                 <a:ea typeface="Courier New"/>
               </a:rPr>
-              <a:t>текст</a:t>
-            </a:r>
-            <a:endParaRPr b="0" lang="ru-RU" sz="1050" spc="-1" strike="noStrike">
+              <a:t>display: flex;</a:t>
+            </a:r>
+            <a:endParaRPr b="0" lang="en-US" sz="1050" spc="-1" strike="noStrike">
               <a:latin typeface="Arial"/>
             </a:endParaRPr>
           </a:p>
@@ -12296,9 +9902,241 @@
                 <a:latin typeface="Courier New"/>
                 <a:ea typeface="Courier New"/>
               </a:rPr>
-              <a:t>&lt;/textarea&gt;</a:t>
-            </a:r>
-            <a:endParaRPr b="0" lang="ru-RU" sz="1050" spc="-1" strike="noStrike">
+              <a:t>  </a:t>
+            </a:r>
+            <a:r>
+              <a:rPr b="1" lang="ru" sz="1050" spc="-1" strike="noStrike">
+                <a:solidFill>
+                  <a:srgbClr val="006699"/>
+                </a:solidFill>
+                <a:highlight>
+                  <a:srgbClr val="f8f7f2"/>
+                </a:highlight>
+                <a:latin typeface="Courier New"/>
+                <a:ea typeface="Courier New"/>
+              </a:rPr>
+              <a:t>align-items: flex-start;</a:t>
+            </a:r>
+            <a:endParaRPr b="0" lang="en-US" sz="1050" spc="-1" strike="noStrike">
+              <a:latin typeface="Arial"/>
+            </a:endParaRPr>
+          </a:p>
+          <a:p>
+            <a:pPr marL="355680">
+              <a:lnSpc>
+                <a:spcPct val="115000"/>
+              </a:lnSpc>
+              <a:spcBef>
+                <a:spcPts val="1100"/>
+              </a:spcBef>
+              <a:buNone/>
+              <a:tabLst>
+                <a:tab algn="l" pos="0"/>
+              </a:tabLst>
+            </a:pPr>
+            <a:r>
+              <a:rPr b="1" lang="ru" sz="1050" spc="-1" strike="noStrike">
+                <a:solidFill>
+                  <a:srgbClr val="006699"/>
+                </a:solidFill>
+                <a:highlight>
+                  <a:srgbClr val="f8f7f2"/>
+                </a:highlight>
+                <a:latin typeface="Courier New"/>
+                <a:ea typeface="Courier New"/>
+              </a:rPr>
+              <a:t>  </a:t>
+            </a:r>
+            <a:r>
+              <a:rPr b="1" lang="ru" sz="1050" spc="-1" strike="noStrike">
+                <a:solidFill>
+                  <a:srgbClr val="006699"/>
+                </a:solidFill>
+                <a:highlight>
+                  <a:srgbClr val="f8f7f2"/>
+                </a:highlight>
+                <a:latin typeface="Courier New"/>
+                <a:ea typeface="Courier New"/>
+              </a:rPr>
+              <a:t>align-items: flex-end;</a:t>
+            </a:r>
+            <a:endParaRPr b="0" lang="en-US" sz="1050" spc="-1" strike="noStrike">
+              <a:latin typeface="Arial"/>
+            </a:endParaRPr>
+          </a:p>
+          <a:p>
+            <a:pPr marL="355680">
+              <a:lnSpc>
+                <a:spcPct val="115000"/>
+              </a:lnSpc>
+              <a:spcBef>
+                <a:spcPts val="1100"/>
+              </a:spcBef>
+              <a:buNone/>
+              <a:tabLst>
+                <a:tab algn="l" pos="0"/>
+              </a:tabLst>
+            </a:pPr>
+            <a:r>
+              <a:rPr b="1" lang="ru" sz="1050" spc="-1" strike="noStrike">
+                <a:solidFill>
+                  <a:srgbClr val="006699"/>
+                </a:solidFill>
+                <a:highlight>
+                  <a:srgbClr val="f8f7f2"/>
+                </a:highlight>
+                <a:latin typeface="Courier New"/>
+                <a:ea typeface="Courier New"/>
+              </a:rPr>
+              <a:t>  </a:t>
+            </a:r>
+            <a:r>
+              <a:rPr b="1" lang="ru" sz="1050" spc="-1" strike="noStrike">
+                <a:solidFill>
+                  <a:srgbClr val="006699"/>
+                </a:solidFill>
+                <a:highlight>
+                  <a:srgbClr val="f8f7f2"/>
+                </a:highlight>
+                <a:latin typeface="Courier New"/>
+                <a:ea typeface="Courier New"/>
+              </a:rPr>
+              <a:t>align-items: center;</a:t>
+            </a:r>
+            <a:endParaRPr b="0" lang="en-US" sz="1050" spc="-1" strike="noStrike">
+              <a:latin typeface="Arial"/>
+            </a:endParaRPr>
+          </a:p>
+          <a:p>
+            <a:pPr marL="355680">
+              <a:lnSpc>
+                <a:spcPct val="115000"/>
+              </a:lnSpc>
+              <a:spcBef>
+                <a:spcPts val="1100"/>
+              </a:spcBef>
+              <a:buNone/>
+              <a:tabLst>
+                <a:tab algn="l" pos="0"/>
+              </a:tabLst>
+            </a:pPr>
+            <a:r>
+              <a:rPr b="1" lang="ru" sz="1050" spc="-1" strike="noStrike">
+                <a:solidFill>
+                  <a:srgbClr val="006699"/>
+                </a:solidFill>
+                <a:highlight>
+                  <a:srgbClr val="f8f7f2"/>
+                </a:highlight>
+                <a:latin typeface="Courier New"/>
+                <a:ea typeface="Courier New"/>
+              </a:rPr>
+              <a:t>  </a:t>
+            </a:r>
+            <a:r>
+              <a:rPr b="1" lang="ru" sz="1050" spc="-1" strike="noStrike">
+                <a:solidFill>
+                  <a:srgbClr val="006699"/>
+                </a:solidFill>
+                <a:highlight>
+                  <a:srgbClr val="f8f7f2"/>
+                </a:highlight>
+                <a:latin typeface="Courier New"/>
+                <a:ea typeface="Courier New"/>
+              </a:rPr>
+              <a:t>align-items: stretch;</a:t>
+            </a:r>
+            <a:endParaRPr b="0" lang="en-US" sz="1050" spc="-1" strike="noStrike">
+              <a:latin typeface="Arial"/>
+            </a:endParaRPr>
+          </a:p>
+          <a:p>
+            <a:pPr marL="355680">
+              <a:lnSpc>
+                <a:spcPct val="115000"/>
+              </a:lnSpc>
+              <a:spcBef>
+                <a:spcPts val="1100"/>
+              </a:spcBef>
+              <a:buNone/>
+              <a:tabLst>
+                <a:tab algn="l" pos="0"/>
+              </a:tabLst>
+            </a:pPr>
+            <a:r>
+              <a:rPr b="1" lang="ru" sz="1050" spc="-1" strike="noStrike">
+                <a:solidFill>
+                  <a:srgbClr val="006699"/>
+                </a:solidFill>
+                <a:highlight>
+                  <a:srgbClr val="f8f7f2"/>
+                </a:highlight>
+                <a:latin typeface="Courier New"/>
+                <a:ea typeface="Courier New"/>
+              </a:rPr>
+              <a:t>  </a:t>
+            </a:r>
+            <a:r>
+              <a:rPr b="1" lang="ru" sz="1050" spc="-1" strike="noStrike">
+                <a:solidFill>
+                  <a:srgbClr val="006699"/>
+                </a:solidFill>
+                <a:highlight>
+                  <a:srgbClr val="f8f7f2"/>
+                </a:highlight>
+                <a:latin typeface="Courier New"/>
+                <a:ea typeface="Courier New"/>
+              </a:rPr>
+              <a:t>align-items: baseline;</a:t>
+            </a:r>
+            <a:endParaRPr b="0" lang="en-US" sz="1050" spc="-1" strike="noStrike">
+              <a:latin typeface="Arial"/>
+            </a:endParaRPr>
+          </a:p>
+          <a:p>
+            <a:pPr marL="355680">
+              <a:lnSpc>
+                <a:spcPct val="115000"/>
+              </a:lnSpc>
+              <a:spcBef>
+                <a:spcPts val="1100"/>
+              </a:spcBef>
+              <a:buNone/>
+              <a:tabLst>
+                <a:tab algn="l" pos="0"/>
+              </a:tabLst>
+            </a:pPr>
+            <a:r>
+              <a:rPr b="1" lang="ru" sz="1050" spc="-1" strike="noStrike">
+                <a:solidFill>
+                  <a:srgbClr val="006699"/>
+                </a:solidFill>
+                <a:highlight>
+                  <a:srgbClr val="f8f7f2"/>
+                </a:highlight>
+                <a:latin typeface="Courier New"/>
+                <a:ea typeface="Courier New"/>
+              </a:rPr>
+              <a:t>}</a:t>
+            </a:r>
+            <a:endParaRPr b="0" lang="en-US" sz="1050" spc="-1" strike="noStrike">
+              <a:latin typeface="Arial"/>
+            </a:endParaRPr>
+          </a:p>
+          <a:p>
+            <a:pPr marL="355680">
+              <a:lnSpc>
+                <a:spcPct val="115000"/>
+              </a:lnSpc>
+              <a:spcBef>
+                <a:spcPts val="1100"/>
+              </a:spcBef>
+              <a:buNone/>
+              <a:tabLst>
+                <a:tab algn="l" pos="0"/>
+              </a:tabLst>
+            </a:pPr>
+            <a:endParaRPr b="0" lang="en-US" sz="1050" spc="-1" strike="noStrike">
               <a:latin typeface="Arial"/>
             </a:endParaRPr>
           </a:p>
@@ -12318,12 +10156,35 @@
                 <a:tab algn="l" pos="0"/>
               </a:tabLst>
             </a:pPr>
-            <a:endParaRPr b="0" lang="ru-RU" sz="1050" spc="-1" strike="noStrike">
+            <a:endParaRPr b="0" lang="en-US" sz="1450" spc="-1" strike="noStrike">
               <a:latin typeface="Arial"/>
             </a:endParaRPr>
           </a:p>
         </p:txBody>
       </p:sp>
+      <p:pic>
+        <p:nvPicPr>
+          <p:cNvPr id="168" name="Google Shape;215;p30" descr=""/>
+          <p:cNvPicPr/>
+          <p:nvPr/>
+        </p:nvPicPr>
+        <p:blipFill>
+          <a:blip r:embed="rId3"/>
+          <a:stretch/>
+        </p:blipFill>
+        <p:spPr>
+          <a:xfrm>
+            <a:off x="0" y="3352680"/>
+            <a:ext cx="5714640" cy="1790280"/>
+          </a:xfrm>
+          <a:prstGeom prst="rect">
+            <a:avLst/>
+          </a:prstGeom>
+          <a:ln w="0">
+            <a:noFill/>
+          </a:ln>
+        </p:spPr>
+      </p:pic>
     </p:spTree>
   </p:cSld>
   <mc:AlternateContent>
